--- a/outros/desenho_proposta.pptx
+++ b/outros/desenho_proposta.pptx
@@ -2,15 +2,12 @@
 <file path=ppt/presentation.xml><?xml version="1.0" encoding="utf-8"?>
 <p:presentation xmlns:a="http://schemas.openxmlformats.org/drawingml/2006/main" xmlns:r="http://schemas.openxmlformats.org/officeDocument/2006/relationships" xmlns:p="http://schemas.openxmlformats.org/presentationml/2006/main" saveSubsetFonts="1">
   <p:sldMasterIdLst>
-    <p:sldMasterId id="2147483684" r:id="rId1"/>
+    <p:sldMasterId id="2147483732" r:id="rId1"/>
   </p:sldMasterIdLst>
   <p:sldIdLst>
-    <p:sldId id="256" r:id="rId2"/>
-    <p:sldId id="257" r:id="rId3"/>
-    <p:sldId id="258" r:id="rId4"/>
-    <p:sldId id="259" r:id="rId5"/>
+    <p:sldId id="259" r:id="rId2"/>
   </p:sldIdLst>
-  <p:sldSz cx="10058400" cy="2286000"/>
+  <p:sldSz cx="10058400" cy="2160588"/>
   <p:notesSz cx="6858000" cy="9144000"/>
   <p:defaultTextStyle>
     <a:defPPr>
@@ -144,15 +141,15 @@
         </p:nvSpPr>
         <p:spPr>
           <a:xfrm>
-            <a:off x="1257300" y="374121"/>
-            <a:ext cx="7543800" cy="795867"/>
+            <a:off x="1257300" y="353596"/>
+            <a:ext cx="7543800" cy="752205"/>
           </a:xfrm>
         </p:spPr>
         <p:txBody>
           <a:bodyPr anchor="b"/>
           <a:lstStyle>
             <a:lvl1pPr algn="ctr">
-              <a:defRPr sz="2000"/>
+              <a:defRPr sz="1890"/>
             </a:lvl1pPr>
           </a:lstStyle>
           <a:p>
@@ -176,8 +173,8 @@
         </p:nvSpPr>
         <p:spPr>
           <a:xfrm>
-            <a:off x="1257300" y="1200679"/>
-            <a:ext cx="7543800" cy="551921"/>
+            <a:off x="1257300" y="1134809"/>
+            <a:ext cx="7543800" cy="521642"/>
           </a:xfrm>
         </p:spPr>
         <p:txBody>
@@ -185,39 +182,39 @@
           <a:lstStyle>
             <a:lvl1pPr marL="0" indent="0" algn="ctr">
               <a:buNone/>
-              <a:defRPr sz="800"/>
+              <a:defRPr sz="756"/>
             </a:lvl1pPr>
-            <a:lvl2pPr marL="152385" indent="0" algn="ctr">
-              <a:buNone/>
-              <a:defRPr sz="667"/>
+            <a:lvl2pPr marL="144018" indent="0" algn="ctr">
+              <a:buNone/>
+              <a:defRPr sz="630"/>
             </a:lvl2pPr>
-            <a:lvl3pPr marL="304770" indent="0" algn="ctr">
-              <a:buNone/>
-              <a:defRPr sz="600"/>
+            <a:lvl3pPr marL="288036" indent="0" algn="ctr">
+              <a:buNone/>
+              <a:defRPr sz="567"/>
             </a:lvl3pPr>
-            <a:lvl4pPr marL="457154" indent="0" algn="ctr">
-              <a:buNone/>
-              <a:defRPr sz="533"/>
+            <a:lvl4pPr marL="432054" indent="0" algn="ctr">
+              <a:buNone/>
+              <a:defRPr sz="504"/>
             </a:lvl4pPr>
-            <a:lvl5pPr marL="609539" indent="0" algn="ctr">
-              <a:buNone/>
-              <a:defRPr sz="533"/>
+            <a:lvl5pPr marL="576072" indent="0" algn="ctr">
+              <a:buNone/>
+              <a:defRPr sz="504"/>
             </a:lvl5pPr>
-            <a:lvl6pPr marL="761924" indent="0" algn="ctr">
-              <a:buNone/>
-              <a:defRPr sz="533"/>
+            <a:lvl6pPr marL="720090" indent="0" algn="ctr">
+              <a:buNone/>
+              <a:defRPr sz="504"/>
             </a:lvl6pPr>
-            <a:lvl7pPr marL="914309" indent="0" algn="ctr">
-              <a:buNone/>
-              <a:defRPr sz="533"/>
+            <a:lvl7pPr marL="864108" indent="0" algn="ctr">
+              <a:buNone/>
+              <a:defRPr sz="504"/>
             </a:lvl7pPr>
-            <a:lvl8pPr marL="1066693" indent="0" algn="ctr">
-              <a:buNone/>
-              <a:defRPr sz="533"/>
+            <a:lvl8pPr marL="1008126" indent="0" algn="ctr">
+              <a:buNone/>
+              <a:defRPr sz="504"/>
             </a:lvl8pPr>
-            <a:lvl9pPr marL="1219078" indent="0" algn="ctr">
-              <a:buNone/>
-              <a:defRPr sz="533"/>
+            <a:lvl9pPr marL="1152144" indent="0" algn="ctr">
+              <a:buNone/>
+              <a:defRPr sz="504"/>
             </a:lvl9pPr>
           </a:lstStyle>
           <a:p>
@@ -246,7 +243,7 @@
           <a:p>
             <a:fld id="{E6E4C8EE-8F30-4ABB-8FFD-F6FAC0A5DBE8}" type="datetimeFigureOut">
               <a:rPr lang="en-US" smtClean="0"/>
-              <a:t>08/30/2024</a:t>
+              <a:t>11/5/2024</a:t>
             </a:fld>
             <a:endParaRPr lang="en-US"/>
           </a:p>
@@ -297,7 +294,7 @@
     </p:spTree>
     <p:extLst>
       <p:ext uri="{BB962C8B-B14F-4D97-AF65-F5344CB8AC3E}">
-        <p14:creationId xmlns:p14="http://schemas.microsoft.com/office/powerpoint/2010/main" val="4109126105"/>
+        <p14:creationId xmlns:p14="http://schemas.microsoft.com/office/powerpoint/2010/main" val="3296282284"/>
       </p:ext>
     </p:extLst>
   </p:cSld>
@@ -416,7 +413,7 @@
           <a:p>
             <a:fld id="{E6E4C8EE-8F30-4ABB-8FFD-F6FAC0A5DBE8}" type="datetimeFigureOut">
               <a:rPr lang="en-US" smtClean="0"/>
-              <a:t>08/30/2024</a:t>
+              <a:t>11/5/2024</a:t>
             </a:fld>
             <a:endParaRPr lang="en-US"/>
           </a:p>
@@ -467,7 +464,7 @@
     </p:spTree>
     <p:extLst>
       <p:ext uri="{BB962C8B-B14F-4D97-AF65-F5344CB8AC3E}">
-        <p14:creationId xmlns:p14="http://schemas.microsoft.com/office/powerpoint/2010/main" val="3989809873"/>
+        <p14:creationId xmlns:p14="http://schemas.microsoft.com/office/powerpoint/2010/main" val="46736569"/>
       </p:ext>
     </p:extLst>
   </p:cSld>
@@ -506,8 +503,8 @@
         </p:nvSpPr>
         <p:spPr>
           <a:xfrm>
-            <a:off x="7198042" y="121709"/>
-            <a:ext cx="2168843" cy="1937279"/>
+            <a:off x="7198042" y="115032"/>
+            <a:ext cx="2168843" cy="1830998"/>
           </a:xfrm>
         </p:spPr>
         <p:txBody>
@@ -534,8 +531,8 @@
         </p:nvSpPr>
         <p:spPr>
           <a:xfrm>
-            <a:off x="691515" y="121709"/>
-            <a:ext cx="6380798" cy="1937279"/>
+            <a:off x="691515" y="115032"/>
+            <a:ext cx="6380798" cy="1830998"/>
           </a:xfrm>
         </p:spPr>
         <p:txBody>
@@ -596,7 +593,7 @@
           <a:p>
             <a:fld id="{E6E4C8EE-8F30-4ABB-8FFD-F6FAC0A5DBE8}" type="datetimeFigureOut">
               <a:rPr lang="en-US" smtClean="0"/>
-              <a:t>08/30/2024</a:t>
+              <a:t>11/5/2024</a:t>
             </a:fld>
             <a:endParaRPr lang="en-US"/>
           </a:p>
@@ -647,7 +644,7 @@
     </p:spTree>
     <p:extLst>
       <p:ext uri="{BB962C8B-B14F-4D97-AF65-F5344CB8AC3E}">
-        <p14:creationId xmlns:p14="http://schemas.microsoft.com/office/powerpoint/2010/main" val="1472321472"/>
+        <p14:creationId xmlns:p14="http://schemas.microsoft.com/office/powerpoint/2010/main" val="3380222401"/>
       </p:ext>
     </p:extLst>
   </p:cSld>
@@ -766,7 +763,7 @@
           <a:p>
             <a:fld id="{E6E4C8EE-8F30-4ABB-8FFD-F6FAC0A5DBE8}" type="datetimeFigureOut">
               <a:rPr lang="en-US" smtClean="0"/>
-              <a:t>08/30/2024</a:t>
+              <a:t>11/5/2024</a:t>
             </a:fld>
             <a:endParaRPr lang="en-US"/>
           </a:p>
@@ -817,7 +814,7 @@
     </p:spTree>
     <p:extLst>
       <p:ext uri="{BB962C8B-B14F-4D97-AF65-F5344CB8AC3E}">
-        <p14:creationId xmlns:p14="http://schemas.microsoft.com/office/powerpoint/2010/main" val="1593533825"/>
+        <p14:creationId xmlns:p14="http://schemas.microsoft.com/office/powerpoint/2010/main" val="2726202723"/>
       </p:ext>
     </p:extLst>
   </p:cSld>
@@ -856,15 +853,15 @@
         </p:nvSpPr>
         <p:spPr>
           <a:xfrm>
-            <a:off x="686276" y="569913"/>
-            <a:ext cx="8675370" cy="950912"/>
+            <a:off x="686276" y="538647"/>
+            <a:ext cx="8675370" cy="898744"/>
           </a:xfrm>
         </p:spPr>
         <p:txBody>
           <a:bodyPr anchor="b"/>
           <a:lstStyle>
             <a:lvl1pPr>
-              <a:defRPr sz="2000"/>
+              <a:defRPr sz="1890"/>
             </a:lvl1pPr>
           </a:lstStyle>
           <a:p>
@@ -888,8 +885,8 @@
         </p:nvSpPr>
         <p:spPr>
           <a:xfrm>
-            <a:off x="686276" y="1529821"/>
-            <a:ext cx="8675370" cy="500062"/>
+            <a:off x="686276" y="1445894"/>
+            <a:ext cx="8675370" cy="472628"/>
           </a:xfrm>
         </p:spPr>
         <p:txBody>
@@ -897,7 +894,7 @@
           <a:lstStyle>
             <a:lvl1pPr marL="0" indent="0">
               <a:buNone/>
-              <a:defRPr sz="800">
+              <a:defRPr sz="756">
                 <a:solidFill>
                   <a:schemeClr val="tx1">
                     <a:tint val="82000"/>
@@ -905,9 +902,9 @@
                 </a:solidFill>
               </a:defRPr>
             </a:lvl1pPr>
-            <a:lvl2pPr marL="152385" indent="0">
-              <a:buNone/>
-              <a:defRPr sz="667">
+            <a:lvl2pPr marL="144018" indent="0">
+              <a:buNone/>
+              <a:defRPr sz="630">
                 <a:solidFill>
                   <a:schemeClr val="tx1">
                     <a:tint val="82000"/>
@@ -915,9 +912,9 @@
                 </a:solidFill>
               </a:defRPr>
             </a:lvl2pPr>
-            <a:lvl3pPr marL="304770" indent="0">
-              <a:buNone/>
-              <a:defRPr sz="600">
+            <a:lvl3pPr marL="288036" indent="0">
+              <a:buNone/>
+              <a:defRPr sz="567">
                 <a:solidFill>
                   <a:schemeClr val="tx1">
                     <a:tint val="82000"/>
@@ -925,9 +922,9 @@
                 </a:solidFill>
               </a:defRPr>
             </a:lvl3pPr>
-            <a:lvl4pPr marL="457154" indent="0">
-              <a:buNone/>
-              <a:defRPr sz="533">
+            <a:lvl4pPr marL="432054" indent="0">
+              <a:buNone/>
+              <a:defRPr sz="504">
                 <a:solidFill>
                   <a:schemeClr val="tx1">
                     <a:tint val="82000"/>
@@ -935,9 +932,9 @@
                 </a:solidFill>
               </a:defRPr>
             </a:lvl4pPr>
-            <a:lvl5pPr marL="609539" indent="0">
-              <a:buNone/>
-              <a:defRPr sz="533">
+            <a:lvl5pPr marL="576072" indent="0">
+              <a:buNone/>
+              <a:defRPr sz="504">
                 <a:solidFill>
                   <a:schemeClr val="tx1">
                     <a:tint val="82000"/>
@@ -945,9 +942,9 @@
                 </a:solidFill>
               </a:defRPr>
             </a:lvl5pPr>
-            <a:lvl6pPr marL="761924" indent="0">
-              <a:buNone/>
-              <a:defRPr sz="533">
+            <a:lvl6pPr marL="720090" indent="0">
+              <a:buNone/>
+              <a:defRPr sz="504">
                 <a:solidFill>
                   <a:schemeClr val="tx1">
                     <a:tint val="82000"/>
@@ -955,9 +952,9 @@
                 </a:solidFill>
               </a:defRPr>
             </a:lvl6pPr>
-            <a:lvl7pPr marL="914309" indent="0">
-              <a:buNone/>
-              <a:defRPr sz="533">
+            <a:lvl7pPr marL="864108" indent="0">
+              <a:buNone/>
+              <a:defRPr sz="504">
                 <a:solidFill>
                   <a:schemeClr val="tx1">
                     <a:tint val="82000"/>
@@ -965,9 +962,9 @@
                 </a:solidFill>
               </a:defRPr>
             </a:lvl7pPr>
-            <a:lvl8pPr marL="1066693" indent="0">
-              <a:buNone/>
-              <a:defRPr sz="533">
+            <a:lvl8pPr marL="1008126" indent="0">
+              <a:buNone/>
+              <a:defRPr sz="504">
                 <a:solidFill>
                   <a:schemeClr val="tx1">
                     <a:tint val="82000"/>
@@ -975,9 +972,9 @@
                 </a:solidFill>
               </a:defRPr>
             </a:lvl8pPr>
-            <a:lvl9pPr marL="1219078" indent="0">
-              <a:buNone/>
-              <a:defRPr sz="533">
+            <a:lvl9pPr marL="1152144" indent="0">
+              <a:buNone/>
+              <a:defRPr sz="504">
                 <a:solidFill>
                   <a:schemeClr val="tx1">
                     <a:tint val="82000"/>
@@ -1012,7 +1009,7 @@
           <a:p>
             <a:fld id="{E6E4C8EE-8F30-4ABB-8FFD-F6FAC0A5DBE8}" type="datetimeFigureOut">
               <a:rPr lang="en-US" smtClean="0"/>
-              <a:t>08/30/2024</a:t>
+              <a:t>11/5/2024</a:t>
             </a:fld>
             <a:endParaRPr lang="en-US"/>
           </a:p>
@@ -1063,7 +1060,7 @@
     </p:spTree>
     <p:extLst>
       <p:ext uri="{BB962C8B-B14F-4D97-AF65-F5344CB8AC3E}">
-        <p14:creationId xmlns:p14="http://schemas.microsoft.com/office/powerpoint/2010/main" val="1575049780"/>
+        <p14:creationId xmlns:p14="http://schemas.microsoft.com/office/powerpoint/2010/main" val="652686345"/>
       </p:ext>
     </p:extLst>
   </p:cSld>
@@ -1125,8 +1122,8 @@
         </p:nvSpPr>
         <p:spPr>
           <a:xfrm>
-            <a:off x="691515" y="608542"/>
-            <a:ext cx="4274820" cy="1450446"/>
+            <a:off x="691515" y="575157"/>
+            <a:ext cx="4274820" cy="1370873"/>
           </a:xfrm>
         </p:spPr>
         <p:txBody>
@@ -1182,8 +1179,8 @@
         </p:nvSpPr>
         <p:spPr>
           <a:xfrm>
-            <a:off x="5092065" y="608542"/>
-            <a:ext cx="4274820" cy="1450446"/>
+            <a:off x="5092065" y="575157"/>
+            <a:ext cx="4274820" cy="1370873"/>
           </a:xfrm>
         </p:spPr>
         <p:txBody>
@@ -1244,7 +1241,7 @@
           <a:p>
             <a:fld id="{E6E4C8EE-8F30-4ABB-8FFD-F6FAC0A5DBE8}" type="datetimeFigureOut">
               <a:rPr lang="en-US" smtClean="0"/>
-              <a:t>08/30/2024</a:t>
+              <a:t>11/5/2024</a:t>
             </a:fld>
             <a:endParaRPr lang="en-US"/>
           </a:p>
@@ -1295,7 +1292,7 @@
     </p:spTree>
     <p:extLst>
       <p:ext uri="{BB962C8B-B14F-4D97-AF65-F5344CB8AC3E}">
-        <p14:creationId xmlns:p14="http://schemas.microsoft.com/office/powerpoint/2010/main" val="2463325666"/>
+        <p14:creationId xmlns:p14="http://schemas.microsoft.com/office/powerpoint/2010/main" val="2187760251"/>
       </p:ext>
     </p:extLst>
   </p:cSld>
@@ -1334,8 +1331,8 @@
         </p:nvSpPr>
         <p:spPr>
           <a:xfrm>
-            <a:off x="692825" y="121709"/>
-            <a:ext cx="8675370" cy="441854"/>
+            <a:off x="692825" y="115031"/>
+            <a:ext cx="8675370" cy="417614"/>
           </a:xfrm>
         </p:spPr>
         <p:txBody>
@@ -1362,8 +1359,8 @@
         </p:nvSpPr>
         <p:spPr>
           <a:xfrm>
-            <a:off x="692826" y="560388"/>
-            <a:ext cx="4255174" cy="274637"/>
+            <a:off x="692826" y="529645"/>
+            <a:ext cx="4255174" cy="259570"/>
           </a:xfrm>
         </p:spPr>
         <p:txBody>
@@ -1371,39 +1368,39 @@
           <a:lstStyle>
             <a:lvl1pPr marL="0" indent="0">
               <a:buNone/>
-              <a:defRPr sz="800" b="1"/>
+              <a:defRPr sz="756" b="1"/>
             </a:lvl1pPr>
-            <a:lvl2pPr marL="152385" indent="0">
-              <a:buNone/>
-              <a:defRPr sz="667" b="1"/>
+            <a:lvl2pPr marL="144018" indent="0">
+              <a:buNone/>
+              <a:defRPr sz="630" b="1"/>
             </a:lvl2pPr>
-            <a:lvl3pPr marL="304770" indent="0">
-              <a:buNone/>
-              <a:defRPr sz="600" b="1"/>
+            <a:lvl3pPr marL="288036" indent="0">
+              <a:buNone/>
+              <a:defRPr sz="567" b="1"/>
             </a:lvl3pPr>
-            <a:lvl4pPr marL="457154" indent="0">
-              <a:buNone/>
-              <a:defRPr sz="533" b="1"/>
+            <a:lvl4pPr marL="432054" indent="0">
+              <a:buNone/>
+              <a:defRPr sz="504" b="1"/>
             </a:lvl4pPr>
-            <a:lvl5pPr marL="609539" indent="0">
-              <a:buNone/>
-              <a:defRPr sz="533" b="1"/>
+            <a:lvl5pPr marL="576072" indent="0">
+              <a:buNone/>
+              <a:defRPr sz="504" b="1"/>
             </a:lvl5pPr>
-            <a:lvl6pPr marL="761924" indent="0">
-              <a:buNone/>
-              <a:defRPr sz="533" b="1"/>
+            <a:lvl6pPr marL="720090" indent="0">
+              <a:buNone/>
+              <a:defRPr sz="504" b="1"/>
             </a:lvl6pPr>
-            <a:lvl7pPr marL="914309" indent="0">
-              <a:buNone/>
-              <a:defRPr sz="533" b="1"/>
+            <a:lvl7pPr marL="864108" indent="0">
+              <a:buNone/>
+              <a:defRPr sz="504" b="1"/>
             </a:lvl7pPr>
-            <a:lvl8pPr marL="1066693" indent="0">
-              <a:buNone/>
-              <a:defRPr sz="533" b="1"/>
+            <a:lvl8pPr marL="1008126" indent="0">
+              <a:buNone/>
+              <a:defRPr sz="504" b="1"/>
             </a:lvl8pPr>
-            <a:lvl9pPr marL="1219078" indent="0">
-              <a:buNone/>
-              <a:defRPr sz="533" b="1"/>
+            <a:lvl9pPr marL="1152144" indent="0">
+              <a:buNone/>
+              <a:defRPr sz="504" b="1"/>
             </a:lvl9pPr>
           </a:lstStyle>
           <a:p>
@@ -1427,8 +1424,8 @@
         </p:nvSpPr>
         <p:spPr>
           <a:xfrm>
-            <a:off x="692826" y="835025"/>
-            <a:ext cx="4255174" cy="1228196"/>
+            <a:off x="692826" y="789215"/>
+            <a:ext cx="4255174" cy="1160816"/>
           </a:xfrm>
         </p:spPr>
         <p:txBody>
@@ -1484,8 +1481,8 @@
         </p:nvSpPr>
         <p:spPr>
           <a:xfrm>
-            <a:off x="5092065" y="560388"/>
-            <a:ext cx="4276130" cy="274637"/>
+            <a:off x="5092065" y="529645"/>
+            <a:ext cx="4276130" cy="259570"/>
           </a:xfrm>
         </p:spPr>
         <p:txBody>
@@ -1493,39 +1490,39 @@
           <a:lstStyle>
             <a:lvl1pPr marL="0" indent="0">
               <a:buNone/>
-              <a:defRPr sz="800" b="1"/>
+              <a:defRPr sz="756" b="1"/>
             </a:lvl1pPr>
-            <a:lvl2pPr marL="152385" indent="0">
-              <a:buNone/>
-              <a:defRPr sz="667" b="1"/>
+            <a:lvl2pPr marL="144018" indent="0">
+              <a:buNone/>
+              <a:defRPr sz="630" b="1"/>
             </a:lvl2pPr>
-            <a:lvl3pPr marL="304770" indent="0">
-              <a:buNone/>
-              <a:defRPr sz="600" b="1"/>
+            <a:lvl3pPr marL="288036" indent="0">
+              <a:buNone/>
+              <a:defRPr sz="567" b="1"/>
             </a:lvl3pPr>
-            <a:lvl4pPr marL="457154" indent="0">
-              <a:buNone/>
-              <a:defRPr sz="533" b="1"/>
+            <a:lvl4pPr marL="432054" indent="0">
+              <a:buNone/>
+              <a:defRPr sz="504" b="1"/>
             </a:lvl4pPr>
-            <a:lvl5pPr marL="609539" indent="0">
-              <a:buNone/>
-              <a:defRPr sz="533" b="1"/>
+            <a:lvl5pPr marL="576072" indent="0">
+              <a:buNone/>
+              <a:defRPr sz="504" b="1"/>
             </a:lvl5pPr>
-            <a:lvl6pPr marL="761924" indent="0">
-              <a:buNone/>
-              <a:defRPr sz="533" b="1"/>
+            <a:lvl6pPr marL="720090" indent="0">
+              <a:buNone/>
+              <a:defRPr sz="504" b="1"/>
             </a:lvl6pPr>
-            <a:lvl7pPr marL="914309" indent="0">
-              <a:buNone/>
-              <a:defRPr sz="533" b="1"/>
+            <a:lvl7pPr marL="864108" indent="0">
+              <a:buNone/>
+              <a:defRPr sz="504" b="1"/>
             </a:lvl7pPr>
-            <a:lvl8pPr marL="1066693" indent="0">
-              <a:buNone/>
-              <a:defRPr sz="533" b="1"/>
+            <a:lvl8pPr marL="1008126" indent="0">
+              <a:buNone/>
+              <a:defRPr sz="504" b="1"/>
             </a:lvl8pPr>
-            <a:lvl9pPr marL="1219078" indent="0">
-              <a:buNone/>
-              <a:defRPr sz="533" b="1"/>
+            <a:lvl9pPr marL="1152144" indent="0">
+              <a:buNone/>
+              <a:defRPr sz="504" b="1"/>
             </a:lvl9pPr>
           </a:lstStyle>
           <a:p>
@@ -1549,8 +1546,8 @@
         </p:nvSpPr>
         <p:spPr>
           <a:xfrm>
-            <a:off x="5092065" y="835025"/>
-            <a:ext cx="4276130" cy="1228196"/>
+            <a:off x="5092065" y="789215"/>
+            <a:ext cx="4276130" cy="1160816"/>
           </a:xfrm>
         </p:spPr>
         <p:txBody>
@@ -1611,7 +1608,7 @@
           <a:p>
             <a:fld id="{E6E4C8EE-8F30-4ABB-8FFD-F6FAC0A5DBE8}" type="datetimeFigureOut">
               <a:rPr lang="en-US" smtClean="0"/>
-              <a:t>08/30/2024</a:t>
+              <a:t>11/5/2024</a:t>
             </a:fld>
             <a:endParaRPr lang="en-US"/>
           </a:p>
@@ -1662,7 +1659,7 @@
     </p:spTree>
     <p:extLst>
       <p:ext uri="{BB962C8B-B14F-4D97-AF65-F5344CB8AC3E}">
-        <p14:creationId xmlns:p14="http://schemas.microsoft.com/office/powerpoint/2010/main" val="123793820"/>
+        <p14:creationId xmlns:p14="http://schemas.microsoft.com/office/powerpoint/2010/main" val="864632217"/>
       </p:ext>
     </p:extLst>
   </p:cSld>
@@ -1729,7 +1726,7 @@
           <a:p>
             <a:fld id="{E6E4C8EE-8F30-4ABB-8FFD-F6FAC0A5DBE8}" type="datetimeFigureOut">
               <a:rPr lang="en-US" smtClean="0"/>
-              <a:t>08/30/2024</a:t>
+              <a:t>11/5/2024</a:t>
             </a:fld>
             <a:endParaRPr lang="en-US"/>
           </a:p>
@@ -1780,7 +1777,7 @@
     </p:spTree>
     <p:extLst>
       <p:ext uri="{BB962C8B-B14F-4D97-AF65-F5344CB8AC3E}">
-        <p14:creationId xmlns:p14="http://schemas.microsoft.com/office/powerpoint/2010/main" val="803458516"/>
+        <p14:creationId xmlns:p14="http://schemas.microsoft.com/office/powerpoint/2010/main" val="3196615651"/>
       </p:ext>
     </p:extLst>
   </p:cSld>
@@ -1824,7 +1821,7 @@
           <a:p>
             <a:fld id="{E6E4C8EE-8F30-4ABB-8FFD-F6FAC0A5DBE8}" type="datetimeFigureOut">
               <a:rPr lang="en-US" smtClean="0"/>
-              <a:t>08/30/2024</a:t>
+              <a:t>11/5/2024</a:t>
             </a:fld>
             <a:endParaRPr lang="en-US"/>
           </a:p>
@@ -1875,7 +1872,7 @@
     </p:spTree>
     <p:extLst>
       <p:ext uri="{BB962C8B-B14F-4D97-AF65-F5344CB8AC3E}">
-        <p14:creationId xmlns:p14="http://schemas.microsoft.com/office/powerpoint/2010/main" val="2800888165"/>
+        <p14:creationId xmlns:p14="http://schemas.microsoft.com/office/powerpoint/2010/main" val="707968028"/>
       </p:ext>
     </p:extLst>
   </p:cSld>
@@ -1914,15 +1911,15 @@
         </p:nvSpPr>
         <p:spPr>
           <a:xfrm>
-            <a:off x="692825" y="152400"/>
-            <a:ext cx="3244096" cy="533400"/>
+            <a:off x="692825" y="144039"/>
+            <a:ext cx="3244096" cy="504137"/>
           </a:xfrm>
         </p:spPr>
         <p:txBody>
           <a:bodyPr anchor="b"/>
           <a:lstStyle>
             <a:lvl1pPr>
-              <a:defRPr sz="1067"/>
+              <a:defRPr sz="1008"/>
             </a:lvl1pPr>
           </a:lstStyle>
           <a:p>
@@ -1946,39 +1943,39 @@
         </p:nvSpPr>
         <p:spPr>
           <a:xfrm>
-            <a:off x="4276130" y="329142"/>
-            <a:ext cx="5092065" cy="1624542"/>
+            <a:off x="4276130" y="311085"/>
+            <a:ext cx="5092065" cy="1535418"/>
           </a:xfrm>
         </p:spPr>
         <p:txBody>
           <a:bodyPr/>
           <a:lstStyle>
             <a:lvl1pPr>
-              <a:defRPr sz="1067"/>
+              <a:defRPr sz="1008"/>
             </a:lvl1pPr>
             <a:lvl2pPr>
-              <a:defRPr sz="933"/>
+              <a:defRPr sz="882"/>
             </a:lvl2pPr>
             <a:lvl3pPr>
-              <a:defRPr sz="800"/>
+              <a:defRPr sz="756"/>
             </a:lvl3pPr>
             <a:lvl4pPr>
-              <a:defRPr sz="667"/>
+              <a:defRPr sz="630"/>
             </a:lvl4pPr>
             <a:lvl5pPr>
-              <a:defRPr sz="667"/>
+              <a:defRPr sz="630"/>
             </a:lvl5pPr>
             <a:lvl6pPr>
-              <a:defRPr sz="667"/>
+              <a:defRPr sz="630"/>
             </a:lvl6pPr>
             <a:lvl7pPr>
-              <a:defRPr sz="667"/>
+              <a:defRPr sz="630"/>
             </a:lvl7pPr>
             <a:lvl8pPr>
-              <a:defRPr sz="667"/>
+              <a:defRPr sz="630"/>
             </a:lvl8pPr>
             <a:lvl9pPr>
-              <a:defRPr sz="667"/>
+              <a:defRPr sz="630"/>
             </a:lvl9pPr>
           </a:lstStyle>
           <a:p>
@@ -2031,8 +2028,8 @@
         </p:nvSpPr>
         <p:spPr>
           <a:xfrm>
-            <a:off x="692825" y="685800"/>
-            <a:ext cx="3244096" cy="1270529"/>
+            <a:off x="692825" y="648176"/>
+            <a:ext cx="3244096" cy="1200827"/>
           </a:xfrm>
         </p:spPr>
         <p:txBody>
@@ -2040,39 +2037,39 @@
           <a:lstStyle>
             <a:lvl1pPr marL="0" indent="0">
               <a:buNone/>
-              <a:defRPr sz="533"/>
+              <a:defRPr sz="504"/>
             </a:lvl1pPr>
-            <a:lvl2pPr marL="152385" indent="0">
-              <a:buNone/>
-              <a:defRPr sz="467"/>
+            <a:lvl2pPr marL="144018" indent="0">
+              <a:buNone/>
+              <a:defRPr sz="441"/>
             </a:lvl2pPr>
-            <a:lvl3pPr marL="304770" indent="0">
-              <a:buNone/>
-              <a:defRPr sz="400"/>
+            <a:lvl3pPr marL="288036" indent="0">
+              <a:buNone/>
+              <a:defRPr sz="378"/>
             </a:lvl3pPr>
-            <a:lvl4pPr marL="457154" indent="0">
-              <a:buNone/>
-              <a:defRPr sz="333"/>
+            <a:lvl4pPr marL="432054" indent="0">
+              <a:buNone/>
+              <a:defRPr sz="315"/>
             </a:lvl4pPr>
-            <a:lvl5pPr marL="609539" indent="0">
-              <a:buNone/>
-              <a:defRPr sz="333"/>
+            <a:lvl5pPr marL="576072" indent="0">
+              <a:buNone/>
+              <a:defRPr sz="315"/>
             </a:lvl5pPr>
-            <a:lvl6pPr marL="761924" indent="0">
-              <a:buNone/>
-              <a:defRPr sz="333"/>
+            <a:lvl6pPr marL="720090" indent="0">
+              <a:buNone/>
+              <a:defRPr sz="315"/>
             </a:lvl6pPr>
-            <a:lvl7pPr marL="914309" indent="0">
-              <a:buNone/>
-              <a:defRPr sz="333"/>
+            <a:lvl7pPr marL="864108" indent="0">
+              <a:buNone/>
+              <a:defRPr sz="315"/>
             </a:lvl7pPr>
-            <a:lvl8pPr marL="1066693" indent="0">
-              <a:buNone/>
-              <a:defRPr sz="333"/>
+            <a:lvl8pPr marL="1008126" indent="0">
+              <a:buNone/>
+              <a:defRPr sz="315"/>
             </a:lvl8pPr>
-            <a:lvl9pPr marL="1219078" indent="0">
-              <a:buNone/>
-              <a:defRPr sz="333"/>
+            <a:lvl9pPr marL="1152144" indent="0">
+              <a:buNone/>
+              <a:defRPr sz="315"/>
             </a:lvl9pPr>
           </a:lstStyle>
           <a:p>
@@ -2101,7 +2098,7 @@
           <a:p>
             <a:fld id="{E6E4C8EE-8F30-4ABB-8FFD-F6FAC0A5DBE8}" type="datetimeFigureOut">
               <a:rPr lang="en-US" smtClean="0"/>
-              <a:t>08/30/2024</a:t>
+              <a:t>11/5/2024</a:t>
             </a:fld>
             <a:endParaRPr lang="en-US"/>
           </a:p>
@@ -2152,7 +2149,7 @@
     </p:spTree>
     <p:extLst>
       <p:ext uri="{BB962C8B-B14F-4D97-AF65-F5344CB8AC3E}">
-        <p14:creationId xmlns:p14="http://schemas.microsoft.com/office/powerpoint/2010/main" val="934493413"/>
+        <p14:creationId xmlns:p14="http://schemas.microsoft.com/office/powerpoint/2010/main" val="556603547"/>
       </p:ext>
     </p:extLst>
   </p:cSld>
@@ -2191,15 +2188,15 @@
         </p:nvSpPr>
         <p:spPr>
           <a:xfrm>
-            <a:off x="692825" y="152400"/>
-            <a:ext cx="3244096" cy="533400"/>
+            <a:off x="692825" y="144039"/>
+            <a:ext cx="3244096" cy="504137"/>
           </a:xfrm>
         </p:spPr>
         <p:txBody>
           <a:bodyPr anchor="b"/>
           <a:lstStyle>
             <a:lvl1pPr>
-              <a:defRPr sz="1067"/>
+              <a:defRPr sz="1008"/>
             </a:lvl1pPr>
           </a:lstStyle>
           <a:p>
@@ -2223,8 +2220,8 @@
         </p:nvSpPr>
         <p:spPr>
           <a:xfrm>
-            <a:off x="4276130" y="329142"/>
-            <a:ext cx="5092065" cy="1624542"/>
+            <a:off x="4276130" y="311085"/>
+            <a:ext cx="5092065" cy="1535418"/>
           </a:xfrm>
         </p:spPr>
         <p:txBody>
@@ -2232,39 +2229,39 @@
           <a:lstStyle>
             <a:lvl1pPr marL="0" indent="0">
               <a:buNone/>
-              <a:defRPr sz="1067"/>
+              <a:defRPr sz="1008"/>
             </a:lvl1pPr>
-            <a:lvl2pPr marL="152385" indent="0">
-              <a:buNone/>
-              <a:defRPr sz="933"/>
+            <a:lvl2pPr marL="144018" indent="0">
+              <a:buNone/>
+              <a:defRPr sz="882"/>
             </a:lvl2pPr>
-            <a:lvl3pPr marL="304770" indent="0">
-              <a:buNone/>
-              <a:defRPr sz="800"/>
+            <a:lvl3pPr marL="288036" indent="0">
+              <a:buNone/>
+              <a:defRPr sz="756"/>
             </a:lvl3pPr>
-            <a:lvl4pPr marL="457154" indent="0">
-              <a:buNone/>
-              <a:defRPr sz="667"/>
+            <a:lvl4pPr marL="432054" indent="0">
+              <a:buNone/>
+              <a:defRPr sz="630"/>
             </a:lvl4pPr>
-            <a:lvl5pPr marL="609539" indent="0">
-              <a:buNone/>
-              <a:defRPr sz="667"/>
+            <a:lvl5pPr marL="576072" indent="0">
+              <a:buNone/>
+              <a:defRPr sz="630"/>
             </a:lvl5pPr>
-            <a:lvl6pPr marL="761924" indent="0">
-              <a:buNone/>
-              <a:defRPr sz="667"/>
+            <a:lvl6pPr marL="720090" indent="0">
+              <a:buNone/>
+              <a:defRPr sz="630"/>
             </a:lvl6pPr>
-            <a:lvl7pPr marL="914309" indent="0">
-              <a:buNone/>
-              <a:defRPr sz="667"/>
+            <a:lvl7pPr marL="864108" indent="0">
+              <a:buNone/>
+              <a:defRPr sz="630"/>
             </a:lvl7pPr>
-            <a:lvl8pPr marL="1066693" indent="0">
-              <a:buNone/>
-              <a:defRPr sz="667"/>
+            <a:lvl8pPr marL="1008126" indent="0">
+              <a:buNone/>
+              <a:defRPr sz="630"/>
             </a:lvl8pPr>
-            <a:lvl9pPr marL="1219078" indent="0">
-              <a:buNone/>
-              <a:defRPr sz="667"/>
+            <a:lvl9pPr marL="1152144" indent="0">
+              <a:buNone/>
+              <a:defRPr sz="630"/>
             </a:lvl9pPr>
           </a:lstStyle>
           <a:p>
@@ -2288,8 +2285,8 @@
         </p:nvSpPr>
         <p:spPr>
           <a:xfrm>
-            <a:off x="692825" y="685800"/>
-            <a:ext cx="3244096" cy="1270529"/>
+            <a:off x="692825" y="648176"/>
+            <a:ext cx="3244096" cy="1200827"/>
           </a:xfrm>
         </p:spPr>
         <p:txBody>
@@ -2297,39 +2294,39 @@
           <a:lstStyle>
             <a:lvl1pPr marL="0" indent="0">
               <a:buNone/>
-              <a:defRPr sz="533"/>
+              <a:defRPr sz="504"/>
             </a:lvl1pPr>
-            <a:lvl2pPr marL="152385" indent="0">
-              <a:buNone/>
-              <a:defRPr sz="467"/>
+            <a:lvl2pPr marL="144018" indent="0">
+              <a:buNone/>
+              <a:defRPr sz="441"/>
             </a:lvl2pPr>
-            <a:lvl3pPr marL="304770" indent="0">
-              <a:buNone/>
-              <a:defRPr sz="400"/>
+            <a:lvl3pPr marL="288036" indent="0">
+              <a:buNone/>
+              <a:defRPr sz="378"/>
             </a:lvl3pPr>
-            <a:lvl4pPr marL="457154" indent="0">
-              <a:buNone/>
-              <a:defRPr sz="333"/>
+            <a:lvl4pPr marL="432054" indent="0">
+              <a:buNone/>
+              <a:defRPr sz="315"/>
             </a:lvl4pPr>
-            <a:lvl5pPr marL="609539" indent="0">
-              <a:buNone/>
-              <a:defRPr sz="333"/>
+            <a:lvl5pPr marL="576072" indent="0">
+              <a:buNone/>
+              <a:defRPr sz="315"/>
             </a:lvl5pPr>
-            <a:lvl6pPr marL="761924" indent="0">
-              <a:buNone/>
-              <a:defRPr sz="333"/>
+            <a:lvl6pPr marL="720090" indent="0">
+              <a:buNone/>
+              <a:defRPr sz="315"/>
             </a:lvl6pPr>
-            <a:lvl7pPr marL="914309" indent="0">
-              <a:buNone/>
-              <a:defRPr sz="333"/>
+            <a:lvl7pPr marL="864108" indent="0">
+              <a:buNone/>
+              <a:defRPr sz="315"/>
             </a:lvl7pPr>
-            <a:lvl8pPr marL="1066693" indent="0">
-              <a:buNone/>
-              <a:defRPr sz="333"/>
+            <a:lvl8pPr marL="1008126" indent="0">
+              <a:buNone/>
+              <a:defRPr sz="315"/>
             </a:lvl8pPr>
-            <a:lvl9pPr marL="1219078" indent="0">
-              <a:buNone/>
-              <a:defRPr sz="333"/>
+            <a:lvl9pPr marL="1152144" indent="0">
+              <a:buNone/>
+              <a:defRPr sz="315"/>
             </a:lvl9pPr>
           </a:lstStyle>
           <a:p>
@@ -2358,7 +2355,7 @@
           <a:p>
             <a:fld id="{E6E4C8EE-8F30-4ABB-8FFD-F6FAC0A5DBE8}" type="datetimeFigureOut">
               <a:rPr lang="en-US" smtClean="0"/>
-              <a:t>08/30/2024</a:t>
+              <a:t>11/5/2024</a:t>
             </a:fld>
             <a:endParaRPr lang="en-US"/>
           </a:p>
@@ -2409,7 +2406,7 @@
     </p:spTree>
     <p:extLst>
       <p:ext uri="{BB962C8B-B14F-4D97-AF65-F5344CB8AC3E}">
-        <p14:creationId xmlns:p14="http://schemas.microsoft.com/office/powerpoint/2010/main" val="3081843510"/>
+        <p14:creationId xmlns:p14="http://schemas.microsoft.com/office/powerpoint/2010/main" val="588376615"/>
       </p:ext>
     </p:extLst>
   </p:cSld>
@@ -2453,8 +2450,8 @@
         </p:nvSpPr>
         <p:spPr>
           <a:xfrm>
-            <a:off x="691515" y="121709"/>
-            <a:ext cx="8675370" cy="441854"/>
+            <a:off x="691515" y="115031"/>
+            <a:ext cx="8675370" cy="417614"/>
           </a:xfrm>
           <a:prstGeom prst="rect">
             <a:avLst/>
@@ -2486,8 +2483,8 @@
         </p:nvSpPr>
         <p:spPr>
           <a:xfrm>
-            <a:off x="691515" y="608542"/>
-            <a:ext cx="8675370" cy="1450446"/>
+            <a:off x="691515" y="575157"/>
+            <a:ext cx="8675370" cy="1370873"/>
           </a:xfrm>
           <a:prstGeom prst="rect">
             <a:avLst/>
@@ -2548,8 +2545,8 @@
         </p:nvSpPr>
         <p:spPr>
           <a:xfrm>
-            <a:off x="691515" y="2118784"/>
-            <a:ext cx="2263140" cy="121708"/>
+            <a:off x="691515" y="2002545"/>
+            <a:ext cx="2263140" cy="115031"/>
           </a:xfrm>
           <a:prstGeom prst="rect">
             <a:avLst/>
@@ -2559,7 +2556,7 @@
           <a:bodyPr vert="horz" lIns="91440" tIns="45720" rIns="91440" bIns="45720" rtlCol="0" anchor="ctr"/>
           <a:lstStyle>
             <a:lvl1pPr algn="l">
-              <a:defRPr sz="400">
+              <a:defRPr sz="378">
                 <a:solidFill>
                   <a:schemeClr val="tx1">
                     <a:tint val="82000"/>
@@ -2571,7 +2568,7 @@
           <a:p>
             <a:fld id="{E6E4C8EE-8F30-4ABB-8FFD-F6FAC0A5DBE8}" type="datetimeFigureOut">
               <a:rPr lang="en-US" smtClean="0"/>
-              <a:t>08/30/2024</a:t>
+              <a:t>11/5/2024</a:t>
             </a:fld>
             <a:endParaRPr lang="en-US"/>
           </a:p>
@@ -2589,8 +2586,8 @@
         </p:nvSpPr>
         <p:spPr>
           <a:xfrm>
-            <a:off x="3331845" y="2118784"/>
-            <a:ext cx="3394710" cy="121708"/>
+            <a:off x="3331845" y="2002545"/>
+            <a:ext cx="3394710" cy="115031"/>
           </a:xfrm>
           <a:prstGeom prst="rect">
             <a:avLst/>
@@ -2600,7 +2597,7 @@
           <a:bodyPr vert="horz" lIns="91440" tIns="45720" rIns="91440" bIns="45720" rtlCol="0" anchor="ctr"/>
           <a:lstStyle>
             <a:lvl1pPr algn="ctr">
-              <a:defRPr sz="400">
+              <a:defRPr sz="378">
                 <a:solidFill>
                   <a:schemeClr val="tx1">
                     <a:tint val="82000"/>
@@ -2626,8 +2623,8 @@
         </p:nvSpPr>
         <p:spPr>
           <a:xfrm>
-            <a:off x="7103745" y="2118784"/>
-            <a:ext cx="2263140" cy="121708"/>
+            <a:off x="7103745" y="2002545"/>
+            <a:ext cx="2263140" cy="115031"/>
           </a:xfrm>
           <a:prstGeom prst="rect">
             <a:avLst/>
@@ -2637,7 +2634,7 @@
           <a:bodyPr vert="horz" lIns="91440" tIns="45720" rIns="91440" bIns="45720" rtlCol="0" anchor="ctr"/>
           <a:lstStyle>
             <a:lvl1pPr algn="r">
-              <a:defRPr sz="400">
+              <a:defRPr sz="378">
                 <a:solidFill>
                   <a:schemeClr val="tx1">
                     <a:tint val="82000"/>
@@ -2658,27 +2655,27 @@
     </p:spTree>
     <p:extLst>
       <p:ext uri="{BB962C8B-B14F-4D97-AF65-F5344CB8AC3E}">
-        <p14:creationId xmlns:p14="http://schemas.microsoft.com/office/powerpoint/2010/main" val="1211687232"/>
+        <p14:creationId xmlns:p14="http://schemas.microsoft.com/office/powerpoint/2010/main" val="1607890993"/>
       </p:ext>
     </p:extLst>
   </p:cSld>
   <p:clrMap bg1="lt1" tx1="dk1" bg2="lt2" tx2="dk2" accent1="accent1" accent2="accent2" accent3="accent3" accent4="accent4" accent5="accent5" accent6="accent6" hlink="hlink" folHlink="folHlink"/>
   <p:sldLayoutIdLst>
-    <p:sldLayoutId id="2147483685" r:id="rId1"/>
-    <p:sldLayoutId id="2147483686" r:id="rId2"/>
-    <p:sldLayoutId id="2147483687" r:id="rId3"/>
-    <p:sldLayoutId id="2147483688" r:id="rId4"/>
-    <p:sldLayoutId id="2147483689" r:id="rId5"/>
-    <p:sldLayoutId id="2147483690" r:id="rId6"/>
-    <p:sldLayoutId id="2147483691" r:id="rId7"/>
-    <p:sldLayoutId id="2147483692" r:id="rId8"/>
-    <p:sldLayoutId id="2147483693" r:id="rId9"/>
-    <p:sldLayoutId id="2147483694" r:id="rId10"/>
-    <p:sldLayoutId id="2147483695" r:id="rId11"/>
+    <p:sldLayoutId id="2147483733" r:id="rId1"/>
+    <p:sldLayoutId id="2147483734" r:id="rId2"/>
+    <p:sldLayoutId id="2147483735" r:id="rId3"/>
+    <p:sldLayoutId id="2147483736" r:id="rId4"/>
+    <p:sldLayoutId id="2147483737" r:id="rId5"/>
+    <p:sldLayoutId id="2147483738" r:id="rId6"/>
+    <p:sldLayoutId id="2147483739" r:id="rId7"/>
+    <p:sldLayoutId id="2147483740" r:id="rId8"/>
+    <p:sldLayoutId id="2147483741" r:id="rId9"/>
+    <p:sldLayoutId id="2147483742" r:id="rId10"/>
+    <p:sldLayoutId id="2147483743" r:id="rId11"/>
   </p:sldLayoutIdLst>
   <p:txStyles>
     <p:titleStyle>
-      <a:lvl1pPr algn="l" defTabSz="304770" rtl="0" eaLnBrk="1" latinLnBrk="0" hangingPunct="1">
+      <a:lvl1pPr algn="l" defTabSz="288036" rtl="0" eaLnBrk="1" latinLnBrk="0" hangingPunct="1">
         <a:lnSpc>
           <a:spcPct val="90000"/>
         </a:lnSpc>
@@ -2686,7 +2683,7 @@
           <a:spcPct val="0"/>
         </a:spcBef>
         <a:buNone/>
-        <a:defRPr sz="1467" kern="1200">
+        <a:defRPr sz="1386" kern="1200">
           <a:solidFill>
             <a:schemeClr val="tx1"/>
           </a:solidFill>
@@ -2697,16 +2694,16 @@
       </a:lvl1pPr>
     </p:titleStyle>
     <p:bodyStyle>
-      <a:lvl1pPr marL="76192" indent="-76192" algn="l" defTabSz="304770" rtl="0" eaLnBrk="1" latinLnBrk="0" hangingPunct="1">
+      <a:lvl1pPr marL="72009" indent="-72009" algn="l" defTabSz="288036" rtl="0" eaLnBrk="1" latinLnBrk="0" hangingPunct="1">
         <a:lnSpc>
           <a:spcPct val="90000"/>
         </a:lnSpc>
         <a:spcBef>
-          <a:spcPts val="333"/>
+          <a:spcPts val="315"/>
         </a:spcBef>
         <a:buFont typeface="Arial" panose="020B0604020202020204" pitchFamily="34" charset="0"/>
         <a:buChar char="•"/>
-        <a:defRPr sz="933" kern="1200">
+        <a:defRPr sz="882" kern="1200">
           <a:solidFill>
             <a:schemeClr val="tx1"/>
           </a:solidFill>
@@ -2715,16 +2712,16 @@
           <a:cs typeface="+mn-cs"/>
         </a:defRPr>
       </a:lvl1pPr>
-      <a:lvl2pPr marL="228577" indent="-76192" algn="l" defTabSz="304770" rtl="0" eaLnBrk="1" latinLnBrk="0" hangingPunct="1">
+      <a:lvl2pPr marL="216027" indent="-72009" algn="l" defTabSz="288036" rtl="0" eaLnBrk="1" latinLnBrk="0" hangingPunct="1">
         <a:lnSpc>
           <a:spcPct val="90000"/>
         </a:lnSpc>
         <a:spcBef>
-          <a:spcPts val="167"/>
+          <a:spcPts val="158"/>
         </a:spcBef>
         <a:buFont typeface="Arial" panose="020B0604020202020204" pitchFamily="34" charset="0"/>
         <a:buChar char="•"/>
-        <a:defRPr sz="800" kern="1200">
+        <a:defRPr sz="756" kern="1200">
           <a:solidFill>
             <a:schemeClr val="tx1"/>
           </a:solidFill>
@@ -2733,16 +2730,16 @@
           <a:cs typeface="+mn-cs"/>
         </a:defRPr>
       </a:lvl2pPr>
-      <a:lvl3pPr marL="380962" indent="-76192" algn="l" defTabSz="304770" rtl="0" eaLnBrk="1" latinLnBrk="0" hangingPunct="1">
+      <a:lvl3pPr marL="360045" indent="-72009" algn="l" defTabSz="288036" rtl="0" eaLnBrk="1" latinLnBrk="0" hangingPunct="1">
         <a:lnSpc>
           <a:spcPct val="90000"/>
         </a:lnSpc>
         <a:spcBef>
-          <a:spcPts val="167"/>
+          <a:spcPts val="158"/>
         </a:spcBef>
         <a:buFont typeface="Arial" panose="020B0604020202020204" pitchFamily="34" charset="0"/>
         <a:buChar char="•"/>
-        <a:defRPr sz="667" kern="1200">
+        <a:defRPr sz="630" kern="1200">
           <a:solidFill>
             <a:schemeClr val="tx1"/>
           </a:solidFill>
@@ -2751,16 +2748,16 @@
           <a:cs typeface="+mn-cs"/>
         </a:defRPr>
       </a:lvl3pPr>
-      <a:lvl4pPr marL="533347" indent="-76192" algn="l" defTabSz="304770" rtl="0" eaLnBrk="1" latinLnBrk="0" hangingPunct="1">
+      <a:lvl4pPr marL="504063" indent="-72009" algn="l" defTabSz="288036" rtl="0" eaLnBrk="1" latinLnBrk="0" hangingPunct="1">
         <a:lnSpc>
           <a:spcPct val="90000"/>
         </a:lnSpc>
         <a:spcBef>
-          <a:spcPts val="167"/>
+          <a:spcPts val="158"/>
         </a:spcBef>
         <a:buFont typeface="Arial" panose="020B0604020202020204" pitchFamily="34" charset="0"/>
         <a:buChar char="•"/>
-        <a:defRPr sz="600" kern="1200">
+        <a:defRPr sz="567" kern="1200">
           <a:solidFill>
             <a:schemeClr val="tx1"/>
           </a:solidFill>
@@ -2769,16 +2766,16 @@
           <a:cs typeface="+mn-cs"/>
         </a:defRPr>
       </a:lvl4pPr>
-      <a:lvl5pPr marL="685731" indent="-76192" algn="l" defTabSz="304770" rtl="0" eaLnBrk="1" latinLnBrk="0" hangingPunct="1">
+      <a:lvl5pPr marL="648081" indent="-72009" algn="l" defTabSz="288036" rtl="0" eaLnBrk="1" latinLnBrk="0" hangingPunct="1">
         <a:lnSpc>
           <a:spcPct val="90000"/>
         </a:lnSpc>
         <a:spcBef>
-          <a:spcPts val="167"/>
+          <a:spcPts val="158"/>
         </a:spcBef>
         <a:buFont typeface="Arial" panose="020B0604020202020204" pitchFamily="34" charset="0"/>
         <a:buChar char="•"/>
-        <a:defRPr sz="600" kern="1200">
+        <a:defRPr sz="567" kern="1200">
           <a:solidFill>
             <a:schemeClr val="tx1"/>
           </a:solidFill>
@@ -2787,16 +2784,16 @@
           <a:cs typeface="+mn-cs"/>
         </a:defRPr>
       </a:lvl5pPr>
-      <a:lvl6pPr marL="838116" indent="-76192" algn="l" defTabSz="304770" rtl="0" eaLnBrk="1" latinLnBrk="0" hangingPunct="1">
+      <a:lvl6pPr marL="792099" indent="-72009" algn="l" defTabSz="288036" rtl="0" eaLnBrk="1" latinLnBrk="0" hangingPunct="1">
         <a:lnSpc>
           <a:spcPct val="90000"/>
         </a:lnSpc>
         <a:spcBef>
-          <a:spcPts val="167"/>
+          <a:spcPts val="158"/>
         </a:spcBef>
         <a:buFont typeface="Arial" panose="020B0604020202020204" pitchFamily="34" charset="0"/>
         <a:buChar char="•"/>
-        <a:defRPr sz="600" kern="1200">
+        <a:defRPr sz="567" kern="1200">
           <a:solidFill>
             <a:schemeClr val="tx1"/>
           </a:solidFill>
@@ -2805,16 +2802,16 @@
           <a:cs typeface="+mn-cs"/>
         </a:defRPr>
       </a:lvl6pPr>
-      <a:lvl7pPr marL="990501" indent="-76192" algn="l" defTabSz="304770" rtl="0" eaLnBrk="1" latinLnBrk="0" hangingPunct="1">
+      <a:lvl7pPr marL="936117" indent="-72009" algn="l" defTabSz="288036" rtl="0" eaLnBrk="1" latinLnBrk="0" hangingPunct="1">
         <a:lnSpc>
           <a:spcPct val="90000"/>
         </a:lnSpc>
         <a:spcBef>
-          <a:spcPts val="167"/>
+          <a:spcPts val="158"/>
         </a:spcBef>
         <a:buFont typeface="Arial" panose="020B0604020202020204" pitchFamily="34" charset="0"/>
         <a:buChar char="•"/>
-        <a:defRPr sz="600" kern="1200">
+        <a:defRPr sz="567" kern="1200">
           <a:solidFill>
             <a:schemeClr val="tx1"/>
           </a:solidFill>
@@ -2823,16 +2820,16 @@
           <a:cs typeface="+mn-cs"/>
         </a:defRPr>
       </a:lvl7pPr>
-      <a:lvl8pPr marL="1142886" indent="-76192" algn="l" defTabSz="304770" rtl="0" eaLnBrk="1" latinLnBrk="0" hangingPunct="1">
+      <a:lvl8pPr marL="1080135" indent="-72009" algn="l" defTabSz="288036" rtl="0" eaLnBrk="1" latinLnBrk="0" hangingPunct="1">
         <a:lnSpc>
           <a:spcPct val="90000"/>
         </a:lnSpc>
         <a:spcBef>
-          <a:spcPts val="167"/>
+          <a:spcPts val="158"/>
         </a:spcBef>
         <a:buFont typeface="Arial" panose="020B0604020202020204" pitchFamily="34" charset="0"/>
         <a:buChar char="•"/>
-        <a:defRPr sz="600" kern="1200">
+        <a:defRPr sz="567" kern="1200">
           <a:solidFill>
             <a:schemeClr val="tx1"/>
           </a:solidFill>
@@ -2841,16 +2838,16 @@
           <a:cs typeface="+mn-cs"/>
         </a:defRPr>
       </a:lvl8pPr>
-      <a:lvl9pPr marL="1295270" indent="-76192" algn="l" defTabSz="304770" rtl="0" eaLnBrk="1" latinLnBrk="0" hangingPunct="1">
+      <a:lvl9pPr marL="1224153" indent="-72009" algn="l" defTabSz="288036" rtl="0" eaLnBrk="1" latinLnBrk="0" hangingPunct="1">
         <a:lnSpc>
           <a:spcPct val="90000"/>
         </a:lnSpc>
         <a:spcBef>
-          <a:spcPts val="167"/>
+          <a:spcPts val="158"/>
         </a:spcBef>
         <a:buFont typeface="Arial" panose="020B0604020202020204" pitchFamily="34" charset="0"/>
         <a:buChar char="•"/>
-        <a:defRPr sz="600" kern="1200">
+        <a:defRPr sz="567" kern="1200">
           <a:solidFill>
             <a:schemeClr val="tx1"/>
           </a:solidFill>
@@ -2864,8 +2861,8 @@
       <a:defPPr>
         <a:defRPr lang="en-US"/>
       </a:defPPr>
-      <a:lvl1pPr marL="0" algn="l" defTabSz="304770" rtl="0" eaLnBrk="1" latinLnBrk="0" hangingPunct="1">
-        <a:defRPr sz="600" kern="1200">
+      <a:lvl1pPr marL="0" algn="l" defTabSz="288036" rtl="0" eaLnBrk="1" latinLnBrk="0" hangingPunct="1">
+        <a:defRPr sz="567" kern="1200">
           <a:solidFill>
             <a:schemeClr val="tx1"/>
           </a:solidFill>
@@ -2874,8 +2871,8 @@
           <a:cs typeface="+mn-cs"/>
         </a:defRPr>
       </a:lvl1pPr>
-      <a:lvl2pPr marL="152385" algn="l" defTabSz="304770" rtl="0" eaLnBrk="1" latinLnBrk="0" hangingPunct="1">
-        <a:defRPr sz="600" kern="1200">
+      <a:lvl2pPr marL="144018" algn="l" defTabSz="288036" rtl="0" eaLnBrk="1" latinLnBrk="0" hangingPunct="1">
+        <a:defRPr sz="567" kern="1200">
           <a:solidFill>
             <a:schemeClr val="tx1"/>
           </a:solidFill>
@@ -2884,8 +2881,8 @@
           <a:cs typeface="+mn-cs"/>
         </a:defRPr>
       </a:lvl2pPr>
-      <a:lvl3pPr marL="304770" algn="l" defTabSz="304770" rtl="0" eaLnBrk="1" latinLnBrk="0" hangingPunct="1">
-        <a:defRPr sz="600" kern="1200">
+      <a:lvl3pPr marL="288036" algn="l" defTabSz="288036" rtl="0" eaLnBrk="1" latinLnBrk="0" hangingPunct="1">
+        <a:defRPr sz="567" kern="1200">
           <a:solidFill>
             <a:schemeClr val="tx1"/>
           </a:solidFill>
@@ -2894,8 +2891,8 @@
           <a:cs typeface="+mn-cs"/>
         </a:defRPr>
       </a:lvl3pPr>
-      <a:lvl4pPr marL="457154" algn="l" defTabSz="304770" rtl="0" eaLnBrk="1" latinLnBrk="0" hangingPunct="1">
-        <a:defRPr sz="600" kern="1200">
+      <a:lvl4pPr marL="432054" algn="l" defTabSz="288036" rtl="0" eaLnBrk="1" latinLnBrk="0" hangingPunct="1">
+        <a:defRPr sz="567" kern="1200">
           <a:solidFill>
             <a:schemeClr val="tx1"/>
           </a:solidFill>
@@ -2904,8 +2901,8 @@
           <a:cs typeface="+mn-cs"/>
         </a:defRPr>
       </a:lvl4pPr>
-      <a:lvl5pPr marL="609539" algn="l" defTabSz="304770" rtl="0" eaLnBrk="1" latinLnBrk="0" hangingPunct="1">
-        <a:defRPr sz="600" kern="1200">
+      <a:lvl5pPr marL="576072" algn="l" defTabSz="288036" rtl="0" eaLnBrk="1" latinLnBrk="0" hangingPunct="1">
+        <a:defRPr sz="567" kern="1200">
           <a:solidFill>
             <a:schemeClr val="tx1"/>
           </a:solidFill>
@@ -2914,8 +2911,8 @@
           <a:cs typeface="+mn-cs"/>
         </a:defRPr>
       </a:lvl5pPr>
-      <a:lvl6pPr marL="761924" algn="l" defTabSz="304770" rtl="0" eaLnBrk="1" latinLnBrk="0" hangingPunct="1">
-        <a:defRPr sz="600" kern="1200">
+      <a:lvl6pPr marL="720090" algn="l" defTabSz="288036" rtl="0" eaLnBrk="1" latinLnBrk="0" hangingPunct="1">
+        <a:defRPr sz="567" kern="1200">
           <a:solidFill>
             <a:schemeClr val="tx1"/>
           </a:solidFill>
@@ -2924,8 +2921,8 @@
           <a:cs typeface="+mn-cs"/>
         </a:defRPr>
       </a:lvl6pPr>
-      <a:lvl7pPr marL="914309" algn="l" defTabSz="304770" rtl="0" eaLnBrk="1" latinLnBrk="0" hangingPunct="1">
-        <a:defRPr sz="600" kern="1200">
+      <a:lvl7pPr marL="864108" algn="l" defTabSz="288036" rtl="0" eaLnBrk="1" latinLnBrk="0" hangingPunct="1">
+        <a:defRPr sz="567" kern="1200">
           <a:solidFill>
             <a:schemeClr val="tx1"/>
           </a:solidFill>
@@ -2934,8 +2931,8 @@
           <a:cs typeface="+mn-cs"/>
         </a:defRPr>
       </a:lvl7pPr>
-      <a:lvl8pPr marL="1066693" algn="l" defTabSz="304770" rtl="0" eaLnBrk="1" latinLnBrk="0" hangingPunct="1">
-        <a:defRPr sz="600" kern="1200">
+      <a:lvl8pPr marL="1008126" algn="l" defTabSz="288036" rtl="0" eaLnBrk="1" latinLnBrk="0" hangingPunct="1">
+        <a:defRPr sz="567" kern="1200">
           <a:solidFill>
             <a:schemeClr val="tx1"/>
           </a:solidFill>
@@ -2944,8 +2941,8 @@
           <a:cs typeface="+mn-cs"/>
         </a:defRPr>
       </a:lvl8pPr>
-      <a:lvl9pPr marL="1219078" algn="l" defTabSz="304770" rtl="0" eaLnBrk="1" latinLnBrk="0" hangingPunct="1">
-        <a:defRPr sz="600" kern="1200">
+      <a:lvl9pPr marL="1152144" algn="l" defTabSz="288036" rtl="0" eaLnBrk="1" latinLnBrk="0" hangingPunct="1">
+        <a:defRPr sz="567" kern="1200">
           <a:solidFill>
             <a:schemeClr val="tx1"/>
           </a:solidFill>
@@ -2960,7 +2957,7 @@
 </file>
 
 <file path=ppt/slides/slide1.xml><?xml version="1.0" encoding="utf-8"?>
-<p:sld xmlns:a="http://schemas.openxmlformats.org/drawingml/2006/main" xmlns:r="http://schemas.openxmlformats.org/officeDocument/2006/relationships" xmlns:p="http://schemas.openxmlformats.org/presentationml/2006/main" show="0">
+<p:sld xmlns:a="http://schemas.openxmlformats.org/drawingml/2006/main" xmlns:r="http://schemas.openxmlformats.org/officeDocument/2006/relationships" xmlns:p="http://schemas.openxmlformats.org/presentationml/2006/main">
   <p:cSld>
     <p:spTree>
       <p:nvGrpSpPr>
@@ -2990,2160 +2987,7 @@
         </p:nvSpPr>
         <p:spPr>
           <a:xfrm>
-            <a:off x="7513310" y="323931"/>
-            <a:ext cx="1742440" cy="1140300"/>
-          </a:xfrm>
-          <a:prstGeom prst="rect">
-            <a:avLst/>
-          </a:prstGeom>
-          <a:solidFill>
-            <a:schemeClr val="accent5">
-              <a:alpha val="29020"/>
-            </a:schemeClr>
-          </a:solidFill>
-          <a:ln>
-            <a:solidFill>
-              <a:schemeClr val="tx1"/>
-            </a:solidFill>
-          </a:ln>
-        </p:spPr>
-        <p:style>
-          <a:lnRef idx="2">
-            <a:schemeClr val="accent1">
-              <a:shade val="15000"/>
-            </a:schemeClr>
-          </a:lnRef>
-          <a:fillRef idx="1">
-            <a:schemeClr val="accent1"/>
-          </a:fillRef>
-          <a:effectRef idx="0">
-            <a:schemeClr val="accent1"/>
-          </a:effectRef>
-          <a:fontRef idx="minor">
-            <a:schemeClr val="lt1"/>
-          </a:fontRef>
-        </p:style>
-        <p:txBody>
-          <a:bodyPr rtlCol="0" anchor="ctr"/>
-          <a:lstStyle/>
-          <a:p>
-            <a:pPr algn="ctr"/>
-            <a:endParaRPr lang="en-US"/>
-          </a:p>
-        </p:txBody>
-      </p:sp>
-      <p:sp>
-        <p:nvSpPr>
-          <p:cNvPr id="28" name="Rectangle 27">
-            <a:extLst>
-              <a:ext uri="{FF2B5EF4-FFF2-40B4-BE49-F238E27FC236}">
-                <a16:creationId xmlns:a16="http://schemas.microsoft.com/office/drawing/2014/main" id="{6F50A702-6033-9BDD-4A38-2F2D609F5E66}"/>
-              </a:ext>
-            </a:extLst>
-          </p:cNvPr>
-          <p:cNvSpPr/>
-          <p:nvPr/>
-        </p:nvSpPr>
-        <p:spPr>
-          <a:xfrm>
-            <a:off x="3466067" y="-532588"/>
-            <a:ext cx="3607308" cy="909745"/>
-          </a:xfrm>
-          <a:prstGeom prst="rect">
-            <a:avLst/>
-          </a:prstGeom>
-          <a:solidFill>
-            <a:schemeClr val="accent3">
-              <a:alpha val="29020"/>
-            </a:schemeClr>
-          </a:solidFill>
-          <a:ln>
-            <a:noFill/>
-          </a:ln>
-        </p:spPr>
-        <p:style>
-          <a:lnRef idx="2">
-            <a:schemeClr val="accent1">
-              <a:shade val="15000"/>
-            </a:schemeClr>
-          </a:lnRef>
-          <a:fillRef idx="1">
-            <a:schemeClr val="accent1"/>
-          </a:fillRef>
-          <a:effectRef idx="0">
-            <a:schemeClr val="accent1"/>
-          </a:effectRef>
-          <a:fontRef idx="minor">
-            <a:schemeClr val="lt1"/>
-          </a:fontRef>
-        </p:style>
-        <p:txBody>
-          <a:bodyPr rtlCol="0" anchor="ctr"/>
-          <a:lstStyle/>
-          <a:p>
-            <a:pPr algn="ctr"/>
-            <a:endParaRPr lang="en-US"/>
-          </a:p>
-        </p:txBody>
-      </p:sp>
-      <p:sp>
-        <p:nvSpPr>
-          <p:cNvPr id="27" name="Rectangle 26">
-            <a:extLst>
-              <a:ext uri="{FF2B5EF4-FFF2-40B4-BE49-F238E27FC236}">
-                <a16:creationId xmlns:a16="http://schemas.microsoft.com/office/drawing/2014/main" id="{FBB8B1AA-6D81-E0FC-67AD-F1F3B8B28923}"/>
-              </a:ext>
-            </a:extLst>
-          </p:cNvPr>
-          <p:cNvSpPr/>
-          <p:nvPr/>
-        </p:nvSpPr>
-        <p:spPr>
-          <a:xfrm>
-            <a:off x="379907" y="-542789"/>
-            <a:ext cx="2788009" cy="923330"/>
-          </a:xfrm>
-          <a:prstGeom prst="rect">
-            <a:avLst/>
-          </a:prstGeom>
-          <a:solidFill>
-            <a:srgbClr val="156082">
-              <a:alpha val="29020"/>
-            </a:srgbClr>
-          </a:solidFill>
-          <a:ln>
-            <a:noFill/>
-          </a:ln>
-        </p:spPr>
-        <p:style>
-          <a:lnRef idx="2">
-            <a:schemeClr val="accent1">
-              <a:shade val="15000"/>
-            </a:schemeClr>
-          </a:lnRef>
-          <a:fillRef idx="1">
-            <a:schemeClr val="accent1"/>
-          </a:fillRef>
-          <a:effectRef idx="0">
-            <a:schemeClr val="accent1"/>
-          </a:effectRef>
-          <a:fontRef idx="minor">
-            <a:schemeClr val="lt1"/>
-          </a:fontRef>
-        </p:style>
-        <p:txBody>
-          <a:bodyPr rtlCol="0" anchor="ctr"/>
-          <a:lstStyle/>
-          <a:p>
-            <a:pPr algn="ctr"/>
-            <a:endParaRPr lang="en-US"/>
-          </a:p>
-        </p:txBody>
-      </p:sp>
-      <p:sp>
-        <p:nvSpPr>
-          <p:cNvPr id="16" name="Rectangle 15">
-            <a:extLst>
-              <a:ext uri="{FF2B5EF4-FFF2-40B4-BE49-F238E27FC236}">
-                <a16:creationId xmlns:a16="http://schemas.microsoft.com/office/drawing/2014/main" id="{6752A772-212A-0B21-6F89-5D6190C125E8}"/>
-              </a:ext>
-            </a:extLst>
-          </p:cNvPr>
-          <p:cNvSpPr/>
-          <p:nvPr/>
-        </p:nvSpPr>
-        <p:spPr>
-          <a:xfrm>
-            <a:off x="3466067" y="-532588"/>
-            <a:ext cx="3607308" cy="2490431"/>
-          </a:xfrm>
-          <a:prstGeom prst="rect">
-            <a:avLst/>
-          </a:prstGeom>
-          <a:solidFill>
-            <a:schemeClr val="accent3">
-              <a:alpha val="29020"/>
-            </a:schemeClr>
-          </a:solidFill>
-          <a:ln>
-            <a:noFill/>
-          </a:ln>
-        </p:spPr>
-        <p:style>
-          <a:lnRef idx="2">
-            <a:schemeClr val="accent1">
-              <a:shade val="15000"/>
-            </a:schemeClr>
-          </a:lnRef>
-          <a:fillRef idx="1">
-            <a:schemeClr val="accent1"/>
-          </a:fillRef>
-          <a:effectRef idx="0">
-            <a:schemeClr val="accent1"/>
-          </a:effectRef>
-          <a:fontRef idx="minor">
-            <a:schemeClr val="lt1"/>
-          </a:fontRef>
-        </p:style>
-        <p:txBody>
-          <a:bodyPr rtlCol="0" anchor="ctr"/>
-          <a:lstStyle/>
-          <a:p>
-            <a:pPr algn="ctr"/>
-            <a:endParaRPr lang="en-US"/>
-          </a:p>
-        </p:txBody>
-      </p:sp>
-      <p:sp>
-        <p:nvSpPr>
-          <p:cNvPr id="9" name="Rectangle 8">
-            <a:extLst>
-              <a:ext uri="{FF2B5EF4-FFF2-40B4-BE49-F238E27FC236}">
-                <a16:creationId xmlns:a16="http://schemas.microsoft.com/office/drawing/2014/main" id="{EFB06E6F-FC40-AB19-7881-CFD8765E819F}"/>
-              </a:ext>
-            </a:extLst>
-          </p:cNvPr>
-          <p:cNvSpPr/>
-          <p:nvPr/>
-        </p:nvSpPr>
-        <p:spPr>
-          <a:xfrm>
-            <a:off x="379908" y="-542789"/>
-            <a:ext cx="2788009" cy="2490431"/>
-          </a:xfrm>
-          <a:prstGeom prst="rect">
-            <a:avLst/>
-          </a:prstGeom>
-          <a:solidFill>
-            <a:srgbClr val="156082">
-              <a:alpha val="29020"/>
-            </a:srgbClr>
-          </a:solidFill>
-          <a:ln>
-            <a:noFill/>
-          </a:ln>
-        </p:spPr>
-        <p:style>
-          <a:lnRef idx="2">
-            <a:schemeClr val="accent1">
-              <a:shade val="15000"/>
-            </a:schemeClr>
-          </a:lnRef>
-          <a:fillRef idx="1">
-            <a:schemeClr val="accent1"/>
-          </a:fillRef>
-          <a:effectRef idx="0">
-            <a:schemeClr val="accent1"/>
-          </a:effectRef>
-          <a:fontRef idx="minor">
-            <a:schemeClr val="lt1"/>
-          </a:fontRef>
-        </p:style>
-        <p:txBody>
-          <a:bodyPr rtlCol="0" anchor="ctr"/>
-          <a:lstStyle/>
-          <a:p>
-            <a:pPr algn="ctr"/>
-            <a:endParaRPr lang="en-US"/>
-          </a:p>
-        </p:txBody>
-      </p:sp>
-      <p:sp>
-        <p:nvSpPr>
-          <p:cNvPr id="4" name="TextBox 3">
-            <a:extLst>
-              <a:ext uri="{FF2B5EF4-FFF2-40B4-BE49-F238E27FC236}">
-                <a16:creationId xmlns:a16="http://schemas.microsoft.com/office/drawing/2014/main" id="{5B4A90DD-8412-48C2-4267-89E9D6F19F10}"/>
-              </a:ext>
-            </a:extLst>
-          </p:cNvPr>
-          <p:cNvSpPr txBox="1"/>
-          <p:nvPr/>
-        </p:nvSpPr>
-        <p:spPr>
-          <a:xfrm>
-            <a:off x="528982" y="-404290"/>
-            <a:ext cx="2788009" cy="646331"/>
-          </a:xfrm>
-          <a:prstGeom prst="rect">
-            <a:avLst/>
-          </a:prstGeom>
-          <a:noFill/>
-        </p:spPr>
-        <p:txBody>
-          <a:bodyPr wrap="square" rtlCol="0">
-            <a:spAutoFit/>
-          </a:bodyPr>
-          <a:lstStyle/>
-          <a:p>
-            <a:r>
-              <a:rPr lang="en-US" dirty="0" err="1"/>
-              <a:t>Instrumentos</a:t>
-            </a:r>
-            <a:r>
-              <a:rPr lang="en-US" dirty="0"/>
-              <a:t> de </a:t>
-            </a:r>
-            <a:r>
-              <a:rPr lang="en-US" dirty="0" err="1"/>
-              <a:t>regulação</a:t>
-            </a:r>
-            <a:r>
-              <a:rPr lang="en-US" dirty="0"/>
-              <a:t> e </a:t>
-            </a:r>
-            <a:r>
-              <a:rPr lang="en-US" dirty="0" err="1"/>
-              <a:t>incentivos</a:t>
-            </a:r>
-            <a:endParaRPr lang="en-US" dirty="0"/>
-          </a:p>
-        </p:txBody>
-      </p:sp>
-      <p:sp>
-        <p:nvSpPr>
-          <p:cNvPr id="5" name="TextBox 4">
-            <a:extLst>
-              <a:ext uri="{FF2B5EF4-FFF2-40B4-BE49-F238E27FC236}">
-                <a16:creationId xmlns:a16="http://schemas.microsoft.com/office/drawing/2014/main" id="{0A4F6D8C-EED3-C2FF-46CF-2628A2F5BF31}"/>
-              </a:ext>
-            </a:extLst>
-          </p:cNvPr>
-          <p:cNvSpPr txBox="1"/>
-          <p:nvPr/>
-        </p:nvSpPr>
-        <p:spPr>
-          <a:xfrm>
-            <a:off x="3691078" y="-265790"/>
-            <a:ext cx="2281330" cy="369332"/>
-          </a:xfrm>
-          <a:prstGeom prst="rect">
-            <a:avLst/>
-          </a:prstGeom>
-          <a:noFill/>
-        </p:spPr>
-        <p:txBody>
-          <a:bodyPr wrap="none" rtlCol="0">
-            <a:spAutoFit/>
-          </a:bodyPr>
-          <a:lstStyle/>
-          <a:p>
-            <a:r>
-              <a:rPr lang="en-US" dirty="0" err="1"/>
-              <a:t>Padrões</a:t>
-            </a:r>
-            <a:r>
-              <a:rPr lang="en-US" dirty="0"/>
-              <a:t> </a:t>
-            </a:r>
-            <a:r>
-              <a:rPr lang="en-US" dirty="0" err="1"/>
-              <a:t>construtivos</a:t>
-            </a:r>
-            <a:endParaRPr lang="en-US" dirty="0"/>
-          </a:p>
-        </p:txBody>
-      </p:sp>
-      <p:sp>
-        <p:nvSpPr>
-          <p:cNvPr id="6" name="TextBox 5">
-            <a:extLst>
-              <a:ext uri="{FF2B5EF4-FFF2-40B4-BE49-F238E27FC236}">
-                <a16:creationId xmlns:a16="http://schemas.microsoft.com/office/drawing/2014/main" id="{09B5F545-F9EE-8EB3-6E93-28430B9CF0F9}"/>
-              </a:ext>
-            </a:extLst>
-          </p:cNvPr>
-          <p:cNvSpPr txBox="1"/>
-          <p:nvPr/>
-        </p:nvSpPr>
-        <p:spPr>
-          <a:xfrm>
-            <a:off x="3691079" y="477489"/>
-            <a:ext cx="3382297" cy="923330"/>
-          </a:xfrm>
-          <a:prstGeom prst="rect">
-            <a:avLst/>
-          </a:prstGeom>
-          <a:noFill/>
-        </p:spPr>
-        <p:txBody>
-          <a:bodyPr wrap="square" rtlCol="0">
-            <a:spAutoFit/>
-          </a:bodyPr>
-          <a:lstStyle/>
-          <a:p>
-            <a:pPr marL="285750" indent="-285750">
-              <a:buFont typeface="Arial" panose="020B0604020202020204" pitchFamily="34" charset="0"/>
-              <a:buChar char="•"/>
-            </a:pPr>
-            <a:r>
-              <a:rPr lang="en-US" dirty="0" err="1"/>
-              <a:t>Densidade</a:t>
-            </a:r>
-            <a:r>
-              <a:rPr lang="en-US" dirty="0"/>
-              <a:t> </a:t>
-            </a:r>
-            <a:r>
-              <a:rPr lang="en-US" dirty="0" err="1"/>
-              <a:t>Construtiva</a:t>
-            </a:r>
-            <a:endParaRPr lang="en-US" dirty="0"/>
-          </a:p>
-          <a:p>
-            <a:pPr marL="285750" indent="-285750">
-              <a:buFont typeface="Arial" panose="020B0604020202020204" pitchFamily="34" charset="0"/>
-              <a:buChar char="•"/>
-            </a:pPr>
-            <a:r>
-              <a:rPr lang="en-US" dirty="0" err="1"/>
-              <a:t>Densidade</a:t>
-            </a:r>
-            <a:r>
-              <a:rPr lang="en-US" dirty="0"/>
-              <a:t> </a:t>
-            </a:r>
-            <a:r>
-              <a:rPr lang="en-US" dirty="0" err="1"/>
-              <a:t>Habitacional</a:t>
-            </a:r>
-            <a:endParaRPr lang="en-US" dirty="0"/>
-          </a:p>
-          <a:p>
-            <a:pPr marL="285750" indent="-285750">
-              <a:buFont typeface="Arial" panose="020B0604020202020204" pitchFamily="34" charset="0"/>
-              <a:buChar char="•"/>
-            </a:pPr>
-            <a:r>
-              <a:rPr lang="en-US" dirty="0" err="1"/>
-              <a:t>Verticalização</a:t>
-            </a:r>
-            <a:endParaRPr lang="en-US" dirty="0"/>
-          </a:p>
-        </p:txBody>
-      </p:sp>
-      <p:sp>
-        <p:nvSpPr>
-          <p:cNvPr id="7" name="TextBox 6">
-            <a:extLst>
-              <a:ext uri="{FF2B5EF4-FFF2-40B4-BE49-F238E27FC236}">
-                <a16:creationId xmlns:a16="http://schemas.microsoft.com/office/drawing/2014/main" id="{89DFD8B4-E852-4A6C-2A74-0FA94B94D2A8}"/>
-              </a:ext>
-            </a:extLst>
-          </p:cNvPr>
-          <p:cNvSpPr txBox="1"/>
-          <p:nvPr/>
-        </p:nvSpPr>
-        <p:spPr>
-          <a:xfrm>
-            <a:off x="485570" y="477489"/>
-            <a:ext cx="3652685" cy="923330"/>
-          </a:xfrm>
-          <a:prstGeom prst="rect">
-            <a:avLst/>
-          </a:prstGeom>
-          <a:noFill/>
-        </p:spPr>
-        <p:txBody>
-          <a:bodyPr wrap="square" rtlCol="0">
-            <a:spAutoFit/>
-          </a:bodyPr>
-          <a:lstStyle/>
-          <a:p>
-            <a:pPr marL="285750" indent="-285750">
-              <a:buFont typeface="Arial" panose="020B0604020202020204" pitchFamily="34" charset="0"/>
-              <a:buChar char="•"/>
-            </a:pPr>
-            <a:r>
-              <a:rPr lang="en-US" dirty="0"/>
-              <a:t>CA</a:t>
-            </a:r>
-          </a:p>
-          <a:p>
-            <a:pPr marL="285750" indent="-285750">
-              <a:buFont typeface="Arial" panose="020B0604020202020204" pitchFamily="34" charset="0"/>
-              <a:buChar char="•"/>
-            </a:pPr>
-            <a:r>
-              <a:rPr lang="en-US" dirty="0"/>
-              <a:t>Cota </a:t>
-            </a:r>
-            <a:r>
-              <a:rPr lang="en-US" dirty="0" err="1"/>
-              <a:t>Parte</a:t>
-            </a:r>
-            <a:endParaRPr lang="en-US" dirty="0"/>
-          </a:p>
-          <a:p>
-            <a:pPr marL="285750" indent="-285750">
-              <a:buFont typeface="Arial" panose="020B0604020202020204" pitchFamily="34" charset="0"/>
-              <a:buChar char="•"/>
-            </a:pPr>
-            <a:r>
-              <a:rPr lang="en-US" dirty="0" err="1"/>
-              <a:t>Gabarito</a:t>
-            </a:r>
-            <a:endParaRPr lang="en-US" dirty="0"/>
-          </a:p>
-        </p:txBody>
-      </p:sp>
-      <p:sp>
-        <p:nvSpPr>
-          <p:cNvPr id="8" name="TextBox 7">
-            <a:extLst>
-              <a:ext uri="{FF2B5EF4-FFF2-40B4-BE49-F238E27FC236}">
-                <a16:creationId xmlns:a16="http://schemas.microsoft.com/office/drawing/2014/main" id="{736355BA-4271-4E0E-4285-8C22985B1844}"/>
-              </a:ext>
-            </a:extLst>
-          </p:cNvPr>
-          <p:cNvSpPr txBox="1"/>
-          <p:nvPr/>
-        </p:nvSpPr>
-        <p:spPr>
-          <a:xfrm>
-            <a:off x="7645899" y="559481"/>
-            <a:ext cx="1477265" cy="646331"/>
-          </a:xfrm>
-          <a:prstGeom prst="rect">
-            <a:avLst/>
-          </a:prstGeom>
-          <a:noFill/>
-        </p:spPr>
-        <p:txBody>
-          <a:bodyPr wrap="square" rtlCol="0">
-            <a:spAutoFit/>
-          </a:bodyPr>
-          <a:lstStyle/>
-          <a:p>
-            <a:pPr algn="ctr"/>
-            <a:r>
-              <a:rPr lang="en-US" dirty="0" err="1">
-                <a:solidFill>
-                  <a:schemeClr val="tx2"/>
-                </a:solidFill>
-              </a:rPr>
-              <a:t>Densidade</a:t>
-            </a:r>
-            <a:endParaRPr lang="en-US" dirty="0">
-              <a:solidFill>
-                <a:schemeClr val="tx2"/>
-              </a:solidFill>
-            </a:endParaRPr>
-          </a:p>
-          <a:p>
-            <a:pPr algn="ctr"/>
-            <a:r>
-              <a:rPr lang="en-US" dirty="0" err="1">
-                <a:solidFill>
-                  <a:schemeClr val="tx2"/>
-                </a:solidFill>
-              </a:rPr>
-              <a:t>Populacional</a:t>
-            </a:r>
-            <a:endParaRPr lang="en-US" dirty="0">
-              <a:solidFill>
-                <a:schemeClr val="tx2"/>
-              </a:solidFill>
-            </a:endParaRPr>
-          </a:p>
-        </p:txBody>
-      </p:sp>
-      <p:sp>
-        <p:nvSpPr>
-          <p:cNvPr id="10" name="TextBox 9">
-            <a:extLst>
-              <a:ext uri="{FF2B5EF4-FFF2-40B4-BE49-F238E27FC236}">
-                <a16:creationId xmlns:a16="http://schemas.microsoft.com/office/drawing/2014/main" id="{EC80B7E9-4947-C5DE-AD17-FB09FC0C7638}"/>
-              </a:ext>
-            </a:extLst>
-          </p:cNvPr>
-          <p:cNvSpPr txBox="1"/>
-          <p:nvPr/>
-        </p:nvSpPr>
-        <p:spPr>
-          <a:xfrm>
-            <a:off x="1773910" y="1617016"/>
-            <a:ext cx="1535186" cy="276999"/>
-          </a:xfrm>
-          <a:prstGeom prst="rect">
-            <a:avLst/>
-          </a:prstGeom>
-          <a:noFill/>
-        </p:spPr>
-        <p:txBody>
-          <a:bodyPr wrap="square" rtlCol="0">
-            <a:spAutoFit/>
-          </a:bodyPr>
-          <a:lstStyle/>
-          <a:p>
-            <a:pPr algn="ctr"/>
-            <a:r>
-              <a:rPr lang="en-US" sz="1200" b="1" dirty="0">
-                <a:solidFill>
-                  <a:schemeClr val="accent1"/>
-                </a:solidFill>
-              </a:rPr>
-              <a:t>Plano </a:t>
-            </a:r>
-            <a:r>
-              <a:rPr lang="en-US" sz="1200" b="1" dirty="0" err="1">
-                <a:solidFill>
-                  <a:schemeClr val="accent1"/>
-                </a:solidFill>
-              </a:rPr>
-              <a:t>Diretor</a:t>
-            </a:r>
-            <a:endParaRPr lang="en-US" sz="1200" b="1" dirty="0">
-              <a:solidFill>
-                <a:schemeClr val="accent1"/>
-              </a:solidFill>
-            </a:endParaRPr>
-          </a:p>
-        </p:txBody>
-      </p:sp>
-      <p:cxnSp>
-        <p:nvCxnSpPr>
-          <p:cNvPr id="12" name="Straight Arrow Connector 11">
-            <a:extLst>
-              <a:ext uri="{FF2B5EF4-FFF2-40B4-BE49-F238E27FC236}">
-                <a16:creationId xmlns:a16="http://schemas.microsoft.com/office/drawing/2014/main" id="{8722F955-A965-807F-41A1-C732EA4FDADE}"/>
-              </a:ext>
-            </a:extLst>
-          </p:cNvPr>
-          <p:cNvCxnSpPr>
-            <a:cxnSpLocks/>
-          </p:cNvCxnSpPr>
-          <p:nvPr/>
-        </p:nvCxnSpPr>
-        <p:spPr>
-          <a:xfrm>
-            <a:off x="2456692" y="654156"/>
-            <a:ext cx="1222197" cy="0"/>
-          </a:xfrm>
-          <a:prstGeom prst="straightConnector1">
-            <a:avLst/>
-          </a:prstGeom>
-          <a:ln>
-            <a:tailEnd type="triangle"/>
-          </a:ln>
-        </p:spPr>
-        <p:style>
-          <a:lnRef idx="2">
-            <a:schemeClr val="accent1"/>
-          </a:lnRef>
-          <a:fillRef idx="0">
-            <a:schemeClr val="accent1"/>
-          </a:fillRef>
-          <a:effectRef idx="1">
-            <a:schemeClr val="accent1"/>
-          </a:effectRef>
-          <a:fontRef idx="minor">
-            <a:schemeClr val="tx1"/>
-          </a:fontRef>
-        </p:style>
-      </p:cxnSp>
-      <p:cxnSp>
-        <p:nvCxnSpPr>
-          <p:cNvPr id="13" name="Straight Arrow Connector 12">
-            <a:extLst>
-              <a:ext uri="{FF2B5EF4-FFF2-40B4-BE49-F238E27FC236}">
-                <a16:creationId xmlns:a16="http://schemas.microsoft.com/office/drawing/2014/main" id="{493AAA0C-8C3E-7975-B601-9055B6BE4E9B}"/>
-              </a:ext>
-            </a:extLst>
-          </p:cNvPr>
-          <p:cNvCxnSpPr>
-            <a:cxnSpLocks/>
-          </p:cNvCxnSpPr>
-          <p:nvPr/>
-        </p:nvCxnSpPr>
-        <p:spPr>
-          <a:xfrm>
-            <a:off x="2456692" y="927719"/>
-            <a:ext cx="1222197" cy="0"/>
-          </a:xfrm>
-          <a:prstGeom prst="straightConnector1">
-            <a:avLst/>
-          </a:prstGeom>
-          <a:ln>
-            <a:tailEnd type="triangle"/>
-          </a:ln>
-        </p:spPr>
-        <p:style>
-          <a:lnRef idx="2">
-            <a:schemeClr val="accent1"/>
-          </a:lnRef>
-          <a:fillRef idx="0">
-            <a:schemeClr val="accent1"/>
-          </a:fillRef>
-          <a:effectRef idx="1">
-            <a:schemeClr val="accent1"/>
-          </a:effectRef>
-          <a:fontRef idx="minor">
-            <a:schemeClr val="tx1"/>
-          </a:fontRef>
-        </p:style>
-      </p:cxnSp>
-      <p:cxnSp>
-        <p:nvCxnSpPr>
-          <p:cNvPr id="14" name="Straight Arrow Connector 13">
-            <a:extLst>
-              <a:ext uri="{FF2B5EF4-FFF2-40B4-BE49-F238E27FC236}">
-                <a16:creationId xmlns:a16="http://schemas.microsoft.com/office/drawing/2014/main" id="{EC395FEA-4049-BC61-4760-85687F204250}"/>
-              </a:ext>
-            </a:extLst>
-          </p:cNvPr>
-          <p:cNvCxnSpPr>
-            <a:cxnSpLocks/>
-          </p:cNvCxnSpPr>
-          <p:nvPr/>
-        </p:nvCxnSpPr>
-        <p:spPr>
-          <a:xfrm>
-            <a:off x="2456692" y="1201282"/>
-            <a:ext cx="1222197" cy="0"/>
-          </a:xfrm>
-          <a:prstGeom prst="straightConnector1">
-            <a:avLst/>
-          </a:prstGeom>
-          <a:ln>
-            <a:tailEnd type="triangle"/>
-          </a:ln>
-        </p:spPr>
-        <p:style>
-          <a:lnRef idx="2">
-            <a:schemeClr val="accent1"/>
-          </a:lnRef>
-          <a:fillRef idx="0">
-            <a:schemeClr val="accent1"/>
-          </a:fillRef>
-          <a:effectRef idx="1">
-            <a:schemeClr val="accent1"/>
-          </a:effectRef>
-          <a:fontRef idx="minor">
-            <a:schemeClr val="tx1"/>
-          </a:fontRef>
-        </p:style>
-      </p:cxnSp>
-      <p:sp>
-        <p:nvSpPr>
-          <p:cNvPr id="23" name="Right Brace 22">
-            <a:extLst>
-              <a:ext uri="{FF2B5EF4-FFF2-40B4-BE49-F238E27FC236}">
-                <a16:creationId xmlns:a16="http://schemas.microsoft.com/office/drawing/2014/main" id="{C5A7029E-8D67-4310-3B34-DBD0F2DBA72F}"/>
-              </a:ext>
-            </a:extLst>
-          </p:cNvPr>
-          <p:cNvSpPr/>
-          <p:nvPr/>
-        </p:nvSpPr>
-        <p:spPr>
-          <a:xfrm>
-            <a:off x="6692901" y="477489"/>
-            <a:ext cx="167653" cy="822998"/>
-          </a:xfrm>
-          <a:prstGeom prst="rightBrace">
-            <a:avLst>
-              <a:gd name="adj1" fmla="val 42985"/>
-              <a:gd name="adj2" fmla="val 50000"/>
-            </a:avLst>
-          </a:prstGeom>
-          <a:ln>
-            <a:solidFill>
-              <a:schemeClr val="accent3"/>
-            </a:solidFill>
-          </a:ln>
-        </p:spPr>
-        <p:style>
-          <a:lnRef idx="2">
-            <a:schemeClr val="accent1"/>
-          </a:lnRef>
-          <a:fillRef idx="0">
-            <a:schemeClr val="accent1"/>
-          </a:fillRef>
-          <a:effectRef idx="1">
-            <a:schemeClr val="accent1"/>
-          </a:effectRef>
-          <a:fontRef idx="minor">
-            <a:schemeClr val="tx1"/>
-          </a:fontRef>
-        </p:style>
-        <p:txBody>
-          <a:bodyPr rtlCol="0" anchor="ctr"/>
-          <a:lstStyle/>
-          <a:p>
-            <a:pPr algn="ctr"/>
-            <a:endParaRPr lang="en-US"/>
-          </a:p>
-        </p:txBody>
-      </p:sp>
-      <p:cxnSp>
-        <p:nvCxnSpPr>
-          <p:cNvPr id="24" name="Straight Arrow Connector 23">
-            <a:extLst>
-              <a:ext uri="{FF2B5EF4-FFF2-40B4-BE49-F238E27FC236}">
-                <a16:creationId xmlns:a16="http://schemas.microsoft.com/office/drawing/2014/main" id="{59473CE8-762E-C41F-D029-D33087FABE93}"/>
-              </a:ext>
-            </a:extLst>
-          </p:cNvPr>
-          <p:cNvCxnSpPr>
-            <a:cxnSpLocks/>
-            <a:endCxn id="29" idx="1"/>
-          </p:cNvCxnSpPr>
-          <p:nvPr/>
-        </p:nvCxnSpPr>
-        <p:spPr>
-          <a:xfrm>
-            <a:off x="6909516" y="894081"/>
-            <a:ext cx="603795" cy="0"/>
-          </a:xfrm>
-          <a:prstGeom prst="straightConnector1">
-            <a:avLst/>
-          </a:prstGeom>
-          <a:ln>
-            <a:solidFill>
-              <a:schemeClr val="accent3"/>
-            </a:solidFill>
-            <a:tailEnd type="triangle"/>
-          </a:ln>
-        </p:spPr>
-        <p:style>
-          <a:lnRef idx="2">
-            <a:schemeClr val="accent1"/>
-          </a:lnRef>
-          <a:fillRef idx="0">
-            <a:schemeClr val="accent1"/>
-          </a:fillRef>
-          <a:effectRef idx="1">
-            <a:schemeClr val="accent1"/>
-          </a:effectRef>
-          <a:fontRef idx="minor">
-            <a:schemeClr val="tx1"/>
-          </a:fontRef>
-        </p:style>
-      </p:cxnSp>
-      <p:sp>
-        <p:nvSpPr>
-          <p:cNvPr id="26" name="TextBox 25">
-            <a:extLst>
-              <a:ext uri="{FF2B5EF4-FFF2-40B4-BE49-F238E27FC236}">
-                <a16:creationId xmlns:a16="http://schemas.microsoft.com/office/drawing/2014/main" id="{7F3482FA-290A-AEFC-BB49-51CDC58E5C28}"/>
-              </a:ext>
-            </a:extLst>
-          </p:cNvPr>
-          <p:cNvSpPr txBox="1"/>
-          <p:nvPr/>
-        </p:nvSpPr>
-        <p:spPr>
-          <a:xfrm>
-            <a:off x="4734612" y="1631062"/>
-            <a:ext cx="2527244" cy="276999"/>
-          </a:xfrm>
-          <a:prstGeom prst="rect">
-            <a:avLst/>
-          </a:prstGeom>
-          <a:noFill/>
-        </p:spPr>
-        <p:txBody>
-          <a:bodyPr wrap="square" rtlCol="0">
-            <a:spAutoFit/>
-          </a:bodyPr>
-          <a:lstStyle/>
-          <a:p>
-            <a:pPr algn="ctr"/>
-            <a:r>
-              <a:rPr lang="en-US" sz="1200" b="1" dirty="0" err="1">
-                <a:solidFill>
-                  <a:schemeClr val="accent3"/>
-                </a:solidFill>
-              </a:rPr>
-              <a:t>Características</a:t>
-            </a:r>
-            <a:r>
-              <a:rPr lang="en-US" sz="1200" b="1" dirty="0">
-                <a:solidFill>
-                  <a:schemeClr val="accent3"/>
-                </a:solidFill>
-              </a:rPr>
-              <a:t> </a:t>
-            </a:r>
-            <a:r>
-              <a:rPr lang="en-US" sz="1200" b="1" dirty="0" err="1">
-                <a:solidFill>
-                  <a:schemeClr val="accent3"/>
-                </a:solidFill>
-              </a:rPr>
-              <a:t>observáveis</a:t>
-            </a:r>
-            <a:endParaRPr lang="en-US" sz="1200" b="1" dirty="0">
-              <a:solidFill>
-                <a:schemeClr val="accent3"/>
-              </a:solidFill>
-            </a:endParaRPr>
-          </a:p>
-        </p:txBody>
-      </p:sp>
-      <p:sp>
-        <p:nvSpPr>
-          <p:cNvPr id="30" name="Rectangle 29">
-            <a:extLst>
-              <a:ext uri="{FF2B5EF4-FFF2-40B4-BE49-F238E27FC236}">
-                <a16:creationId xmlns:a16="http://schemas.microsoft.com/office/drawing/2014/main" id="{2120F37D-D15A-11D5-E494-AF9AC7CE962C}"/>
-              </a:ext>
-            </a:extLst>
-          </p:cNvPr>
-          <p:cNvSpPr/>
-          <p:nvPr/>
-        </p:nvSpPr>
-        <p:spPr>
-          <a:xfrm>
-            <a:off x="7513310" y="1815788"/>
-            <a:ext cx="1742440" cy="830875"/>
-          </a:xfrm>
-          <a:prstGeom prst="rect">
-            <a:avLst/>
-          </a:prstGeom>
-          <a:solidFill>
-            <a:srgbClr val="C00000">
-              <a:alpha val="29020"/>
-            </a:srgbClr>
-          </a:solidFill>
-          <a:ln>
-            <a:noFill/>
-          </a:ln>
-        </p:spPr>
-        <p:style>
-          <a:lnRef idx="2">
-            <a:schemeClr val="accent1">
-              <a:shade val="15000"/>
-            </a:schemeClr>
-          </a:lnRef>
-          <a:fillRef idx="1">
-            <a:schemeClr val="accent1"/>
-          </a:fillRef>
-          <a:effectRef idx="0">
-            <a:schemeClr val="accent1"/>
-          </a:effectRef>
-          <a:fontRef idx="minor">
-            <a:schemeClr val="lt1"/>
-          </a:fontRef>
-        </p:style>
-        <p:txBody>
-          <a:bodyPr rtlCol="0" anchor="ctr"/>
-          <a:lstStyle/>
-          <a:p>
-            <a:pPr algn="ctr"/>
-            <a:endParaRPr lang="en-US"/>
-          </a:p>
-        </p:txBody>
-      </p:sp>
-      <p:sp>
-        <p:nvSpPr>
-          <p:cNvPr id="31" name="TextBox 30">
-            <a:extLst>
-              <a:ext uri="{FF2B5EF4-FFF2-40B4-BE49-F238E27FC236}">
-                <a16:creationId xmlns:a16="http://schemas.microsoft.com/office/drawing/2014/main" id="{80D06E64-2FA4-C245-839C-0A07E1127A94}"/>
-              </a:ext>
-            </a:extLst>
-          </p:cNvPr>
-          <p:cNvSpPr txBox="1"/>
-          <p:nvPr/>
-        </p:nvSpPr>
-        <p:spPr>
-          <a:xfrm>
-            <a:off x="7645899" y="1908061"/>
-            <a:ext cx="1477265" cy="646331"/>
-          </a:xfrm>
-          <a:prstGeom prst="rect">
-            <a:avLst/>
-          </a:prstGeom>
-          <a:noFill/>
-        </p:spPr>
-        <p:txBody>
-          <a:bodyPr wrap="square" rtlCol="0">
-            <a:spAutoFit/>
-          </a:bodyPr>
-          <a:lstStyle/>
-          <a:p>
-            <a:pPr algn="ctr"/>
-            <a:r>
-              <a:rPr lang="en-US" dirty="0">
-                <a:solidFill>
-                  <a:schemeClr val="tx2"/>
-                </a:solidFill>
-              </a:rPr>
-              <a:t>Outros </a:t>
-            </a:r>
-            <a:r>
-              <a:rPr lang="en-US" dirty="0" err="1">
-                <a:solidFill>
-                  <a:schemeClr val="tx2"/>
-                </a:solidFill>
-              </a:rPr>
-              <a:t>fatores</a:t>
-            </a:r>
-            <a:endParaRPr lang="en-US" dirty="0">
-              <a:solidFill>
-                <a:schemeClr val="tx2"/>
-              </a:solidFill>
-            </a:endParaRPr>
-          </a:p>
-        </p:txBody>
-      </p:sp>
-      <p:cxnSp>
-        <p:nvCxnSpPr>
-          <p:cNvPr id="32" name="Straight Arrow Connector 31">
-            <a:extLst>
-              <a:ext uri="{FF2B5EF4-FFF2-40B4-BE49-F238E27FC236}">
-                <a16:creationId xmlns:a16="http://schemas.microsoft.com/office/drawing/2014/main" id="{D7C961D8-A582-E8A2-D1C2-4D9CD7CFF58E}"/>
-              </a:ext>
-            </a:extLst>
-          </p:cNvPr>
-          <p:cNvCxnSpPr>
-            <a:cxnSpLocks/>
-            <a:stCxn id="30" idx="0"/>
-            <a:endCxn id="29" idx="2"/>
-          </p:cNvCxnSpPr>
-          <p:nvPr/>
-        </p:nvCxnSpPr>
-        <p:spPr>
-          <a:xfrm flipV="1">
-            <a:off x="8384530" y="1464231"/>
-            <a:ext cx="0" cy="351556"/>
-          </a:xfrm>
-          <a:prstGeom prst="straightConnector1">
-            <a:avLst/>
-          </a:prstGeom>
-          <a:ln>
-            <a:solidFill>
-              <a:schemeClr val="accent3"/>
-            </a:solidFill>
-            <a:tailEnd type="triangle"/>
-          </a:ln>
-        </p:spPr>
-        <p:style>
-          <a:lnRef idx="2">
-            <a:schemeClr val="accent1"/>
-          </a:lnRef>
-          <a:fillRef idx="0">
-            <a:schemeClr val="accent1"/>
-          </a:fillRef>
-          <a:effectRef idx="1">
-            <a:schemeClr val="accent1"/>
-          </a:effectRef>
-          <a:fontRef idx="minor">
-            <a:schemeClr val="tx1"/>
-          </a:fontRef>
-        </p:style>
-      </p:cxnSp>
-    </p:spTree>
-    <p:extLst>
-      <p:ext uri="{BB962C8B-B14F-4D97-AF65-F5344CB8AC3E}">
-        <p14:creationId xmlns:p14="http://schemas.microsoft.com/office/powerpoint/2010/main" val="2178798250"/>
-      </p:ext>
-    </p:extLst>
-  </p:cSld>
-  <p:clrMapOvr>
-    <a:masterClrMapping/>
-  </p:clrMapOvr>
-</p:sld>
-</file>
-
-<file path=ppt/slides/slide2.xml><?xml version="1.0" encoding="utf-8"?>
-<p:sld xmlns:a="http://schemas.openxmlformats.org/drawingml/2006/main" xmlns:r="http://schemas.openxmlformats.org/officeDocument/2006/relationships" xmlns:p="http://schemas.openxmlformats.org/presentationml/2006/main" show="0">
-  <p:cSld>
-    <p:spTree>
-      <p:nvGrpSpPr>
-        <p:cNvPr id="1" name=""/>
-        <p:cNvGrpSpPr/>
-        <p:nvPr/>
-      </p:nvGrpSpPr>
-      <p:grpSpPr>
-        <a:xfrm>
-          <a:off x="0" y="0"/>
-          <a:ext cx="0" cy="0"/>
-          <a:chOff x="0" y="0"/>
-          <a:chExt cx="0" cy="0"/>
-        </a:xfrm>
-      </p:grpSpPr>
-      <p:sp>
-        <p:nvSpPr>
-          <p:cNvPr id="29" name="Rectangle 28">
-            <a:extLst>
-              <a:ext uri="{FF2B5EF4-FFF2-40B4-BE49-F238E27FC236}">
-                <a16:creationId xmlns:a16="http://schemas.microsoft.com/office/drawing/2014/main" id="{1EBB80DA-8F8F-560E-D9E9-C105BDBBA1A9}"/>
-              </a:ext>
-            </a:extLst>
-          </p:cNvPr>
-          <p:cNvSpPr/>
-          <p:nvPr/>
-        </p:nvSpPr>
-        <p:spPr>
-          <a:xfrm>
-            <a:off x="6382851" y="606954"/>
-            <a:ext cx="1609853" cy="1140300"/>
-          </a:xfrm>
-          <a:prstGeom prst="rect">
-            <a:avLst/>
-          </a:prstGeom>
-          <a:noFill/>
-          <a:ln>
-            <a:solidFill>
-              <a:schemeClr val="tx1"/>
-            </a:solidFill>
-          </a:ln>
-        </p:spPr>
-        <p:style>
-          <a:lnRef idx="2">
-            <a:schemeClr val="accent1">
-              <a:shade val="15000"/>
-            </a:schemeClr>
-          </a:lnRef>
-          <a:fillRef idx="1">
-            <a:schemeClr val="accent1"/>
-          </a:fillRef>
-          <a:effectRef idx="0">
-            <a:schemeClr val="accent1"/>
-          </a:effectRef>
-          <a:fontRef idx="minor">
-            <a:schemeClr val="lt1"/>
-          </a:fontRef>
-        </p:style>
-        <p:txBody>
-          <a:bodyPr rtlCol="0" anchor="ctr"/>
-          <a:lstStyle/>
-          <a:p>
-            <a:pPr algn="ctr"/>
-            <a:endParaRPr lang="en-US"/>
-          </a:p>
-        </p:txBody>
-      </p:sp>
-      <p:sp>
-        <p:nvSpPr>
-          <p:cNvPr id="28" name="Rectangle 27">
-            <a:extLst>
-              <a:ext uri="{FF2B5EF4-FFF2-40B4-BE49-F238E27FC236}">
-                <a16:creationId xmlns:a16="http://schemas.microsoft.com/office/drawing/2014/main" id="{6F50A702-6033-9BDD-4A38-2F2D609F5E66}"/>
-              </a:ext>
-            </a:extLst>
-          </p:cNvPr>
-          <p:cNvSpPr/>
-          <p:nvPr/>
-        </p:nvSpPr>
-        <p:spPr>
-          <a:xfrm>
-            <a:off x="3092687" y="-71054"/>
-            <a:ext cx="2867526" cy="646331"/>
-          </a:xfrm>
-          <a:prstGeom prst="rect">
-            <a:avLst/>
-          </a:prstGeom>
-          <a:solidFill>
-            <a:schemeClr val="accent3">
-              <a:alpha val="29020"/>
-            </a:schemeClr>
-          </a:solidFill>
-          <a:ln>
-            <a:noFill/>
-          </a:ln>
-        </p:spPr>
-        <p:style>
-          <a:lnRef idx="2">
-            <a:schemeClr val="accent1">
-              <a:shade val="15000"/>
-            </a:schemeClr>
-          </a:lnRef>
-          <a:fillRef idx="1">
-            <a:schemeClr val="accent1"/>
-          </a:fillRef>
-          <a:effectRef idx="0">
-            <a:schemeClr val="accent1"/>
-          </a:effectRef>
-          <a:fontRef idx="minor">
-            <a:schemeClr val="lt1"/>
-          </a:fontRef>
-        </p:style>
-        <p:txBody>
-          <a:bodyPr rtlCol="0" anchor="ctr"/>
-          <a:lstStyle/>
-          <a:p>
-            <a:pPr algn="ctr"/>
-            <a:endParaRPr lang="en-US"/>
-          </a:p>
-        </p:txBody>
-      </p:sp>
-      <p:sp>
-        <p:nvSpPr>
-          <p:cNvPr id="27" name="Rectangle 26">
-            <a:extLst>
-              <a:ext uri="{FF2B5EF4-FFF2-40B4-BE49-F238E27FC236}">
-                <a16:creationId xmlns:a16="http://schemas.microsoft.com/office/drawing/2014/main" id="{FBB8B1AA-6D81-E0FC-67AD-F1F3B8B28923}"/>
-              </a:ext>
-            </a:extLst>
-          </p:cNvPr>
-          <p:cNvSpPr/>
-          <p:nvPr/>
-        </p:nvSpPr>
-        <p:spPr>
-          <a:xfrm>
-            <a:off x="6527" y="-67671"/>
-            <a:ext cx="2788009" cy="646331"/>
-          </a:xfrm>
-          <a:prstGeom prst="rect">
-            <a:avLst/>
-          </a:prstGeom>
-          <a:solidFill>
-            <a:srgbClr val="156082">
-              <a:alpha val="29020"/>
-            </a:srgbClr>
-          </a:solidFill>
-          <a:ln>
-            <a:noFill/>
-          </a:ln>
-        </p:spPr>
-        <p:style>
-          <a:lnRef idx="2">
-            <a:schemeClr val="accent1">
-              <a:shade val="15000"/>
-            </a:schemeClr>
-          </a:lnRef>
-          <a:fillRef idx="1">
-            <a:schemeClr val="accent1"/>
-          </a:fillRef>
-          <a:effectRef idx="0">
-            <a:schemeClr val="accent1"/>
-          </a:effectRef>
-          <a:fontRef idx="minor">
-            <a:schemeClr val="lt1"/>
-          </a:fontRef>
-        </p:style>
-        <p:txBody>
-          <a:bodyPr rtlCol="0" anchor="ctr"/>
-          <a:lstStyle/>
-          <a:p>
-            <a:pPr algn="ctr"/>
-            <a:endParaRPr lang="en-US"/>
-          </a:p>
-        </p:txBody>
-      </p:sp>
-      <p:sp>
-        <p:nvSpPr>
-          <p:cNvPr id="16" name="Rectangle 15">
-            <a:extLst>
-              <a:ext uri="{FF2B5EF4-FFF2-40B4-BE49-F238E27FC236}">
-                <a16:creationId xmlns:a16="http://schemas.microsoft.com/office/drawing/2014/main" id="{6752A772-212A-0B21-6F89-5D6190C125E8}"/>
-              </a:ext>
-            </a:extLst>
-          </p:cNvPr>
-          <p:cNvSpPr/>
-          <p:nvPr/>
-        </p:nvSpPr>
-        <p:spPr>
-          <a:xfrm>
-            <a:off x="3092687" y="-67671"/>
-            <a:ext cx="2867526" cy="2223634"/>
-          </a:xfrm>
-          <a:prstGeom prst="rect">
-            <a:avLst/>
-          </a:prstGeom>
-          <a:solidFill>
-            <a:schemeClr val="accent3">
-              <a:alpha val="29020"/>
-            </a:schemeClr>
-          </a:solidFill>
-          <a:ln>
-            <a:noFill/>
-          </a:ln>
-        </p:spPr>
-        <p:style>
-          <a:lnRef idx="2">
-            <a:schemeClr val="accent1">
-              <a:shade val="15000"/>
-            </a:schemeClr>
-          </a:lnRef>
-          <a:fillRef idx="1">
-            <a:schemeClr val="accent1"/>
-          </a:fillRef>
-          <a:effectRef idx="0">
-            <a:schemeClr val="accent1"/>
-          </a:effectRef>
-          <a:fontRef idx="minor">
-            <a:schemeClr val="lt1"/>
-          </a:fontRef>
-        </p:style>
-        <p:txBody>
-          <a:bodyPr rtlCol="0" anchor="ctr"/>
-          <a:lstStyle/>
-          <a:p>
-            <a:pPr algn="ctr"/>
-            <a:endParaRPr lang="en-US"/>
-          </a:p>
-        </p:txBody>
-      </p:sp>
-      <p:sp>
-        <p:nvSpPr>
-          <p:cNvPr id="9" name="Rectangle 8">
-            <a:extLst>
-              <a:ext uri="{FF2B5EF4-FFF2-40B4-BE49-F238E27FC236}">
-                <a16:creationId xmlns:a16="http://schemas.microsoft.com/office/drawing/2014/main" id="{EFB06E6F-FC40-AB19-7881-CFD8765E819F}"/>
-              </a:ext>
-            </a:extLst>
-          </p:cNvPr>
-          <p:cNvSpPr/>
-          <p:nvPr/>
-        </p:nvSpPr>
-        <p:spPr>
-          <a:xfrm>
-            <a:off x="6528" y="-67670"/>
-            <a:ext cx="2788009" cy="2213432"/>
-          </a:xfrm>
-          <a:prstGeom prst="rect">
-            <a:avLst/>
-          </a:prstGeom>
-          <a:solidFill>
-            <a:srgbClr val="156082">
-              <a:alpha val="29020"/>
-            </a:srgbClr>
-          </a:solidFill>
-          <a:ln>
-            <a:noFill/>
-          </a:ln>
-        </p:spPr>
-        <p:style>
-          <a:lnRef idx="2">
-            <a:schemeClr val="accent1">
-              <a:shade val="15000"/>
-            </a:schemeClr>
-          </a:lnRef>
-          <a:fillRef idx="1">
-            <a:schemeClr val="accent1"/>
-          </a:fillRef>
-          <a:effectRef idx="0">
-            <a:schemeClr val="accent1"/>
-          </a:effectRef>
-          <a:fontRef idx="minor">
-            <a:schemeClr val="lt1"/>
-          </a:fontRef>
-        </p:style>
-        <p:txBody>
-          <a:bodyPr rtlCol="0" anchor="ctr"/>
-          <a:lstStyle/>
-          <a:p>
-            <a:pPr algn="ctr"/>
-            <a:endParaRPr lang="en-US"/>
-          </a:p>
-        </p:txBody>
-      </p:sp>
-      <p:sp>
-        <p:nvSpPr>
-          <p:cNvPr id="4" name="TextBox 3">
-            <a:extLst>
-              <a:ext uri="{FF2B5EF4-FFF2-40B4-BE49-F238E27FC236}">
-                <a16:creationId xmlns:a16="http://schemas.microsoft.com/office/drawing/2014/main" id="{5B4A90DD-8412-48C2-4267-89E9D6F19F10}"/>
-              </a:ext>
-            </a:extLst>
-          </p:cNvPr>
-          <p:cNvSpPr txBox="1"/>
-          <p:nvPr/>
-        </p:nvSpPr>
-        <p:spPr>
-          <a:xfrm>
-            <a:off x="134439" y="-71055"/>
-            <a:ext cx="2788009" cy="646331"/>
-          </a:xfrm>
-          <a:prstGeom prst="rect">
-            <a:avLst/>
-          </a:prstGeom>
-          <a:noFill/>
-        </p:spPr>
-        <p:txBody>
-          <a:bodyPr wrap="square" rtlCol="0">
-            <a:spAutoFit/>
-          </a:bodyPr>
-          <a:lstStyle/>
-          <a:p>
-            <a:r>
-              <a:rPr lang="en-US" dirty="0" err="1"/>
-              <a:t>Instrumentos</a:t>
-            </a:r>
-            <a:r>
-              <a:rPr lang="en-US" dirty="0"/>
-              <a:t> de </a:t>
-            </a:r>
-            <a:r>
-              <a:rPr lang="en-US" dirty="0" err="1"/>
-              <a:t>regulação</a:t>
-            </a:r>
-            <a:r>
-              <a:rPr lang="en-US" dirty="0"/>
-              <a:t> e </a:t>
-            </a:r>
-            <a:r>
-              <a:rPr lang="en-US" dirty="0" err="1"/>
-              <a:t>incentivos</a:t>
-            </a:r>
-            <a:endParaRPr lang="en-US" dirty="0"/>
-          </a:p>
-        </p:txBody>
-      </p:sp>
-      <p:sp>
-        <p:nvSpPr>
-          <p:cNvPr id="5" name="TextBox 4">
-            <a:extLst>
-              <a:ext uri="{FF2B5EF4-FFF2-40B4-BE49-F238E27FC236}">
-                <a16:creationId xmlns:a16="http://schemas.microsoft.com/office/drawing/2014/main" id="{0A4F6D8C-EED3-C2FF-46CF-2628A2F5BF31}"/>
-              </a:ext>
-            </a:extLst>
-          </p:cNvPr>
-          <p:cNvSpPr txBox="1"/>
-          <p:nvPr/>
-        </p:nvSpPr>
-        <p:spPr>
-          <a:xfrm>
-            <a:off x="3220598" y="67444"/>
-            <a:ext cx="2281330" cy="369332"/>
-          </a:xfrm>
-          <a:prstGeom prst="rect">
-            <a:avLst/>
-          </a:prstGeom>
-          <a:noFill/>
-        </p:spPr>
-        <p:txBody>
-          <a:bodyPr wrap="none" rtlCol="0">
-            <a:spAutoFit/>
-          </a:bodyPr>
-          <a:lstStyle/>
-          <a:p>
-            <a:r>
-              <a:rPr lang="en-US" dirty="0" err="1"/>
-              <a:t>Padrões</a:t>
-            </a:r>
-            <a:r>
-              <a:rPr lang="en-US" dirty="0"/>
-              <a:t> </a:t>
-            </a:r>
-            <a:r>
-              <a:rPr lang="en-US" dirty="0" err="1"/>
-              <a:t>construtivos</a:t>
-            </a:r>
-            <a:endParaRPr lang="en-US" dirty="0"/>
-          </a:p>
-        </p:txBody>
-      </p:sp>
-      <p:sp>
-        <p:nvSpPr>
-          <p:cNvPr id="6" name="TextBox 5">
-            <a:extLst>
-              <a:ext uri="{FF2B5EF4-FFF2-40B4-BE49-F238E27FC236}">
-                <a16:creationId xmlns:a16="http://schemas.microsoft.com/office/drawing/2014/main" id="{09B5F545-F9EE-8EB3-6E93-28430B9CF0F9}"/>
-              </a:ext>
-            </a:extLst>
-          </p:cNvPr>
-          <p:cNvSpPr txBox="1"/>
-          <p:nvPr/>
-        </p:nvSpPr>
-        <p:spPr>
-          <a:xfrm>
-            <a:off x="2843499" y="746729"/>
-            <a:ext cx="3382297" cy="923330"/>
-          </a:xfrm>
-          <a:prstGeom prst="rect">
-            <a:avLst/>
-          </a:prstGeom>
-          <a:noFill/>
-        </p:spPr>
-        <p:txBody>
-          <a:bodyPr wrap="square" rtlCol="0">
-            <a:spAutoFit/>
-          </a:bodyPr>
-          <a:lstStyle/>
-          <a:p>
-            <a:pPr algn="ctr"/>
-            <a:r>
-              <a:rPr lang="en-US" dirty="0" err="1"/>
-              <a:t>Densidade</a:t>
-            </a:r>
-            <a:r>
-              <a:rPr lang="en-US" dirty="0"/>
-              <a:t> </a:t>
-            </a:r>
-            <a:r>
-              <a:rPr lang="en-US" dirty="0" err="1"/>
-              <a:t>Construtiva</a:t>
-            </a:r>
-            <a:endParaRPr lang="en-US" dirty="0"/>
-          </a:p>
-          <a:p>
-            <a:pPr algn="ctr"/>
-            <a:r>
-              <a:rPr lang="en-US" dirty="0" err="1"/>
-              <a:t>Densidade</a:t>
-            </a:r>
-            <a:r>
-              <a:rPr lang="en-US" dirty="0"/>
-              <a:t> </a:t>
-            </a:r>
-            <a:r>
-              <a:rPr lang="en-US" dirty="0" err="1"/>
-              <a:t>Habitacional</a:t>
-            </a:r>
-            <a:endParaRPr lang="en-US" dirty="0"/>
-          </a:p>
-          <a:p>
-            <a:pPr algn="ctr"/>
-            <a:r>
-              <a:rPr lang="en-US" dirty="0" err="1"/>
-              <a:t>Verticalização</a:t>
-            </a:r>
-            <a:endParaRPr lang="en-US" dirty="0"/>
-          </a:p>
-        </p:txBody>
-      </p:sp>
-      <p:sp>
-        <p:nvSpPr>
-          <p:cNvPr id="7" name="TextBox 6">
-            <a:extLst>
-              <a:ext uri="{FF2B5EF4-FFF2-40B4-BE49-F238E27FC236}">
-                <a16:creationId xmlns:a16="http://schemas.microsoft.com/office/drawing/2014/main" id="{89DFD8B4-E852-4A6C-2A74-0FA94B94D2A8}"/>
-              </a:ext>
-            </a:extLst>
-          </p:cNvPr>
-          <p:cNvSpPr txBox="1"/>
-          <p:nvPr/>
-        </p:nvSpPr>
-        <p:spPr>
-          <a:xfrm>
-            <a:off x="517479" y="746729"/>
-            <a:ext cx="1758300" cy="923330"/>
-          </a:xfrm>
-          <a:prstGeom prst="rect">
-            <a:avLst/>
-          </a:prstGeom>
-          <a:noFill/>
-        </p:spPr>
-        <p:txBody>
-          <a:bodyPr wrap="square" rtlCol="0">
-            <a:spAutoFit/>
-          </a:bodyPr>
-          <a:lstStyle/>
-          <a:p>
-            <a:pPr algn="ctr"/>
-            <a:r>
-              <a:rPr lang="en-US" dirty="0"/>
-              <a:t>CA</a:t>
-            </a:r>
-          </a:p>
-          <a:p>
-            <a:pPr algn="ctr"/>
-            <a:r>
-              <a:rPr lang="en-US" dirty="0"/>
-              <a:t>Cota </a:t>
-            </a:r>
-            <a:r>
-              <a:rPr lang="en-US" dirty="0" err="1"/>
-              <a:t>Parte</a:t>
-            </a:r>
-            <a:endParaRPr lang="en-US" dirty="0"/>
-          </a:p>
-          <a:p>
-            <a:pPr algn="ctr"/>
-            <a:r>
-              <a:rPr lang="en-US" dirty="0" err="1"/>
-              <a:t>Gabarito</a:t>
-            </a:r>
-            <a:endParaRPr lang="en-US" dirty="0"/>
-          </a:p>
-        </p:txBody>
-      </p:sp>
-      <p:sp>
-        <p:nvSpPr>
-          <p:cNvPr id="8" name="TextBox 7">
-            <a:extLst>
-              <a:ext uri="{FF2B5EF4-FFF2-40B4-BE49-F238E27FC236}">
-                <a16:creationId xmlns:a16="http://schemas.microsoft.com/office/drawing/2014/main" id="{736355BA-4271-4E0E-4285-8C22985B1844}"/>
-              </a:ext>
-            </a:extLst>
-          </p:cNvPr>
-          <p:cNvSpPr txBox="1"/>
-          <p:nvPr/>
-        </p:nvSpPr>
-        <p:spPr>
-          <a:xfrm>
-            <a:off x="6377781" y="842504"/>
-            <a:ext cx="1614923" cy="646331"/>
-          </a:xfrm>
-          <a:prstGeom prst="rect">
-            <a:avLst/>
-          </a:prstGeom>
-          <a:noFill/>
-        </p:spPr>
-        <p:txBody>
-          <a:bodyPr wrap="square" rtlCol="0">
-            <a:spAutoFit/>
-          </a:bodyPr>
-          <a:lstStyle/>
-          <a:p>
-            <a:pPr algn="ctr"/>
-            <a:r>
-              <a:rPr lang="en-US" dirty="0" err="1">
-                <a:solidFill>
-                  <a:schemeClr val="tx2"/>
-                </a:solidFill>
-              </a:rPr>
-              <a:t>Densidade</a:t>
-            </a:r>
-            <a:endParaRPr lang="en-US" dirty="0">
-              <a:solidFill>
-                <a:schemeClr val="tx2"/>
-              </a:solidFill>
-            </a:endParaRPr>
-          </a:p>
-          <a:p>
-            <a:pPr algn="ctr"/>
-            <a:r>
-              <a:rPr lang="en-US" dirty="0" err="1">
-                <a:solidFill>
-                  <a:schemeClr val="tx2"/>
-                </a:solidFill>
-              </a:rPr>
-              <a:t>Populacional</a:t>
-            </a:r>
-            <a:endParaRPr lang="en-US" dirty="0">
-              <a:solidFill>
-                <a:schemeClr val="tx2"/>
-              </a:solidFill>
-            </a:endParaRPr>
-          </a:p>
-        </p:txBody>
-      </p:sp>
-      <p:sp>
-        <p:nvSpPr>
-          <p:cNvPr id="10" name="TextBox 9">
-            <a:extLst>
-              <a:ext uri="{FF2B5EF4-FFF2-40B4-BE49-F238E27FC236}">
-                <a16:creationId xmlns:a16="http://schemas.microsoft.com/office/drawing/2014/main" id="{EC80B7E9-4947-C5DE-AD17-FB09FC0C7638}"/>
-              </a:ext>
-            </a:extLst>
-          </p:cNvPr>
-          <p:cNvSpPr txBox="1"/>
-          <p:nvPr/>
-        </p:nvSpPr>
-        <p:spPr>
-          <a:xfrm>
-            <a:off x="1400530" y="1774496"/>
-            <a:ext cx="1535186" cy="276999"/>
-          </a:xfrm>
-          <a:prstGeom prst="rect">
-            <a:avLst/>
-          </a:prstGeom>
-          <a:noFill/>
-        </p:spPr>
-        <p:txBody>
-          <a:bodyPr wrap="square" rtlCol="0">
-            <a:spAutoFit/>
-          </a:bodyPr>
-          <a:lstStyle/>
-          <a:p>
-            <a:pPr algn="ctr"/>
-            <a:r>
-              <a:rPr lang="en-US" sz="1200" b="1" dirty="0">
-                <a:solidFill>
-                  <a:schemeClr val="accent1"/>
-                </a:solidFill>
-              </a:rPr>
-              <a:t>Plano </a:t>
-            </a:r>
-            <a:r>
-              <a:rPr lang="en-US" sz="1200" b="1" dirty="0" err="1">
-                <a:solidFill>
-                  <a:schemeClr val="accent1"/>
-                </a:solidFill>
-              </a:rPr>
-              <a:t>Diretor</a:t>
-            </a:r>
-            <a:endParaRPr lang="en-US" sz="1200" b="1" dirty="0">
-              <a:solidFill>
-                <a:schemeClr val="accent1"/>
-              </a:solidFill>
-            </a:endParaRPr>
-          </a:p>
-        </p:txBody>
-      </p:sp>
-      <p:cxnSp>
-        <p:nvCxnSpPr>
-          <p:cNvPr id="12" name="Straight Arrow Connector 11">
-            <a:extLst>
-              <a:ext uri="{FF2B5EF4-FFF2-40B4-BE49-F238E27FC236}">
-                <a16:creationId xmlns:a16="http://schemas.microsoft.com/office/drawing/2014/main" id="{8722F955-A965-807F-41A1-C732EA4FDADE}"/>
-              </a:ext>
-            </a:extLst>
-          </p:cNvPr>
-          <p:cNvCxnSpPr>
-            <a:cxnSpLocks/>
-          </p:cNvCxnSpPr>
-          <p:nvPr/>
-        </p:nvCxnSpPr>
-        <p:spPr>
-          <a:xfrm>
-            <a:off x="2152483" y="927925"/>
-            <a:ext cx="812293" cy="0"/>
-          </a:xfrm>
-          <a:prstGeom prst="straightConnector1">
-            <a:avLst/>
-          </a:prstGeom>
-          <a:ln>
-            <a:tailEnd type="triangle"/>
-          </a:ln>
-        </p:spPr>
-        <p:style>
-          <a:lnRef idx="2">
-            <a:schemeClr val="accent1"/>
-          </a:lnRef>
-          <a:fillRef idx="0">
-            <a:schemeClr val="accent1"/>
-          </a:fillRef>
-          <a:effectRef idx="1">
-            <a:schemeClr val="accent1"/>
-          </a:effectRef>
-          <a:fontRef idx="minor">
-            <a:schemeClr val="tx1"/>
-          </a:fontRef>
-        </p:style>
-      </p:cxnSp>
-      <p:sp>
-        <p:nvSpPr>
-          <p:cNvPr id="23" name="Right Brace 22">
-            <a:extLst>
-              <a:ext uri="{FF2B5EF4-FFF2-40B4-BE49-F238E27FC236}">
-                <a16:creationId xmlns:a16="http://schemas.microsoft.com/office/drawing/2014/main" id="{C5A7029E-8D67-4310-3B34-DBD0F2DBA72F}"/>
-              </a:ext>
-            </a:extLst>
-          </p:cNvPr>
-          <p:cNvSpPr/>
-          <p:nvPr/>
-        </p:nvSpPr>
-        <p:spPr>
-          <a:xfrm>
-            <a:off x="5778501" y="746729"/>
-            <a:ext cx="167653" cy="822998"/>
-          </a:xfrm>
-          <a:prstGeom prst="rightBrace">
-            <a:avLst>
-              <a:gd name="adj1" fmla="val 42985"/>
-              <a:gd name="adj2" fmla="val 50000"/>
-            </a:avLst>
-          </a:prstGeom>
-          <a:ln>
-            <a:solidFill>
-              <a:schemeClr val="accent3"/>
-            </a:solidFill>
-          </a:ln>
-        </p:spPr>
-        <p:style>
-          <a:lnRef idx="2">
-            <a:schemeClr val="accent1"/>
-          </a:lnRef>
-          <a:fillRef idx="0">
-            <a:schemeClr val="accent1"/>
-          </a:fillRef>
-          <a:effectRef idx="1">
-            <a:schemeClr val="accent1"/>
-          </a:effectRef>
-          <a:fontRef idx="minor">
-            <a:schemeClr val="tx1"/>
-          </a:fontRef>
-        </p:style>
-        <p:txBody>
-          <a:bodyPr rtlCol="0" anchor="ctr"/>
-          <a:lstStyle/>
-          <a:p>
-            <a:pPr algn="ctr"/>
-            <a:endParaRPr lang="en-US"/>
-          </a:p>
-        </p:txBody>
-      </p:sp>
-      <p:cxnSp>
-        <p:nvCxnSpPr>
-          <p:cNvPr id="24" name="Straight Arrow Connector 23">
-            <a:extLst>
-              <a:ext uri="{FF2B5EF4-FFF2-40B4-BE49-F238E27FC236}">
-                <a16:creationId xmlns:a16="http://schemas.microsoft.com/office/drawing/2014/main" id="{59473CE8-762E-C41F-D029-D33087FABE93}"/>
-              </a:ext>
-            </a:extLst>
-          </p:cNvPr>
-          <p:cNvCxnSpPr>
-            <a:cxnSpLocks/>
-          </p:cNvCxnSpPr>
-          <p:nvPr/>
-        </p:nvCxnSpPr>
-        <p:spPr>
-          <a:xfrm>
-            <a:off x="5995116" y="1163321"/>
-            <a:ext cx="307637" cy="0"/>
-          </a:xfrm>
-          <a:prstGeom prst="straightConnector1">
-            <a:avLst/>
-          </a:prstGeom>
-          <a:ln>
-            <a:solidFill>
-              <a:schemeClr val="accent3"/>
-            </a:solidFill>
-            <a:tailEnd type="triangle"/>
-          </a:ln>
-        </p:spPr>
-        <p:style>
-          <a:lnRef idx="2">
-            <a:schemeClr val="accent1"/>
-          </a:lnRef>
-          <a:fillRef idx="0">
-            <a:schemeClr val="accent1"/>
-          </a:fillRef>
-          <a:effectRef idx="1">
-            <a:schemeClr val="accent1"/>
-          </a:effectRef>
-          <a:fontRef idx="minor">
-            <a:schemeClr val="tx1"/>
-          </a:fontRef>
-        </p:style>
-      </p:cxnSp>
-      <p:sp>
-        <p:nvSpPr>
-          <p:cNvPr id="26" name="TextBox 25">
-            <a:extLst>
-              <a:ext uri="{FF2B5EF4-FFF2-40B4-BE49-F238E27FC236}">
-                <a16:creationId xmlns:a16="http://schemas.microsoft.com/office/drawing/2014/main" id="{7F3482FA-290A-AEFC-BB49-51CDC58E5C28}"/>
-              </a:ext>
-            </a:extLst>
-          </p:cNvPr>
-          <p:cNvSpPr txBox="1"/>
-          <p:nvPr/>
-        </p:nvSpPr>
-        <p:spPr>
-          <a:xfrm>
-            <a:off x="3582046" y="1788542"/>
-            <a:ext cx="2527244" cy="276999"/>
-          </a:xfrm>
-          <a:prstGeom prst="rect">
-            <a:avLst/>
-          </a:prstGeom>
-          <a:noFill/>
-        </p:spPr>
-        <p:txBody>
-          <a:bodyPr wrap="square" rtlCol="0">
-            <a:spAutoFit/>
-          </a:bodyPr>
-          <a:lstStyle/>
-          <a:p>
-            <a:pPr algn="ctr"/>
-            <a:r>
-              <a:rPr lang="en-US" sz="1200" b="1" dirty="0" err="1">
-                <a:solidFill>
-                  <a:schemeClr val="accent3"/>
-                </a:solidFill>
-              </a:rPr>
-              <a:t>Características</a:t>
-            </a:r>
-            <a:r>
-              <a:rPr lang="en-US" sz="1200" b="1" dirty="0">
-                <a:solidFill>
-                  <a:schemeClr val="accent3"/>
-                </a:solidFill>
-              </a:rPr>
-              <a:t> </a:t>
-            </a:r>
-            <a:r>
-              <a:rPr lang="en-US" sz="1200" b="1" dirty="0" err="1">
-                <a:solidFill>
-                  <a:schemeClr val="accent3"/>
-                </a:solidFill>
-              </a:rPr>
-              <a:t>observáveis</a:t>
-            </a:r>
-            <a:endParaRPr lang="en-US" sz="1200" b="1" dirty="0">
-              <a:solidFill>
-                <a:schemeClr val="accent3"/>
-              </a:solidFill>
-            </a:endParaRPr>
-          </a:p>
-        </p:txBody>
-      </p:sp>
-      <p:sp>
-        <p:nvSpPr>
-          <p:cNvPr id="30" name="Rectangle 29">
-            <a:extLst>
-              <a:ext uri="{FF2B5EF4-FFF2-40B4-BE49-F238E27FC236}">
-                <a16:creationId xmlns:a16="http://schemas.microsoft.com/office/drawing/2014/main" id="{2120F37D-D15A-11D5-E494-AF9AC7CE962C}"/>
-              </a:ext>
-            </a:extLst>
-          </p:cNvPr>
-          <p:cNvSpPr/>
-          <p:nvPr/>
-        </p:nvSpPr>
-        <p:spPr>
-          <a:xfrm>
-            <a:off x="8448548" y="750491"/>
-            <a:ext cx="1609853" cy="830875"/>
-          </a:xfrm>
-          <a:prstGeom prst="rect">
-            <a:avLst/>
-          </a:prstGeom>
-          <a:solidFill>
-            <a:srgbClr val="C00000">
-              <a:alpha val="29020"/>
-            </a:srgbClr>
-          </a:solidFill>
-          <a:ln>
-            <a:noFill/>
-          </a:ln>
-        </p:spPr>
-        <p:style>
-          <a:lnRef idx="2">
-            <a:schemeClr val="accent1">
-              <a:shade val="15000"/>
-            </a:schemeClr>
-          </a:lnRef>
-          <a:fillRef idx="1">
-            <a:schemeClr val="accent1"/>
-          </a:fillRef>
-          <a:effectRef idx="0">
-            <a:schemeClr val="accent1"/>
-          </a:effectRef>
-          <a:fontRef idx="minor">
-            <a:schemeClr val="lt1"/>
-          </a:fontRef>
-        </p:style>
-        <p:txBody>
-          <a:bodyPr rtlCol="0" anchor="ctr"/>
-          <a:lstStyle/>
-          <a:p>
-            <a:pPr algn="ctr"/>
-            <a:endParaRPr lang="en-US"/>
-          </a:p>
-        </p:txBody>
-      </p:sp>
-      <p:sp>
-        <p:nvSpPr>
-          <p:cNvPr id="31" name="TextBox 30">
-            <a:extLst>
-              <a:ext uri="{FF2B5EF4-FFF2-40B4-BE49-F238E27FC236}">
-                <a16:creationId xmlns:a16="http://schemas.microsoft.com/office/drawing/2014/main" id="{80D06E64-2FA4-C245-839C-0A07E1127A94}"/>
-              </a:ext>
-            </a:extLst>
-          </p:cNvPr>
-          <p:cNvSpPr txBox="1"/>
-          <p:nvPr/>
-        </p:nvSpPr>
-        <p:spPr>
-          <a:xfrm>
-            <a:off x="8525505" y="870441"/>
-            <a:ext cx="1477265" cy="646331"/>
-          </a:xfrm>
-          <a:prstGeom prst="rect">
-            <a:avLst/>
-          </a:prstGeom>
-          <a:noFill/>
-        </p:spPr>
-        <p:txBody>
-          <a:bodyPr wrap="square" rtlCol="0">
-            <a:spAutoFit/>
-          </a:bodyPr>
-          <a:lstStyle/>
-          <a:p>
-            <a:pPr algn="ctr"/>
-            <a:r>
-              <a:rPr lang="en-US" dirty="0">
-                <a:solidFill>
-                  <a:schemeClr val="tx2"/>
-                </a:solidFill>
-              </a:rPr>
-              <a:t>Outros </a:t>
-            </a:r>
-            <a:r>
-              <a:rPr lang="en-US" dirty="0" err="1">
-                <a:solidFill>
-                  <a:schemeClr val="tx2"/>
-                </a:solidFill>
-              </a:rPr>
-              <a:t>fatores</a:t>
-            </a:r>
-            <a:endParaRPr lang="en-US" dirty="0">
-              <a:solidFill>
-                <a:schemeClr val="tx2"/>
-              </a:solidFill>
-            </a:endParaRPr>
-          </a:p>
-        </p:txBody>
-      </p:sp>
-      <p:cxnSp>
-        <p:nvCxnSpPr>
-          <p:cNvPr id="15" name="Straight Arrow Connector 14">
-            <a:extLst>
-              <a:ext uri="{FF2B5EF4-FFF2-40B4-BE49-F238E27FC236}">
-                <a16:creationId xmlns:a16="http://schemas.microsoft.com/office/drawing/2014/main" id="{F7F617C2-4E5F-FAA6-D005-FC453B1ECCA9}"/>
-              </a:ext>
-            </a:extLst>
-          </p:cNvPr>
-          <p:cNvCxnSpPr>
-            <a:cxnSpLocks/>
-          </p:cNvCxnSpPr>
-          <p:nvPr/>
-        </p:nvCxnSpPr>
-        <p:spPr>
-          <a:xfrm flipH="1" flipV="1">
-            <a:off x="8042910" y="1165669"/>
-            <a:ext cx="372430" cy="1"/>
-          </a:xfrm>
-          <a:prstGeom prst="straightConnector1">
-            <a:avLst/>
-          </a:prstGeom>
-          <a:ln>
-            <a:solidFill>
-              <a:srgbClr val="C00000"/>
-            </a:solidFill>
-            <a:tailEnd type="triangle"/>
-          </a:ln>
-        </p:spPr>
-        <p:style>
-          <a:lnRef idx="2">
-            <a:schemeClr val="accent1"/>
-          </a:lnRef>
-          <a:fillRef idx="0">
-            <a:schemeClr val="accent1"/>
-          </a:fillRef>
-          <a:effectRef idx="1">
-            <a:schemeClr val="accent1"/>
-          </a:effectRef>
-          <a:fontRef idx="minor">
-            <a:schemeClr val="tx1"/>
-          </a:fontRef>
-        </p:style>
-      </p:cxnSp>
-      <p:cxnSp>
-        <p:nvCxnSpPr>
-          <p:cNvPr id="22" name="Straight Arrow Connector 21">
-            <a:extLst>
-              <a:ext uri="{FF2B5EF4-FFF2-40B4-BE49-F238E27FC236}">
-                <a16:creationId xmlns:a16="http://schemas.microsoft.com/office/drawing/2014/main" id="{A0C4B6BE-A6CE-127D-CD4D-88125F092CBE}"/>
-              </a:ext>
-            </a:extLst>
-          </p:cNvPr>
-          <p:cNvCxnSpPr>
-            <a:cxnSpLocks/>
-          </p:cNvCxnSpPr>
-          <p:nvPr/>
-        </p:nvCxnSpPr>
-        <p:spPr>
-          <a:xfrm>
-            <a:off x="2152483" y="1208394"/>
-            <a:ext cx="812293" cy="0"/>
-          </a:xfrm>
-          <a:prstGeom prst="straightConnector1">
-            <a:avLst/>
-          </a:prstGeom>
-          <a:ln>
-            <a:tailEnd type="triangle"/>
-          </a:ln>
-        </p:spPr>
-        <p:style>
-          <a:lnRef idx="2">
-            <a:schemeClr val="accent1"/>
-          </a:lnRef>
-          <a:fillRef idx="0">
-            <a:schemeClr val="accent1"/>
-          </a:fillRef>
-          <a:effectRef idx="1">
-            <a:schemeClr val="accent1"/>
-          </a:effectRef>
-          <a:fontRef idx="minor">
-            <a:schemeClr val="tx1"/>
-          </a:fontRef>
-        </p:style>
-      </p:cxnSp>
-      <p:cxnSp>
-        <p:nvCxnSpPr>
-          <p:cNvPr id="25" name="Straight Arrow Connector 24">
-            <a:extLst>
-              <a:ext uri="{FF2B5EF4-FFF2-40B4-BE49-F238E27FC236}">
-                <a16:creationId xmlns:a16="http://schemas.microsoft.com/office/drawing/2014/main" id="{BAB31ECF-DB8F-3A95-5EA3-DEDCB63906B6}"/>
-              </a:ext>
-            </a:extLst>
-          </p:cNvPr>
-          <p:cNvCxnSpPr>
-            <a:cxnSpLocks/>
-          </p:cNvCxnSpPr>
-          <p:nvPr/>
-        </p:nvCxnSpPr>
-        <p:spPr>
-          <a:xfrm>
-            <a:off x="2152483" y="1483108"/>
-            <a:ext cx="812293" cy="0"/>
-          </a:xfrm>
-          <a:prstGeom prst="straightConnector1">
-            <a:avLst/>
-          </a:prstGeom>
-          <a:ln>
-            <a:tailEnd type="triangle"/>
-          </a:ln>
-        </p:spPr>
-        <p:style>
-          <a:lnRef idx="2">
-            <a:schemeClr val="accent1"/>
-          </a:lnRef>
-          <a:fillRef idx="0">
-            <a:schemeClr val="accent1"/>
-          </a:fillRef>
-          <a:effectRef idx="1">
-            <a:schemeClr val="accent1"/>
-          </a:effectRef>
-          <a:fontRef idx="minor">
-            <a:schemeClr val="tx1"/>
-          </a:fontRef>
-        </p:style>
-      </p:cxnSp>
-    </p:spTree>
-    <p:extLst>
-      <p:ext uri="{BB962C8B-B14F-4D97-AF65-F5344CB8AC3E}">
-        <p14:creationId xmlns:p14="http://schemas.microsoft.com/office/powerpoint/2010/main" val="2213669230"/>
-      </p:ext>
-    </p:extLst>
-  </p:cSld>
-  <p:clrMapOvr>
-    <a:masterClrMapping/>
-  </p:clrMapOvr>
-</p:sld>
-</file>
-
-<file path=ppt/slides/slide3.xml><?xml version="1.0" encoding="utf-8"?>
-<p:sld xmlns:a="http://schemas.openxmlformats.org/drawingml/2006/main" xmlns:r="http://schemas.openxmlformats.org/officeDocument/2006/relationships" xmlns:p="http://schemas.openxmlformats.org/presentationml/2006/main" show="0">
-  <p:cSld>
-    <p:spTree>
-      <p:nvGrpSpPr>
-        <p:cNvPr id="1" name=""/>
-        <p:cNvGrpSpPr/>
-        <p:nvPr/>
-      </p:nvGrpSpPr>
-      <p:grpSpPr>
-        <a:xfrm>
-          <a:off x="0" y="0"/>
-          <a:ext cx="0" cy="0"/>
-          <a:chOff x="0" y="0"/>
-          <a:chExt cx="0" cy="0"/>
-        </a:xfrm>
-      </p:grpSpPr>
-      <p:sp>
-        <p:nvSpPr>
-          <p:cNvPr id="29" name="Rectangle 28">
-            <a:extLst>
-              <a:ext uri="{FF2B5EF4-FFF2-40B4-BE49-F238E27FC236}">
-                <a16:creationId xmlns:a16="http://schemas.microsoft.com/office/drawing/2014/main" id="{1EBB80DA-8F8F-560E-D9E9-C105BDBBA1A9}"/>
-              </a:ext>
-            </a:extLst>
-          </p:cNvPr>
-          <p:cNvSpPr/>
-          <p:nvPr/>
-        </p:nvSpPr>
-        <p:spPr>
-          <a:xfrm>
-            <a:off x="8414871" y="468896"/>
+            <a:off x="8087213" y="312879"/>
             <a:ext cx="1609853" cy="1140300"/>
           </a:xfrm>
           <a:prstGeom prst="rect">
@@ -5197,839 +3041,7 @@
         </p:nvSpPr>
         <p:spPr>
           <a:xfrm>
-            <a:off x="4176020" y="-74438"/>
-            <a:ext cx="2867526" cy="646331"/>
-          </a:xfrm>
-          <a:prstGeom prst="rect">
-            <a:avLst/>
-          </a:prstGeom>
-          <a:solidFill>
-            <a:schemeClr val="accent3">
-              <a:alpha val="29020"/>
-            </a:schemeClr>
-          </a:solidFill>
-          <a:ln>
-            <a:noFill/>
-          </a:ln>
-        </p:spPr>
-        <p:style>
-          <a:lnRef idx="2">
-            <a:schemeClr val="accent1">
-              <a:shade val="15000"/>
-            </a:schemeClr>
-          </a:lnRef>
-          <a:fillRef idx="1">
-            <a:schemeClr val="accent1"/>
-          </a:fillRef>
-          <a:effectRef idx="0">
-            <a:schemeClr val="accent1"/>
-          </a:effectRef>
-          <a:fontRef idx="minor">
-            <a:schemeClr val="lt1"/>
-          </a:fontRef>
-        </p:style>
-        <p:txBody>
-          <a:bodyPr rtlCol="0" anchor="ctr"/>
-          <a:lstStyle/>
-          <a:p>
-            <a:pPr algn="ctr"/>
-            <a:endParaRPr lang="en-US"/>
-          </a:p>
-        </p:txBody>
-      </p:sp>
-      <p:sp>
-        <p:nvSpPr>
-          <p:cNvPr id="27" name="Rectangle 26">
-            <a:extLst>
-              <a:ext uri="{FF2B5EF4-FFF2-40B4-BE49-F238E27FC236}">
-                <a16:creationId xmlns:a16="http://schemas.microsoft.com/office/drawing/2014/main" id="{FBB8B1AA-6D81-E0FC-67AD-F1F3B8B28923}"/>
-              </a:ext>
-            </a:extLst>
-          </p:cNvPr>
-          <p:cNvSpPr/>
-          <p:nvPr/>
-        </p:nvSpPr>
-        <p:spPr>
-          <a:xfrm>
-            <a:off x="16687" y="-67671"/>
-            <a:ext cx="2788009" cy="646331"/>
-          </a:xfrm>
-          <a:prstGeom prst="rect">
-            <a:avLst/>
-          </a:prstGeom>
-          <a:solidFill>
-            <a:srgbClr val="156082">
-              <a:alpha val="29020"/>
-            </a:srgbClr>
-          </a:solidFill>
-          <a:ln>
-            <a:noFill/>
-          </a:ln>
-        </p:spPr>
-        <p:style>
-          <a:lnRef idx="2">
-            <a:schemeClr val="accent1">
-              <a:shade val="15000"/>
-            </a:schemeClr>
-          </a:lnRef>
-          <a:fillRef idx="1">
-            <a:schemeClr val="accent1"/>
-          </a:fillRef>
-          <a:effectRef idx="0">
-            <a:schemeClr val="accent1"/>
-          </a:effectRef>
-          <a:fontRef idx="minor">
-            <a:schemeClr val="lt1"/>
-          </a:fontRef>
-        </p:style>
-        <p:txBody>
-          <a:bodyPr rtlCol="0" anchor="ctr"/>
-          <a:lstStyle/>
-          <a:p>
-            <a:pPr algn="ctr"/>
-            <a:endParaRPr lang="en-US"/>
-          </a:p>
-        </p:txBody>
-      </p:sp>
-      <p:sp>
-        <p:nvSpPr>
-          <p:cNvPr id="16" name="Rectangle 15">
-            <a:extLst>
-              <a:ext uri="{FF2B5EF4-FFF2-40B4-BE49-F238E27FC236}">
-                <a16:creationId xmlns:a16="http://schemas.microsoft.com/office/drawing/2014/main" id="{6752A772-212A-0B21-6F89-5D6190C125E8}"/>
-              </a:ext>
-            </a:extLst>
-          </p:cNvPr>
-          <p:cNvSpPr/>
-          <p:nvPr/>
-        </p:nvSpPr>
-        <p:spPr>
-          <a:xfrm>
-            <a:off x="4176020" y="-71055"/>
-            <a:ext cx="2867526" cy="2223634"/>
-          </a:xfrm>
-          <a:prstGeom prst="rect">
-            <a:avLst/>
-          </a:prstGeom>
-          <a:solidFill>
-            <a:schemeClr val="accent3">
-              <a:alpha val="29020"/>
-            </a:schemeClr>
-          </a:solidFill>
-          <a:ln>
-            <a:noFill/>
-          </a:ln>
-        </p:spPr>
-        <p:style>
-          <a:lnRef idx="2">
-            <a:schemeClr val="accent1">
-              <a:shade val="15000"/>
-            </a:schemeClr>
-          </a:lnRef>
-          <a:fillRef idx="1">
-            <a:schemeClr val="accent1"/>
-          </a:fillRef>
-          <a:effectRef idx="0">
-            <a:schemeClr val="accent1"/>
-          </a:effectRef>
-          <a:fontRef idx="minor">
-            <a:schemeClr val="lt1"/>
-          </a:fontRef>
-        </p:style>
-        <p:txBody>
-          <a:bodyPr rtlCol="0" anchor="ctr"/>
-          <a:lstStyle/>
-          <a:p>
-            <a:pPr algn="ctr"/>
-            <a:endParaRPr lang="en-US"/>
-          </a:p>
-        </p:txBody>
-      </p:sp>
-      <p:sp>
-        <p:nvSpPr>
-          <p:cNvPr id="9" name="Rectangle 8">
-            <a:extLst>
-              <a:ext uri="{FF2B5EF4-FFF2-40B4-BE49-F238E27FC236}">
-                <a16:creationId xmlns:a16="http://schemas.microsoft.com/office/drawing/2014/main" id="{EFB06E6F-FC40-AB19-7881-CFD8765E819F}"/>
-              </a:ext>
-            </a:extLst>
-          </p:cNvPr>
-          <p:cNvSpPr/>
-          <p:nvPr/>
-        </p:nvSpPr>
-        <p:spPr>
-          <a:xfrm>
-            <a:off x="16688" y="-67670"/>
-            <a:ext cx="2788009" cy="2213432"/>
-          </a:xfrm>
-          <a:prstGeom prst="rect">
-            <a:avLst/>
-          </a:prstGeom>
-          <a:solidFill>
-            <a:srgbClr val="156082">
-              <a:alpha val="29020"/>
-            </a:srgbClr>
-          </a:solidFill>
-          <a:ln>
-            <a:noFill/>
-          </a:ln>
-        </p:spPr>
-        <p:style>
-          <a:lnRef idx="2">
-            <a:schemeClr val="accent1">
-              <a:shade val="15000"/>
-            </a:schemeClr>
-          </a:lnRef>
-          <a:fillRef idx="1">
-            <a:schemeClr val="accent1"/>
-          </a:fillRef>
-          <a:effectRef idx="0">
-            <a:schemeClr val="accent1"/>
-          </a:effectRef>
-          <a:fontRef idx="minor">
-            <a:schemeClr val="lt1"/>
-          </a:fontRef>
-        </p:style>
-        <p:txBody>
-          <a:bodyPr rtlCol="0" anchor="ctr"/>
-          <a:lstStyle/>
-          <a:p>
-            <a:pPr algn="ctr"/>
-            <a:endParaRPr lang="en-US" dirty="0"/>
-          </a:p>
-        </p:txBody>
-      </p:sp>
-      <p:sp>
-        <p:nvSpPr>
-          <p:cNvPr id="4" name="TextBox 3">
-            <a:extLst>
-              <a:ext uri="{FF2B5EF4-FFF2-40B4-BE49-F238E27FC236}">
-                <a16:creationId xmlns:a16="http://schemas.microsoft.com/office/drawing/2014/main" id="{5B4A90DD-8412-48C2-4267-89E9D6F19F10}"/>
-              </a:ext>
-            </a:extLst>
-          </p:cNvPr>
-          <p:cNvSpPr txBox="1"/>
-          <p:nvPr/>
-        </p:nvSpPr>
-        <p:spPr>
-          <a:xfrm>
-            <a:off x="123367" y="86217"/>
-            <a:ext cx="2788009" cy="338554"/>
-          </a:xfrm>
-          <a:prstGeom prst="rect">
-            <a:avLst/>
-          </a:prstGeom>
-          <a:noFill/>
-        </p:spPr>
-        <p:txBody>
-          <a:bodyPr wrap="square" rtlCol="0">
-            <a:spAutoFit/>
-          </a:bodyPr>
-          <a:lstStyle/>
-          <a:p>
-            <a:r>
-              <a:rPr lang="en-US" sz="1600" dirty="0" err="1"/>
-              <a:t>Instrumentos</a:t>
-            </a:r>
-            <a:r>
-              <a:rPr lang="en-US" sz="1600" dirty="0"/>
-              <a:t> de </a:t>
-            </a:r>
-            <a:r>
-              <a:rPr lang="en-US" sz="1600" dirty="0" err="1"/>
-              <a:t>regulação</a:t>
-            </a:r>
-            <a:endParaRPr lang="en-US" sz="1600" dirty="0"/>
-          </a:p>
-        </p:txBody>
-      </p:sp>
-      <p:sp>
-        <p:nvSpPr>
-          <p:cNvPr id="5" name="TextBox 4">
-            <a:extLst>
-              <a:ext uri="{FF2B5EF4-FFF2-40B4-BE49-F238E27FC236}">
-                <a16:creationId xmlns:a16="http://schemas.microsoft.com/office/drawing/2014/main" id="{0A4F6D8C-EED3-C2FF-46CF-2628A2F5BF31}"/>
-              </a:ext>
-            </a:extLst>
-          </p:cNvPr>
-          <p:cNvSpPr txBox="1"/>
-          <p:nvPr/>
-        </p:nvSpPr>
-        <p:spPr>
-          <a:xfrm>
-            <a:off x="4553360" y="87938"/>
-            <a:ext cx="2052037" cy="338554"/>
-          </a:xfrm>
-          <a:prstGeom prst="rect">
-            <a:avLst/>
-          </a:prstGeom>
-          <a:noFill/>
-        </p:spPr>
-        <p:txBody>
-          <a:bodyPr wrap="none" rtlCol="0">
-            <a:spAutoFit/>
-          </a:bodyPr>
-          <a:lstStyle/>
-          <a:p>
-            <a:r>
-              <a:rPr lang="en-US" sz="1600" dirty="0" err="1"/>
-              <a:t>Padrões</a:t>
-            </a:r>
-            <a:r>
-              <a:rPr lang="en-US" sz="1600" dirty="0"/>
-              <a:t> </a:t>
-            </a:r>
-            <a:r>
-              <a:rPr lang="en-US" sz="1600" dirty="0" err="1"/>
-              <a:t>construtivos</a:t>
-            </a:r>
-            <a:endParaRPr lang="en-US" sz="1600" dirty="0"/>
-          </a:p>
-        </p:txBody>
-      </p:sp>
-      <p:sp>
-        <p:nvSpPr>
-          <p:cNvPr id="8" name="TextBox 7">
-            <a:extLst>
-              <a:ext uri="{FF2B5EF4-FFF2-40B4-BE49-F238E27FC236}">
-                <a16:creationId xmlns:a16="http://schemas.microsoft.com/office/drawing/2014/main" id="{736355BA-4271-4E0E-4285-8C22985B1844}"/>
-              </a:ext>
-            </a:extLst>
-          </p:cNvPr>
-          <p:cNvSpPr txBox="1"/>
-          <p:nvPr/>
-        </p:nvSpPr>
-        <p:spPr>
-          <a:xfrm>
-            <a:off x="8443478" y="787001"/>
-            <a:ext cx="1614923" cy="584775"/>
-          </a:xfrm>
-          <a:prstGeom prst="rect">
-            <a:avLst/>
-          </a:prstGeom>
-          <a:noFill/>
-        </p:spPr>
-        <p:txBody>
-          <a:bodyPr wrap="square" rtlCol="0">
-            <a:spAutoFit/>
-          </a:bodyPr>
-          <a:lstStyle/>
-          <a:p>
-            <a:pPr algn="ctr"/>
-            <a:r>
-              <a:rPr lang="en-US" sz="1600" dirty="0" err="1">
-                <a:solidFill>
-                  <a:schemeClr val="tx2"/>
-                </a:solidFill>
-              </a:rPr>
-              <a:t>Densidade</a:t>
-            </a:r>
-            <a:endParaRPr lang="en-US" sz="1600" dirty="0">
-              <a:solidFill>
-                <a:schemeClr val="tx2"/>
-              </a:solidFill>
-            </a:endParaRPr>
-          </a:p>
-          <a:p>
-            <a:pPr algn="ctr"/>
-            <a:r>
-              <a:rPr lang="en-US" sz="1600" dirty="0" err="1">
-                <a:solidFill>
-                  <a:schemeClr val="tx2"/>
-                </a:solidFill>
-              </a:rPr>
-              <a:t>Populacional</a:t>
-            </a:r>
-            <a:endParaRPr lang="en-US" sz="1600" dirty="0">
-              <a:solidFill>
-                <a:schemeClr val="tx2"/>
-              </a:solidFill>
-            </a:endParaRPr>
-          </a:p>
-        </p:txBody>
-      </p:sp>
-      <p:cxnSp>
-        <p:nvCxnSpPr>
-          <p:cNvPr id="2" name="Straight Arrow Connector 1">
-            <a:extLst>
-              <a:ext uri="{FF2B5EF4-FFF2-40B4-BE49-F238E27FC236}">
-                <a16:creationId xmlns:a16="http://schemas.microsoft.com/office/drawing/2014/main" id="{71DAC8A6-2133-FEDE-9D9F-8AAF7D925B6D}"/>
-              </a:ext>
-            </a:extLst>
-          </p:cNvPr>
-          <p:cNvCxnSpPr>
-            <a:cxnSpLocks/>
-            <a:stCxn id="9" idx="3"/>
-            <a:endCxn id="16" idx="1"/>
-          </p:cNvCxnSpPr>
-          <p:nvPr/>
-        </p:nvCxnSpPr>
-        <p:spPr>
-          <a:xfrm>
-            <a:off x="2804696" y="1039046"/>
-            <a:ext cx="1371324" cy="1716"/>
-          </a:xfrm>
-          <a:prstGeom prst="straightConnector1">
-            <a:avLst/>
-          </a:prstGeom>
-          <a:ln>
-            <a:tailEnd type="triangle"/>
-          </a:ln>
-        </p:spPr>
-        <p:style>
-          <a:lnRef idx="2">
-            <a:schemeClr val="accent1"/>
-          </a:lnRef>
-          <a:fillRef idx="0">
-            <a:schemeClr val="accent1"/>
-          </a:fillRef>
-          <a:effectRef idx="1">
-            <a:schemeClr val="accent1"/>
-          </a:effectRef>
-          <a:fontRef idx="minor">
-            <a:schemeClr val="tx1"/>
-          </a:fontRef>
-        </p:style>
-      </p:cxnSp>
-      <p:cxnSp>
-        <p:nvCxnSpPr>
-          <p:cNvPr id="14" name="Straight Arrow Connector 13">
-            <a:extLst>
-              <a:ext uri="{FF2B5EF4-FFF2-40B4-BE49-F238E27FC236}">
-                <a16:creationId xmlns:a16="http://schemas.microsoft.com/office/drawing/2014/main" id="{CFF9BEEC-41FC-64CF-D39A-E63A51783284}"/>
-              </a:ext>
-            </a:extLst>
-          </p:cNvPr>
-          <p:cNvCxnSpPr>
-            <a:cxnSpLocks/>
-            <a:stCxn id="16" idx="3"/>
-            <a:endCxn id="29" idx="1"/>
-          </p:cNvCxnSpPr>
-          <p:nvPr/>
-        </p:nvCxnSpPr>
-        <p:spPr>
-          <a:xfrm flipV="1">
-            <a:off x="7043546" y="1039046"/>
-            <a:ext cx="1371324" cy="1716"/>
-          </a:xfrm>
-          <a:prstGeom prst="straightConnector1">
-            <a:avLst/>
-          </a:prstGeom>
-          <a:ln>
-            <a:tailEnd type="triangle"/>
-          </a:ln>
-        </p:spPr>
-        <p:style>
-          <a:lnRef idx="2">
-            <a:schemeClr val="accent1"/>
-          </a:lnRef>
-          <a:fillRef idx="0">
-            <a:schemeClr val="accent1"/>
-          </a:fillRef>
-          <a:effectRef idx="1">
-            <a:schemeClr val="accent1"/>
-          </a:effectRef>
-          <a:fontRef idx="minor">
-            <a:schemeClr val="tx1"/>
-          </a:fontRef>
-        </p:style>
-      </p:cxnSp>
-      <p:sp>
-        <p:nvSpPr>
-          <p:cNvPr id="21" name="Oval 20">
-            <a:extLst>
-              <a:ext uri="{FF2B5EF4-FFF2-40B4-BE49-F238E27FC236}">
-                <a16:creationId xmlns:a16="http://schemas.microsoft.com/office/drawing/2014/main" id="{2D44728B-7A5C-5563-19C0-D7B0397F28D0}"/>
-              </a:ext>
-            </a:extLst>
-          </p:cNvPr>
-          <p:cNvSpPr/>
-          <p:nvPr/>
-        </p:nvSpPr>
-        <p:spPr>
-          <a:xfrm>
-            <a:off x="3231674" y="514366"/>
-            <a:ext cx="457200" cy="457200"/>
-          </a:xfrm>
-          <a:prstGeom prst="ellipse">
-            <a:avLst/>
-          </a:prstGeom>
-          <a:noFill/>
-          <a:ln>
-            <a:solidFill>
-              <a:schemeClr val="tx1"/>
-            </a:solidFill>
-          </a:ln>
-        </p:spPr>
-        <p:style>
-          <a:lnRef idx="2">
-            <a:schemeClr val="accent1">
-              <a:shade val="15000"/>
-            </a:schemeClr>
-          </a:lnRef>
-          <a:fillRef idx="1">
-            <a:schemeClr val="accent1"/>
-          </a:fillRef>
-          <a:effectRef idx="0">
-            <a:schemeClr val="accent1"/>
-          </a:effectRef>
-          <a:fontRef idx="minor">
-            <a:schemeClr val="lt1"/>
-          </a:fontRef>
-        </p:style>
-        <p:txBody>
-          <a:bodyPr rtlCol="0" anchor="ctr"/>
-          <a:lstStyle/>
-          <a:p>
-            <a:pPr algn="ctr"/>
-            <a:r>
-              <a:rPr lang="en-US" dirty="0">
-                <a:solidFill>
-                  <a:schemeClr val="tx1"/>
-                </a:solidFill>
-              </a:rPr>
-              <a:t>1</a:t>
-            </a:r>
-          </a:p>
-        </p:txBody>
-      </p:sp>
-      <p:sp>
-        <p:nvSpPr>
-          <p:cNvPr id="32" name="Oval 31">
-            <a:extLst>
-              <a:ext uri="{FF2B5EF4-FFF2-40B4-BE49-F238E27FC236}">
-                <a16:creationId xmlns:a16="http://schemas.microsoft.com/office/drawing/2014/main" id="{7075E5CC-E5BF-411D-FC17-71F6B0878716}"/>
-              </a:ext>
-            </a:extLst>
-          </p:cNvPr>
-          <p:cNvSpPr/>
-          <p:nvPr/>
-        </p:nvSpPr>
-        <p:spPr>
-          <a:xfrm>
-            <a:off x="7520928" y="514366"/>
-            <a:ext cx="457200" cy="457200"/>
-          </a:xfrm>
-          <a:prstGeom prst="ellipse">
-            <a:avLst/>
-          </a:prstGeom>
-          <a:noFill/>
-          <a:ln>
-            <a:solidFill>
-              <a:schemeClr val="tx1"/>
-            </a:solidFill>
-          </a:ln>
-        </p:spPr>
-        <p:style>
-          <a:lnRef idx="2">
-            <a:schemeClr val="accent1">
-              <a:shade val="15000"/>
-            </a:schemeClr>
-          </a:lnRef>
-          <a:fillRef idx="1">
-            <a:schemeClr val="accent1"/>
-          </a:fillRef>
-          <a:effectRef idx="0">
-            <a:schemeClr val="accent1"/>
-          </a:effectRef>
-          <a:fontRef idx="minor">
-            <a:schemeClr val="lt1"/>
-          </a:fontRef>
-        </p:style>
-        <p:txBody>
-          <a:bodyPr rtlCol="0" anchor="ctr"/>
-          <a:lstStyle/>
-          <a:p>
-            <a:pPr algn="ctr"/>
-            <a:r>
-              <a:rPr lang="en-US" dirty="0">
-                <a:solidFill>
-                  <a:schemeClr val="tx1"/>
-                </a:solidFill>
-              </a:rPr>
-              <a:t>2</a:t>
-            </a:r>
-          </a:p>
-        </p:txBody>
-      </p:sp>
-      <p:sp>
-        <p:nvSpPr>
-          <p:cNvPr id="33" name="TextBox 32">
-            <a:extLst>
-              <a:ext uri="{FF2B5EF4-FFF2-40B4-BE49-F238E27FC236}">
-                <a16:creationId xmlns:a16="http://schemas.microsoft.com/office/drawing/2014/main" id="{8A4A773E-E833-8902-1B0E-37D33525E3D7}"/>
-              </a:ext>
-            </a:extLst>
-          </p:cNvPr>
-          <p:cNvSpPr txBox="1"/>
-          <p:nvPr/>
-        </p:nvSpPr>
-        <p:spPr>
-          <a:xfrm>
-            <a:off x="4300755" y="752455"/>
-            <a:ext cx="2557246" cy="861774"/>
-          </a:xfrm>
-          <a:prstGeom prst="rect">
-            <a:avLst/>
-          </a:prstGeom>
-          <a:noFill/>
-        </p:spPr>
-        <p:txBody>
-          <a:bodyPr wrap="square" rtlCol="0">
-            <a:spAutoFit/>
-          </a:bodyPr>
-          <a:lstStyle/>
-          <a:p>
-            <a:pPr marL="285750" indent="-285750">
-              <a:buFont typeface="Arial" panose="020B0604020202020204" pitchFamily="34" charset="0"/>
-              <a:buChar char="•"/>
-            </a:pPr>
-            <a:r>
-              <a:rPr lang="en-US" sz="1600" dirty="0"/>
-              <a:t>Dens. </a:t>
-            </a:r>
-            <a:r>
-              <a:rPr lang="en-US" sz="1600" dirty="0" err="1"/>
-              <a:t>Construtiva</a:t>
-            </a:r>
-            <a:endParaRPr lang="en-US" sz="1600" dirty="0"/>
-          </a:p>
-          <a:p>
-            <a:pPr marL="285750" indent="-285750">
-              <a:buFont typeface="Arial" panose="020B0604020202020204" pitchFamily="34" charset="0"/>
-              <a:buChar char="•"/>
-            </a:pPr>
-            <a:r>
-              <a:rPr lang="en-US" sz="1600" dirty="0"/>
-              <a:t>Dens. </a:t>
-            </a:r>
-            <a:r>
-              <a:rPr lang="en-US" sz="1600" dirty="0" err="1"/>
-              <a:t>Habitacional</a:t>
-            </a:r>
-            <a:endParaRPr lang="en-US" sz="1600" dirty="0"/>
-          </a:p>
-          <a:p>
-            <a:pPr marL="285750" indent="-285750">
-              <a:buFont typeface="Arial" panose="020B0604020202020204" pitchFamily="34" charset="0"/>
-              <a:buChar char="•"/>
-            </a:pPr>
-            <a:r>
-              <a:rPr lang="en-US" sz="1600" dirty="0" err="1"/>
-              <a:t>Verticalização</a:t>
-            </a:r>
-            <a:endParaRPr lang="en-US" sz="1600" dirty="0"/>
-          </a:p>
-        </p:txBody>
-      </p:sp>
-      <p:sp>
-        <p:nvSpPr>
-          <p:cNvPr id="34" name="TextBox 33">
-            <a:extLst>
-              <a:ext uri="{FF2B5EF4-FFF2-40B4-BE49-F238E27FC236}">
-                <a16:creationId xmlns:a16="http://schemas.microsoft.com/office/drawing/2014/main" id="{894DA7C4-4AC1-2197-EF13-E1202BC90AB1}"/>
-              </a:ext>
-            </a:extLst>
-          </p:cNvPr>
-          <p:cNvSpPr txBox="1"/>
-          <p:nvPr/>
-        </p:nvSpPr>
-        <p:spPr>
-          <a:xfrm>
-            <a:off x="33678" y="787000"/>
-            <a:ext cx="2761255" cy="861774"/>
-          </a:xfrm>
-          <a:prstGeom prst="rect">
-            <a:avLst/>
-          </a:prstGeom>
-          <a:noFill/>
-        </p:spPr>
-        <p:txBody>
-          <a:bodyPr wrap="square" rtlCol="0">
-            <a:spAutoFit/>
-          </a:bodyPr>
-          <a:lstStyle/>
-          <a:p>
-            <a:pPr marL="285750" indent="-285750">
-              <a:buFont typeface="Arial" panose="020B0604020202020204" pitchFamily="34" charset="0"/>
-              <a:buChar char="•"/>
-            </a:pPr>
-            <a:r>
-              <a:rPr lang="en-US" sz="1600" dirty="0"/>
-              <a:t>Coef. </a:t>
-            </a:r>
-            <a:r>
-              <a:rPr lang="en-US" sz="1600" dirty="0" err="1"/>
-              <a:t>Aproveitamento</a:t>
-            </a:r>
-            <a:endParaRPr lang="en-US" sz="1600" dirty="0"/>
-          </a:p>
-          <a:p>
-            <a:pPr marL="285750" indent="-285750">
-              <a:buFont typeface="Arial" panose="020B0604020202020204" pitchFamily="34" charset="0"/>
-              <a:buChar char="•"/>
-            </a:pPr>
-            <a:r>
-              <a:rPr lang="en-US" sz="1600" dirty="0"/>
-              <a:t>Cota </a:t>
-            </a:r>
-            <a:r>
-              <a:rPr lang="en-US" sz="1600" dirty="0" err="1"/>
-              <a:t>Parte</a:t>
-            </a:r>
-            <a:endParaRPr lang="en-US" sz="1600" dirty="0"/>
-          </a:p>
-          <a:p>
-            <a:pPr marL="285750" indent="-285750">
-              <a:buFont typeface="Arial" panose="020B0604020202020204" pitchFamily="34" charset="0"/>
-              <a:buChar char="•"/>
-            </a:pPr>
-            <a:r>
-              <a:rPr lang="en-US" sz="1600" dirty="0" err="1"/>
-              <a:t>Gabarito</a:t>
-            </a:r>
-            <a:endParaRPr lang="en-US" sz="1600" dirty="0"/>
-          </a:p>
-        </p:txBody>
-      </p:sp>
-      <p:sp>
-        <p:nvSpPr>
-          <p:cNvPr id="35" name="TextBox 34">
-            <a:extLst>
-              <a:ext uri="{FF2B5EF4-FFF2-40B4-BE49-F238E27FC236}">
-                <a16:creationId xmlns:a16="http://schemas.microsoft.com/office/drawing/2014/main" id="{E2EED39F-112E-86AC-F1A5-584BB2E2C55E}"/>
-              </a:ext>
-            </a:extLst>
-          </p:cNvPr>
-          <p:cNvSpPr txBox="1"/>
-          <p:nvPr/>
-        </p:nvSpPr>
-        <p:spPr>
-          <a:xfrm>
-            <a:off x="2156271" y="1738598"/>
-            <a:ext cx="522900" cy="307777"/>
-          </a:xfrm>
-          <a:prstGeom prst="rect">
-            <a:avLst/>
-          </a:prstGeom>
-          <a:noFill/>
-        </p:spPr>
-        <p:txBody>
-          <a:bodyPr wrap="none" rtlCol="0">
-            <a:spAutoFit/>
-          </a:bodyPr>
-          <a:lstStyle/>
-          <a:p>
-            <a:r>
-              <a:rPr lang="en-US" sz="1400" b="1" dirty="0">
-                <a:solidFill>
-                  <a:srgbClr val="156082"/>
-                </a:solidFill>
-              </a:rPr>
-              <a:t>PDE</a:t>
-            </a:r>
-          </a:p>
-        </p:txBody>
-      </p:sp>
-    </p:spTree>
-    <p:extLst>
-      <p:ext uri="{BB962C8B-B14F-4D97-AF65-F5344CB8AC3E}">
-        <p14:creationId xmlns:p14="http://schemas.microsoft.com/office/powerpoint/2010/main" val="4251575081"/>
-      </p:ext>
-    </p:extLst>
-  </p:cSld>
-  <p:clrMapOvr>
-    <a:masterClrMapping/>
-  </p:clrMapOvr>
-</p:sld>
-</file>
-
-<file path=ppt/slides/slide4.xml><?xml version="1.0" encoding="utf-8"?>
-<p:sld xmlns:a="http://schemas.openxmlformats.org/drawingml/2006/main" xmlns:r="http://schemas.openxmlformats.org/officeDocument/2006/relationships" xmlns:p="http://schemas.openxmlformats.org/presentationml/2006/main">
-  <p:cSld>
-    <p:spTree>
-      <p:nvGrpSpPr>
-        <p:cNvPr id="1" name=""/>
-        <p:cNvGrpSpPr/>
-        <p:nvPr/>
-      </p:nvGrpSpPr>
-      <p:grpSpPr>
-        <a:xfrm>
-          <a:off x="0" y="0"/>
-          <a:ext cx="0" cy="0"/>
-          <a:chOff x="0" y="0"/>
-          <a:chExt cx="0" cy="0"/>
-        </a:xfrm>
-      </p:grpSpPr>
-      <p:sp>
-        <p:nvSpPr>
-          <p:cNvPr id="29" name="Rectangle 28">
-            <a:extLst>
-              <a:ext uri="{FF2B5EF4-FFF2-40B4-BE49-F238E27FC236}">
-                <a16:creationId xmlns:a16="http://schemas.microsoft.com/office/drawing/2014/main" id="{1EBB80DA-8F8F-560E-D9E9-C105BDBBA1A9}"/>
-              </a:ext>
-            </a:extLst>
-          </p:cNvPr>
-          <p:cNvSpPr/>
-          <p:nvPr/>
-        </p:nvSpPr>
-        <p:spPr>
-          <a:xfrm>
-            <a:off x="8087209" y="562345"/>
-            <a:ext cx="1609853" cy="1140300"/>
-          </a:xfrm>
-          <a:prstGeom prst="rect">
-            <a:avLst/>
-          </a:prstGeom>
-          <a:solidFill>
-            <a:srgbClr val="C00000">
-              <a:alpha val="30196"/>
-            </a:srgbClr>
-          </a:solidFill>
-          <a:ln>
-            <a:noFill/>
-          </a:ln>
-        </p:spPr>
-        <p:style>
-          <a:lnRef idx="2">
-            <a:schemeClr val="accent1">
-              <a:shade val="15000"/>
-            </a:schemeClr>
-          </a:lnRef>
-          <a:fillRef idx="1">
-            <a:schemeClr val="accent1"/>
-          </a:fillRef>
-          <a:effectRef idx="0">
-            <a:schemeClr val="accent1"/>
-          </a:effectRef>
-          <a:fontRef idx="minor">
-            <a:schemeClr val="lt1"/>
-          </a:fontRef>
-        </p:style>
-        <p:txBody>
-          <a:bodyPr rtlCol="0" anchor="ctr"/>
-          <a:lstStyle/>
-          <a:p>
-            <a:pPr algn="ctr"/>
-            <a:endParaRPr lang="en-US"/>
-          </a:p>
-        </p:txBody>
-      </p:sp>
-      <p:sp>
-        <p:nvSpPr>
-          <p:cNvPr id="28" name="Rectangle 27">
-            <a:extLst>
-              <a:ext uri="{FF2B5EF4-FFF2-40B4-BE49-F238E27FC236}">
-                <a16:creationId xmlns:a16="http://schemas.microsoft.com/office/drawing/2014/main" id="{6F50A702-6033-9BDD-4A38-2F2D609F5E66}"/>
-              </a:ext>
-            </a:extLst>
-          </p:cNvPr>
-          <p:cNvSpPr/>
-          <p:nvPr/>
-        </p:nvSpPr>
-        <p:spPr>
-          <a:xfrm>
-            <a:off x="4176020" y="276717"/>
+            <a:off x="4176020" y="27252"/>
             <a:ext cx="2867526" cy="485677"/>
           </a:xfrm>
           <a:prstGeom prst="rect">
@@ -6083,7 +3095,7 @@
         </p:nvSpPr>
         <p:spPr>
           <a:xfrm>
-            <a:off x="344347" y="273308"/>
+            <a:off x="344351" y="23842"/>
             <a:ext cx="2788009" cy="495852"/>
           </a:xfrm>
           <a:prstGeom prst="rect">
@@ -6137,7 +3149,7 @@
         </p:nvSpPr>
         <p:spPr>
           <a:xfrm>
-            <a:off x="4176020" y="276716"/>
+            <a:off x="4176020" y="27251"/>
             <a:ext cx="2867526" cy="1711559"/>
           </a:xfrm>
           <a:prstGeom prst="rect">
@@ -6191,7 +3203,7 @@
         </p:nvSpPr>
         <p:spPr>
           <a:xfrm>
-            <a:off x="344348" y="276717"/>
+            <a:off x="344352" y="27252"/>
             <a:ext cx="2788009" cy="1711559"/>
           </a:xfrm>
           <a:prstGeom prst="rect">
@@ -6245,7 +3257,7 @@
         </p:nvSpPr>
         <p:spPr>
           <a:xfrm>
-            <a:off x="344346" y="340172"/>
+            <a:off x="344350" y="90706"/>
             <a:ext cx="2778249" cy="338554"/>
           </a:xfrm>
           <a:prstGeom prst="rect">
@@ -6290,7 +3302,7 @@
         </p:nvSpPr>
         <p:spPr>
           <a:xfrm>
-            <a:off x="4176019" y="350277"/>
+            <a:off x="4176019" y="100811"/>
             <a:ext cx="2867526" cy="338554"/>
           </a:xfrm>
           <a:prstGeom prst="rect">
@@ -6335,7 +3347,7 @@
         </p:nvSpPr>
         <p:spPr>
           <a:xfrm>
-            <a:off x="8087209" y="840107"/>
+            <a:off x="8087209" y="590645"/>
             <a:ext cx="1609854" cy="584775"/>
           </a:xfrm>
           <a:prstGeom prst="rect">
@@ -6400,7 +3412,7 @@
         </p:nvCxnSpPr>
         <p:spPr>
           <a:xfrm flipV="1">
-            <a:off x="3132357" y="1132496"/>
+            <a:off x="3132361" y="883034"/>
             <a:ext cx="1043663" cy="1"/>
           </a:xfrm>
           <a:prstGeom prst="straightConnector1">
@@ -6443,7 +3455,7 @@
         </p:nvCxnSpPr>
         <p:spPr>
           <a:xfrm flipV="1">
-            <a:off x="7043546" y="1132495"/>
+            <a:off x="7043550" y="883033"/>
             <a:ext cx="1043663" cy="1"/>
           </a:xfrm>
           <a:prstGeom prst="straightConnector1">
@@ -6485,7 +3497,7 @@
         </p:nvSpPr>
         <p:spPr>
           <a:xfrm>
-            <a:off x="3524461" y="824809"/>
+            <a:off x="3524465" y="575347"/>
             <a:ext cx="259453" cy="259453"/>
           </a:xfrm>
           <a:prstGeom prst="ellipse">
@@ -6544,7 +3556,7 @@
         </p:nvSpPr>
         <p:spPr>
           <a:xfrm>
-            <a:off x="7435651" y="824809"/>
+            <a:off x="7435655" y="575347"/>
             <a:ext cx="259453" cy="259453"/>
           </a:xfrm>
           <a:prstGeom prst="ellipse">
@@ -6603,7 +3615,7 @@
         </p:nvSpPr>
         <p:spPr>
           <a:xfrm>
-            <a:off x="4289297" y="915398"/>
+            <a:off x="4289297" y="665936"/>
             <a:ext cx="2709114" cy="830997"/>
           </a:xfrm>
           <a:prstGeom prst="rect">
@@ -6685,7 +3697,7 @@
         </p:nvSpPr>
         <p:spPr>
           <a:xfrm>
-            <a:off x="452508" y="915398"/>
+            <a:off x="452512" y="665932"/>
             <a:ext cx="2761255" cy="861774"/>
           </a:xfrm>
           <a:prstGeom prst="rect">
@@ -6738,6 +3750,111 @@
               <a:t>Gabarito</a:t>
             </a:r>
             <a:endParaRPr lang="en-US" sz="1600" dirty="0"/>
+          </a:p>
+        </p:txBody>
+      </p:sp>
+      <p:cxnSp>
+        <p:nvCxnSpPr>
+          <p:cNvPr id="20" name="Connector: Elbow 19">
+            <a:extLst>
+              <a:ext uri="{FF2B5EF4-FFF2-40B4-BE49-F238E27FC236}">
+                <a16:creationId xmlns:a16="http://schemas.microsoft.com/office/drawing/2014/main" id="{8E5CFF92-8F4C-D7D2-74F3-BFFA8F3B10F9}"/>
+              </a:ext>
+            </a:extLst>
+          </p:cNvPr>
+          <p:cNvCxnSpPr>
+            <a:stCxn id="9" idx="2"/>
+            <a:endCxn id="29" idx="2"/>
+          </p:cNvCxnSpPr>
+          <p:nvPr/>
+        </p:nvCxnSpPr>
+        <p:spPr>
+          <a:xfrm rot="5400000" flipH="1" flipV="1">
+            <a:off x="5172432" y="-1980897"/>
+            <a:ext cx="285632" cy="7153783"/>
+          </a:xfrm>
+          <a:prstGeom prst="bentConnector3">
+            <a:avLst>
+              <a:gd name="adj1" fmla="val -80033"/>
+            </a:avLst>
+          </a:prstGeom>
+          <a:ln>
+            <a:tailEnd type="triangle"/>
+          </a:ln>
+        </p:spPr>
+        <p:style>
+          <a:lnRef idx="2">
+            <a:schemeClr val="accent1"/>
+          </a:lnRef>
+          <a:fillRef idx="0">
+            <a:schemeClr val="accent1"/>
+          </a:fillRef>
+          <a:effectRef idx="1">
+            <a:schemeClr val="accent1"/>
+          </a:effectRef>
+          <a:fontRef idx="minor">
+            <a:schemeClr val="tx1"/>
+          </a:fontRef>
+        </p:style>
+      </p:cxnSp>
+      <p:sp>
+        <p:nvSpPr>
+          <p:cNvPr id="15" name="Oval 14">
+            <a:extLst>
+              <a:ext uri="{FF2B5EF4-FFF2-40B4-BE49-F238E27FC236}">
+                <a16:creationId xmlns:a16="http://schemas.microsoft.com/office/drawing/2014/main" id="{16CFD7CB-8949-2CE5-30A8-BAFFA792CD5C}"/>
+              </a:ext>
+            </a:extLst>
+          </p:cNvPr>
+          <p:cNvSpPr/>
+          <p:nvPr/>
+        </p:nvSpPr>
+        <p:spPr>
+          <a:xfrm>
+            <a:off x="5480055" y="1858754"/>
+            <a:ext cx="259453" cy="259453"/>
+          </a:xfrm>
+          <a:prstGeom prst="ellipse">
+            <a:avLst/>
+          </a:prstGeom>
+          <a:solidFill>
+            <a:schemeClr val="bg1"/>
+          </a:solidFill>
+          <a:ln>
+            <a:solidFill>
+              <a:schemeClr val="accent1"/>
+            </a:solidFill>
+          </a:ln>
+        </p:spPr>
+        <p:style>
+          <a:lnRef idx="2">
+            <a:schemeClr val="accent1">
+              <a:shade val="15000"/>
+            </a:schemeClr>
+          </a:lnRef>
+          <a:fillRef idx="1">
+            <a:schemeClr val="accent1"/>
+          </a:fillRef>
+          <a:effectRef idx="0">
+            <a:schemeClr val="accent1"/>
+          </a:effectRef>
+          <a:fontRef idx="minor">
+            <a:schemeClr val="lt1"/>
+          </a:fontRef>
+        </p:style>
+        <p:txBody>
+          <a:bodyPr rtlCol="0" anchor="ctr"/>
+          <a:lstStyle/>
+          <a:p>
+            <a:pPr algn="ctr"/>
+            <a:r>
+              <a:rPr lang="en-US" sz="1100" dirty="0">
+                <a:solidFill>
+                  <a:schemeClr val="tx1"/>
+                </a:solidFill>
+              </a:rPr>
+              <a:t>3</a:t>
+            </a:r>
           </a:p>
         </p:txBody>
       </p:sp>

--- a/outros/desenho_proposta.pptx
+++ b/outros/desenho_proposta.pptx
@@ -6,6 +6,7 @@
   </p:sldMasterIdLst>
   <p:sldIdLst>
     <p:sldId id="259" r:id="rId2"/>
+    <p:sldId id="260" r:id="rId3"/>
   </p:sldIdLst>
   <p:sldSz cx="10058400" cy="2160588"/>
   <p:notesSz cx="6858000" cy="9144000"/>
@@ -243,7 +244,7 @@
           <a:p>
             <a:fld id="{E6E4C8EE-8F30-4ABB-8FFD-F6FAC0A5DBE8}" type="datetimeFigureOut">
               <a:rPr lang="en-US" smtClean="0"/>
-              <a:t>11/5/2024</a:t>
+              <a:t>11/8/2024</a:t>
             </a:fld>
             <a:endParaRPr lang="en-US"/>
           </a:p>
@@ -285,7 +286,7 @@
           <a:p>
             <a:fld id="{670EEEEE-6B5E-4AE2-9D47-9CB794AF4D5D}" type="slidenum">
               <a:rPr lang="en-US" smtClean="0"/>
-              <a:t>‹#›</a:t>
+              <a:t>‹nº›</a:t>
             </a:fld>
             <a:endParaRPr lang="en-US"/>
           </a:p>
@@ -413,7 +414,7 @@
           <a:p>
             <a:fld id="{E6E4C8EE-8F30-4ABB-8FFD-F6FAC0A5DBE8}" type="datetimeFigureOut">
               <a:rPr lang="en-US" smtClean="0"/>
-              <a:t>11/5/2024</a:t>
+              <a:t>11/8/2024</a:t>
             </a:fld>
             <a:endParaRPr lang="en-US"/>
           </a:p>
@@ -455,7 +456,7 @@
           <a:p>
             <a:fld id="{670EEEEE-6B5E-4AE2-9D47-9CB794AF4D5D}" type="slidenum">
               <a:rPr lang="en-US" smtClean="0"/>
-              <a:t>‹#›</a:t>
+              <a:t>‹nº›</a:t>
             </a:fld>
             <a:endParaRPr lang="en-US"/>
           </a:p>
@@ -593,7 +594,7 @@
           <a:p>
             <a:fld id="{E6E4C8EE-8F30-4ABB-8FFD-F6FAC0A5DBE8}" type="datetimeFigureOut">
               <a:rPr lang="en-US" smtClean="0"/>
-              <a:t>11/5/2024</a:t>
+              <a:t>11/8/2024</a:t>
             </a:fld>
             <a:endParaRPr lang="en-US"/>
           </a:p>
@@ -635,7 +636,7 @@
           <a:p>
             <a:fld id="{670EEEEE-6B5E-4AE2-9D47-9CB794AF4D5D}" type="slidenum">
               <a:rPr lang="en-US" smtClean="0"/>
-              <a:t>‹#›</a:t>
+              <a:t>‹nº›</a:t>
             </a:fld>
             <a:endParaRPr lang="en-US"/>
           </a:p>
@@ -763,7 +764,7 @@
           <a:p>
             <a:fld id="{E6E4C8EE-8F30-4ABB-8FFD-F6FAC0A5DBE8}" type="datetimeFigureOut">
               <a:rPr lang="en-US" smtClean="0"/>
-              <a:t>11/5/2024</a:t>
+              <a:t>11/8/2024</a:t>
             </a:fld>
             <a:endParaRPr lang="en-US"/>
           </a:p>
@@ -805,7 +806,7 @@
           <a:p>
             <a:fld id="{670EEEEE-6B5E-4AE2-9D47-9CB794AF4D5D}" type="slidenum">
               <a:rPr lang="en-US" smtClean="0"/>
-              <a:t>‹#›</a:t>
+              <a:t>‹nº›</a:t>
             </a:fld>
             <a:endParaRPr lang="en-US"/>
           </a:p>
@@ -1009,7 +1010,7 @@
           <a:p>
             <a:fld id="{E6E4C8EE-8F30-4ABB-8FFD-F6FAC0A5DBE8}" type="datetimeFigureOut">
               <a:rPr lang="en-US" smtClean="0"/>
-              <a:t>11/5/2024</a:t>
+              <a:t>11/8/2024</a:t>
             </a:fld>
             <a:endParaRPr lang="en-US"/>
           </a:p>
@@ -1051,7 +1052,7 @@
           <a:p>
             <a:fld id="{670EEEEE-6B5E-4AE2-9D47-9CB794AF4D5D}" type="slidenum">
               <a:rPr lang="en-US" smtClean="0"/>
-              <a:t>‹#›</a:t>
+              <a:t>‹nº›</a:t>
             </a:fld>
             <a:endParaRPr lang="en-US"/>
           </a:p>
@@ -1241,7 +1242,7 @@
           <a:p>
             <a:fld id="{E6E4C8EE-8F30-4ABB-8FFD-F6FAC0A5DBE8}" type="datetimeFigureOut">
               <a:rPr lang="en-US" smtClean="0"/>
-              <a:t>11/5/2024</a:t>
+              <a:t>11/8/2024</a:t>
             </a:fld>
             <a:endParaRPr lang="en-US"/>
           </a:p>
@@ -1283,7 +1284,7 @@
           <a:p>
             <a:fld id="{670EEEEE-6B5E-4AE2-9D47-9CB794AF4D5D}" type="slidenum">
               <a:rPr lang="en-US" smtClean="0"/>
-              <a:t>‹#›</a:t>
+              <a:t>‹nº›</a:t>
             </a:fld>
             <a:endParaRPr lang="en-US"/>
           </a:p>
@@ -1608,7 +1609,7 @@
           <a:p>
             <a:fld id="{E6E4C8EE-8F30-4ABB-8FFD-F6FAC0A5DBE8}" type="datetimeFigureOut">
               <a:rPr lang="en-US" smtClean="0"/>
-              <a:t>11/5/2024</a:t>
+              <a:t>11/8/2024</a:t>
             </a:fld>
             <a:endParaRPr lang="en-US"/>
           </a:p>
@@ -1650,7 +1651,7 @@
           <a:p>
             <a:fld id="{670EEEEE-6B5E-4AE2-9D47-9CB794AF4D5D}" type="slidenum">
               <a:rPr lang="en-US" smtClean="0"/>
-              <a:t>‹#›</a:t>
+              <a:t>‹nº›</a:t>
             </a:fld>
             <a:endParaRPr lang="en-US"/>
           </a:p>
@@ -1726,7 +1727,7 @@
           <a:p>
             <a:fld id="{E6E4C8EE-8F30-4ABB-8FFD-F6FAC0A5DBE8}" type="datetimeFigureOut">
               <a:rPr lang="en-US" smtClean="0"/>
-              <a:t>11/5/2024</a:t>
+              <a:t>11/8/2024</a:t>
             </a:fld>
             <a:endParaRPr lang="en-US"/>
           </a:p>
@@ -1768,7 +1769,7 @@
           <a:p>
             <a:fld id="{670EEEEE-6B5E-4AE2-9D47-9CB794AF4D5D}" type="slidenum">
               <a:rPr lang="en-US" smtClean="0"/>
-              <a:t>‹#›</a:t>
+              <a:t>‹nº›</a:t>
             </a:fld>
             <a:endParaRPr lang="en-US"/>
           </a:p>
@@ -1821,7 +1822,7 @@
           <a:p>
             <a:fld id="{E6E4C8EE-8F30-4ABB-8FFD-F6FAC0A5DBE8}" type="datetimeFigureOut">
               <a:rPr lang="en-US" smtClean="0"/>
-              <a:t>11/5/2024</a:t>
+              <a:t>11/8/2024</a:t>
             </a:fld>
             <a:endParaRPr lang="en-US"/>
           </a:p>
@@ -1863,7 +1864,7 @@
           <a:p>
             <a:fld id="{670EEEEE-6B5E-4AE2-9D47-9CB794AF4D5D}" type="slidenum">
               <a:rPr lang="en-US" smtClean="0"/>
-              <a:t>‹#›</a:t>
+              <a:t>‹nº›</a:t>
             </a:fld>
             <a:endParaRPr lang="en-US"/>
           </a:p>
@@ -2098,7 +2099,7 @@
           <a:p>
             <a:fld id="{E6E4C8EE-8F30-4ABB-8FFD-F6FAC0A5DBE8}" type="datetimeFigureOut">
               <a:rPr lang="en-US" smtClean="0"/>
-              <a:t>11/5/2024</a:t>
+              <a:t>11/8/2024</a:t>
             </a:fld>
             <a:endParaRPr lang="en-US"/>
           </a:p>
@@ -2140,7 +2141,7 @@
           <a:p>
             <a:fld id="{670EEEEE-6B5E-4AE2-9D47-9CB794AF4D5D}" type="slidenum">
               <a:rPr lang="en-US" smtClean="0"/>
-              <a:t>‹#›</a:t>
+              <a:t>‹nº›</a:t>
             </a:fld>
             <a:endParaRPr lang="en-US"/>
           </a:p>
@@ -2355,7 +2356,7 @@
           <a:p>
             <a:fld id="{E6E4C8EE-8F30-4ABB-8FFD-F6FAC0A5DBE8}" type="datetimeFigureOut">
               <a:rPr lang="en-US" smtClean="0"/>
-              <a:t>11/5/2024</a:t>
+              <a:t>11/8/2024</a:t>
             </a:fld>
             <a:endParaRPr lang="en-US"/>
           </a:p>
@@ -2397,7 +2398,7 @@
           <a:p>
             <a:fld id="{670EEEEE-6B5E-4AE2-9D47-9CB794AF4D5D}" type="slidenum">
               <a:rPr lang="en-US" smtClean="0"/>
-              <a:t>‹#›</a:t>
+              <a:t>‹nº›</a:t>
             </a:fld>
             <a:endParaRPr lang="en-US"/>
           </a:p>
@@ -2568,7 +2569,7 @@
           <a:p>
             <a:fld id="{E6E4C8EE-8F30-4ABB-8FFD-F6FAC0A5DBE8}" type="datetimeFigureOut">
               <a:rPr lang="en-US" smtClean="0"/>
-              <a:t>11/5/2024</a:t>
+              <a:t>11/8/2024</a:t>
             </a:fld>
             <a:endParaRPr lang="en-US"/>
           </a:p>
@@ -2646,7 +2647,7 @@
           <a:p>
             <a:fld id="{670EEEEE-6B5E-4AE2-9D47-9CB794AF4D5D}" type="slidenum">
               <a:rPr lang="en-US" smtClean="0"/>
-              <a:t>‹#›</a:t>
+              <a:t>‹nº›</a:t>
             </a:fld>
             <a:endParaRPr lang="en-US"/>
           </a:p>
@@ -3862,6 +3863,1041 @@
     <p:extLst>
       <p:ext uri="{BB962C8B-B14F-4D97-AF65-F5344CB8AC3E}">
         <p14:creationId xmlns:p14="http://schemas.microsoft.com/office/powerpoint/2010/main" val="2696231617"/>
+      </p:ext>
+    </p:extLst>
+  </p:cSld>
+  <p:clrMapOvr>
+    <a:masterClrMapping/>
+  </p:clrMapOvr>
+</p:sld>
+</file>
+
+<file path=ppt/slides/slide2.xml><?xml version="1.0" encoding="utf-8"?>
+<p:sld xmlns:a="http://schemas.openxmlformats.org/drawingml/2006/main" xmlns:r="http://schemas.openxmlformats.org/officeDocument/2006/relationships" xmlns:p="http://schemas.openxmlformats.org/presentationml/2006/main">
+  <p:cSld>
+    <p:spTree>
+      <p:nvGrpSpPr>
+        <p:cNvPr id="1" name="">
+          <a:extLst>
+            <a:ext uri="{FF2B5EF4-FFF2-40B4-BE49-F238E27FC236}">
+              <a16:creationId xmlns:a16="http://schemas.microsoft.com/office/drawing/2014/main" id="{314188D8-8EE0-6E9B-4E10-5A00DE383C75}"/>
+            </a:ext>
+          </a:extLst>
+        </p:cNvPr>
+        <p:cNvGrpSpPr/>
+        <p:nvPr/>
+      </p:nvGrpSpPr>
+      <p:grpSpPr>
+        <a:xfrm>
+          <a:off x="0" y="0"/>
+          <a:ext cx="0" cy="0"/>
+          <a:chOff x="0" y="0"/>
+          <a:chExt cx="0" cy="0"/>
+        </a:xfrm>
+      </p:grpSpPr>
+      <p:sp>
+        <p:nvSpPr>
+          <p:cNvPr id="17" name="Rectangle 26">
+            <a:extLst>
+              <a:ext uri="{FF2B5EF4-FFF2-40B4-BE49-F238E27FC236}">
+                <a16:creationId xmlns:a16="http://schemas.microsoft.com/office/drawing/2014/main" id="{5E0AD14F-FF07-94C7-1A27-379C7AD03C16}"/>
+              </a:ext>
+            </a:extLst>
+          </p:cNvPr>
+          <p:cNvSpPr/>
+          <p:nvPr/>
+        </p:nvSpPr>
+        <p:spPr>
+          <a:xfrm>
+            <a:off x="1" y="1044382"/>
+            <a:ext cx="2788009" cy="495852"/>
+          </a:xfrm>
+          <a:prstGeom prst="rect">
+            <a:avLst/>
+          </a:prstGeom>
+          <a:solidFill>
+            <a:srgbClr val="156082">
+              <a:alpha val="29020"/>
+            </a:srgbClr>
+          </a:solidFill>
+          <a:ln>
+            <a:noFill/>
+          </a:ln>
+        </p:spPr>
+        <p:style>
+          <a:lnRef idx="2">
+            <a:schemeClr val="accent1">
+              <a:shade val="15000"/>
+            </a:schemeClr>
+          </a:lnRef>
+          <a:fillRef idx="1">
+            <a:schemeClr val="accent1"/>
+          </a:fillRef>
+          <a:effectRef idx="0">
+            <a:schemeClr val="accent1"/>
+          </a:effectRef>
+          <a:fontRef idx="minor">
+            <a:schemeClr val="lt1"/>
+          </a:fontRef>
+        </p:style>
+        <p:txBody>
+          <a:bodyPr rtlCol="0" anchor="ctr"/>
+          <a:lstStyle/>
+          <a:p>
+            <a:pPr algn="ctr"/>
+            <a:endParaRPr lang="en-US"/>
+          </a:p>
+        </p:txBody>
+      </p:sp>
+      <p:sp>
+        <p:nvSpPr>
+          <p:cNvPr id="28" name="Rectangle 27">
+            <a:extLst>
+              <a:ext uri="{FF2B5EF4-FFF2-40B4-BE49-F238E27FC236}">
+                <a16:creationId xmlns:a16="http://schemas.microsoft.com/office/drawing/2014/main" id="{5CBB75B8-B221-3C82-93E1-1D3FDDD8DA30}"/>
+              </a:ext>
+            </a:extLst>
+          </p:cNvPr>
+          <p:cNvSpPr/>
+          <p:nvPr/>
+        </p:nvSpPr>
+        <p:spPr>
+          <a:xfrm>
+            <a:off x="3379277" y="185259"/>
+            <a:ext cx="2867526" cy="485677"/>
+          </a:xfrm>
+          <a:prstGeom prst="rect">
+            <a:avLst/>
+          </a:prstGeom>
+          <a:solidFill>
+            <a:schemeClr val="accent3">
+              <a:alpha val="29020"/>
+            </a:schemeClr>
+          </a:solidFill>
+          <a:ln>
+            <a:noFill/>
+          </a:ln>
+        </p:spPr>
+        <p:style>
+          <a:lnRef idx="2">
+            <a:schemeClr val="accent1">
+              <a:shade val="15000"/>
+            </a:schemeClr>
+          </a:lnRef>
+          <a:fillRef idx="1">
+            <a:schemeClr val="accent1"/>
+          </a:fillRef>
+          <a:effectRef idx="0">
+            <a:schemeClr val="accent1"/>
+          </a:effectRef>
+          <a:fontRef idx="minor">
+            <a:schemeClr val="lt1"/>
+          </a:fontRef>
+        </p:style>
+        <p:txBody>
+          <a:bodyPr rtlCol="0" anchor="ctr"/>
+          <a:lstStyle/>
+          <a:p>
+            <a:pPr algn="ctr"/>
+            <a:endParaRPr lang="en-US"/>
+          </a:p>
+        </p:txBody>
+      </p:sp>
+      <p:sp>
+        <p:nvSpPr>
+          <p:cNvPr id="27" name="Rectangle 26">
+            <a:extLst>
+              <a:ext uri="{FF2B5EF4-FFF2-40B4-BE49-F238E27FC236}">
+                <a16:creationId xmlns:a16="http://schemas.microsoft.com/office/drawing/2014/main" id="{40DFBD2A-9E28-4784-8691-4E962A9999E1}"/>
+              </a:ext>
+            </a:extLst>
+          </p:cNvPr>
+          <p:cNvSpPr/>
+          <p:nvPr/>
+        </p:nvSpPr>
+        <p:spPr>
+          <a:xfrm>
+            <a:off x="1" y="1041038"/>
+            <a:ext cx="2788009" cy="495852"/>
+          </a:xfrm>
+          <a:prstGeom prst="rect">
+            <a:avLst/>
+          </a:prstGeom>
+          <a:solidFill>
+            <a:srgbClr val="156082">
+              <a:alpha val="29020"/>
+            </a:srgbClr>
+          </a:solidFill>
+          <a:ln>
+            <a:noFill/>
+          </a:ln>
+        </p:spPr>
+        <p:style>
+          <a:lnRef idx="2">
+            <a:schemeClr val="accent1">
+              <a:shade val="15000"/>
+            </a:schemeClr>
+          </a:lnRef>
+          <a:fillRef idx="1">
+            <a:schemeClr val="accent1"/>
+          </a:fillRef>
+          <a:effectRef idx="0">
+            <a:schemeClr val="accent1"/>
+          </a:effectRef>
+          <a:fontRef idx="minor">
+            <a:schemeClr val="lt1"/>
+          </a:fontRef>
+        </p:style>
+        <p:txBody>
+          <a:bodyPr rtlCol="0" anchor="ctr"/>
+          <a:lstStyle/>
+          <a:p>
+            <a:pPr algn="ctr"/>
+            <a:endParaRPr lang="en-US"/>
+          </a:p>
+        </p:txBody>
+      </p:sp>
+      <p:sp>
+        <p:nvSpPr>
+          <p:cNvPr id="16" name="Rectangle 15">
+            <a:extLst>
+              <a:ext uri="{FF2B5EF4-FFF2-40B4-BE49-F238E27FC236}">
+                <a16:creationId xmlns:a16="http://schemas.microsoft.com/office/drawing/2014/main" id="{21E165FC-1FFF-0059-4381-04349CF9DF46}"/>
+              </a:ext>
+            </a:extLst>
+          </p:cNvPr>
+          <p:cNvSpPr/>
+          <p:nvPr/>
+        </p:nvSpPr>
+        <p:spPr>
+          <a:xfrm>
+            <a:off x="3379277" y="185258"/>
+            <a:ext cx="2867526" cy="1711559"/>
+          </a:xfrm>
+          <a:prstGeom prst="rect">
+            <a:avLst/>
+          </a:prstGeom>
+          <a:solidFill>
+            <a:schemeClr val="accent3">
+              <a:alpha val="29020"/>
+            </a:schemeClr>
+          </a:solidFill>
+          <a:ln>
+            <a:noFill/>
+          </a:ln>
+        </p:spPr>
+        <p:style>
+          <a:lnRef idx="2">
+            <a:schemeClr val="accent1">
+              <a:shade val="15000"/>
+            </a:schemeClr>
+          </a:lnRef>
+          <a:fillRef idx="1">
+            <a:schemeClr val="accent1"/>
+          </a:fillRef>
+          <a:effectRef idx="0">
+            <a:schemeClr val="accent1"/>
+          </a:effectRef>
+          <a:fontRef idx="minor">
+            <a:schemeClr val="lt1"/>
+          </a:fontRef>
+        </p:style>
+        <p:txBody>
+          <a:bodyPr rtlCol="0" anchor="ctr"/>
+          <a:lstStyle/>
+          <a:p>
+            <a:pPr algn="ctr"/>
+            <a:endParaRPr lang="en-US"/>
+          </a:p>
+        </p:txBody>
+      </p:sp>
+      <p:sp>
+        <p:nvSpPr>
+          <p:cNvPr id="4" name="TextBox 3">
+            <a:extLst>
+              <a:ext uri="{FF2B5EF4-FFF2-40B4-BE49-F238E27FC236}">
+                <a16:creationId xmlns:a16="http://schemas.microsoft.com/office/drawing/2014/main" id="{ADF06633-4065-A053-99EA-5A581C20C653}"/>
+              </a:ext>
+            </a:extLst>
+          </p:cNvPr>
+          <p:cNvSpPr txBox="1"/>
+          <p:nvPr/>
+        </p:nvSpPr>
+        <p:spPr>
+          <a:xfrm>
+            <a:off x="0" y="1107902"/>
+            <a:ext cx="2778249" cy="338554"/>
+          </a:xfrm>
+          <a:prstGeom prst="rect">
+            <a:avLst/>
+          </a:prstGeom>
+          <a:noFill/>
+        </p:spPr>
+        <p:txBody>
+          <a:bodyPr wrap="square" rtlCol="0">
+            <a:spAutoFit/>
+          </a:bodyPr>
+          <a:lstStyle/>
+          <a:p>
+            <a:pPr algn="ctr"/>
+            <a:r>
+              <a:rPr lang="en-US" sz="1600" dirty="0" err="1"/>
+              <a:t>Instrumentos</a:t>
+            </a:r>
+            <a:r>
+              <a:rPr lang="en-US" sz="1600" dirty="0"/>
+              <a:t> de </a:t>
+            </a:r>
+            <a:r>
+              <a:rPr lang="en-US" sz="1600" dirty="0" err="1"/>
+              <a:t>regulação</a:t>
+            </a:r>
+            <a:endParaRPr lang="en-US" sz="1600" dirty="0"/>
+          </a:p>
+        </p:txBody>
+      </p:sp>
+      <p:sp>
+        <p:nvSpPr>
+          <p:cNvPr id="5" name="TextBox 4">
+            <a:extLst>
+              <a:ext uri="{FF2B5EF4-FFF2-40B4-BE49-F238E27FC236}">
+                <a16:creationId xmlns:a16="http://schemas.microsoft.com/office/drawing/2014/main" id="{B340E1B3-9C98-6E47-75D6-316B9650E647}"/>
+              </a:ext>
+            </a:extLst>
+          </p:cNvPr>
+          <p:cNvSpPr txBox="1"/>
+          <p:nvPr/>
+        </p:nvSpPr>
+        <p:spPr>
+          <a:xfrm>
+            <a:off x="3379276" y="258818"/>
+            <a:ext cx="2867526" cy="338554"/>
+          </a:xfrm>
+          <a:prstGeom prst="rect">
+            <a:avLst/>
+          </a:prstGeom>
+          <a:noFill/>
+        </p:spPr>
+        <p:txBody>
+          <a:bodyPr wrap="square" rtlCol="0">
+            <a:spAutoFit/>
+          </a:bodyPr>
+          <a:lstStyle/>
+          <a:p>
+            <a:pPr algn="ctr"/>
+            <a:r>
+              <a:rPr lang="en-US" sz="1600" dirty="0" err="1"/>
+              <a:t>Padrões</a:t>
+            </a:r>
+            <a:r>
+              <a:rPr lang="en-US" sz="1600" dirty="0"/>
+              <a:t> </a:t>
+            </a:r>
+            <a:r>
+              <a:rPr lang="en-US" sz="1600" dirty="0" err="1"/>
+              <a:t>construtivos</a:t>
+            </a:r>
+            <a:endParaRPr lang="en-US" sz="1600" dirty="0"/>
+          </a:p>
+        </p:txBody>
+      </p:sp>
+      <p:cxnSp>
+        <p:nvCxnSpPr>
+          <p:cNvPr id="2" name="Straight Arrow Connector 1">
+            <a:extLst>
+              <a:ext uri="{FF2B5EF4-FFF2-40B4-BE49-F238E27FC236}">
+                <a16:creationId xmlns:a16="http://schemas.microsoft.com/office/drawing/2014/main" id="{D1D38883-A5CD-C1BC-1DAA-5BA37641C145}"/>
+              </a:ext>
+            </a:extLst>
+          </p:cNvPr>
+          <p:cNvCxnSpPr>
+            <a:cxnSpLocks/>
+            <a:stCxn id="4" idx="3"/>
+            <a:endCxn id="16" idx="1"/>
+          </p:cNvCxnSpPr>
+          <p:nvPr/>
+        </p:nvCxnSpPr>
+        <p:spPr>
+          <a:xfrm flipV="1">
+            <a:off x="2778249" y="1041038"/>
+            <a:ext cx="601028" cy="236141"/>
+          </a:xfrm>
+          <a:prstGeom prst="straightConnector1">
+            <a:avLst/>
+          </a:prstGeom>
+          <a:ln w="12700">
+            <a:solidFill>
+              <a:schemeClr val="accent1">
+                <a:alpha val="50000"/>
+              </a:schemeClr>
+            </a:solidFill>
+            <a:headEnd w="sm" len="sm"/>
+            <a:tailEnd type="stealth" w="sm" len="med"/>
+          </a:ln>
+        </p:spPr>
+        <p:style>
+          <a:lnRef idx="2">
+            <a:schemeClr val="accent1"/>
+          </a:lnRef>
+          <a:fillRef idx="0">
+            <a:schemeClr val="accent1"/>
+          </a:fillRef>
+          <a:effectRef idx="1">
+            <a:schemeClr val="accent1"/>
+          </a:effectRef>
+          <a:fontRef idx="minor">
+            <a:schemeClr val="tx1"/>
+          </a:fontRef>
+        </p:style>
+      </p:cxnSp>
+      <p:sp>
+        <p:nvSpPr>
+          <p:cNvPr id="6" name="Rectangle 15">
+            <a:extLst>
+              <a:ext uri="{FF2B5EF4-FFF2-40B4-BE49-F238E27FC236}">
+                <a16:creationId xmlns:a16="http://schemas.microsoft.com/office/drawing/2014/main" id="{1FDFB2EA-7943-1B59-F091-22E7795D9808}"/>
+              </a:ext>
+            </a:extLst>
+          </p:cNvPr>
+          <p:cNvSpPr/>
+          <p:nvPr/>
+        </p:nvSpPr>
+        <p:spPr>
+          <a:xfrm>
+            <a:off x="3379269" y="1260014"/>
+            <a:ext cx="2867526" cy="47716"/>
+          </a:xfrm>
+          <a:prstGeom prst="rect">
+            <a:avLst/>
+          </a:prstGeom>
+          <a:solidFill>
+            <a:schemeClr val="accent3">
+              <a:alpha val="29020"/>
+            </a:schemeClr>
+          </a:solidFill>
+          <a:ln>
+            <a:noFill/>
+          </a:ln>
+        </p:spPr>
+        <p:style>
+          <a:lnRef idx="2">
+            <a:schemeClr val="accent1">
+              <a:shade val="15000"/>
+            </a:schemeClr>
+          </a:lnRef>
+          <a:fillRef idx="1">
+            <a:schemeClr val="accent1"/>
+          </a:fillRef>
+          <a:effectRef idx="0">
+            <a:schemeClr val="accent1"/>
+          </a:effectRef>
+          <a:fontRef idx="minor">
+            <a:schemeClr val="lt1"/>
+          </a:fontRef>
+        </p:style>
+        <p:txBody>
+          <a:bodyPr rtlCol="0" anchor="ctr"/>
+          <a:lstStyle/>
+          <a:p>
+            <a:pPr algn="ctr"/>
+            <a:endParaRPr lang="en-US"/>
+          </a:p>
+        </p:txBody>
+      </p:sp>
+      <p:cxnSp>
+        <p:nvCxnSpPr>
+          <p:cNvPr id="10" name="Straight Arrow Connector 1">
+            <a:extLst>
+              <a:ext uri="{FF2B5EF4-FFF2-40B4-BE49-F238E27FC236}">
+                <a16:creationId xmlns:a16="http://schemas.microsoft.com/office/drawing/2014/main" id="{F4216AF6-52E4-E24C-B1E7-116376273105}"/>
+              </a:ext>
+            </a:extLst>
+          </p:cNvPr>
+          <p:cNvCxnSpPr>
+            <a:cxnSpLocks/>
+            <a:stCxn id="4" idx="3"/>
+          </p:cNvCxnSpPr>
+          <p:nvPr/>
+        </p:nvCxnSpPr>
+        <p:spPr>
+          <a:xfrm>
+            <a:off x="2778249" y="1277179"/>
+            <a:ext cx="601011" cy="323231"/>
+          </a:xfrm>
+          <a:prstGeom prst="straightConnector1">
+            <a:avLst/>
+          </a:prstGeom>
+          <a:ln w="31750">
+            <a:tailEnd type="triangle" w="med" len="lg"/>
+          </a:ln>
+        </p:spPr>
+        <p:style>
+          <a:lnRef idx="2">
+            <a:schemeClr val="accent1"/>
+          </a:lnRef>
+          <a:fillRef idx="0">
+            <a:schemeClr val="accent1"/>
+          </a:fillRef>
+          <a:effectRef idx="1">
+            <a:schemeClr val="accent1"/>
+          </a:effectRef>
+          <a:fontRef idx="minor">
+            <a:schemeClr val="tx1"/>
+          </a:fontRef>
+        </p:style>
+      </p:cxnSp>
+      <p:sp>
+        <p:nvSpPr>
+          <p:cNvPr id="18" name="TextBox 3">
+            <a:extLst>
+              <a:ext uri="{FF2B5EF4-FFF2-40B4-BE49-F238E27FC236}">
+                <a16:creationId xmlns:a16="http://schemas.microsoft.com/office/drawing/2014/main" id="{C1E25DD9-81E9-61D7-5F58-F80085FCFD5D}"/>
+              </a:ext>
+            </a:extLst>
+          </p:cNvPr>
+          <p:cNvSpPr txBox="1"/>
+          <p:nvPr/>
+        </p:nvSpPr>
+        <p:spPr>
+          <a:xfrm>
+            <a:off x="3369516" y="803127"/>
+            <a:ext cx="2778249" cy="338554"/>
+          </a:xfrm>
+          <a:prstGeom prst="rect">
+            <a:avLst/>
+          </a:prstGeom>
+          <a:noFill/>
+        </p:spPr>
+        <p:txBody>
+          <a:bodyPr wrap="square" rtlCol="0">
+            <a:spAutoFit/>
+          </a:bodyPr>
+          <a:lstStyle/>
+          <a:p>
+            <a:pPr algn="ctr"/>
+            <a:r>
+              <a:rPr lang="en-US" sz="1600" dirty="0" err="1"/>
+              <a:t>Mudança</a:t>
+            </a:r>
+            <a:r>
+              <a:rPr lang="en-US" sz="1600" dirty="0"/>
+              <a:t> dos </a:t>
+            </a:r>
+            <a:r>
+              <a:rPr lang="en-US" sz="1600" dirty="0" err="1"/>
+              <a:t>padrões</a:t>
+            </a:r>
+            <a:endParaRPr lang="en-US" sz="1600" dirty="0"/>
+          </a:p>
+        </p:txBody>
+      </p:sp>
+      <p:sp>
+        <p:nvSpPr>
+          <p:cNvPr id="19" name="TextBox 3">
+            <a:extLst>
+              <a:ext uri="{FF2B5EF4-FFF2-40B4-BE49-F238E27FC236}">
+                <a16:creationId xmlns:a16="http://schemas.microsoft.com/office/drawing/2014/main" id="{B4DBDA8C-8721-C245-739B-C326BC6B2E38}"/>
+              </a:ext>
+            </a:extLst>
+          </p:cNvPr>
+          <p:cNvSpPr txBox="1"/>
+          <p:nvPr/>
+        </p:nvSpPr>
+        <p:spPr>
+          <a:xfrm>
+            <a:off x="3423907" y="1426063"/>
+            <a:ext cx="2778249" cy="338554"/>
+          </a:xfrm>
+          <a:prstGeom prst="rect">
+            <a:avLst/>
+          </a:prstGeom>
+          <a:noFill/>
+        </p:spPr>
+        <p:txBody>
+          <a:bodyPr wrap="square" rtlCol="0">
+            <a:spAutoFit/>
+          </a:bodyPr>
+          <a:lstStyle/>
+          <a:p>
+            <a:pPr algn="ctr"/>
+            <a:r>
+              <a:rPr lang="en-US" sz="1600" dirty="0" err="1"/>
+              <a:t>Não</a:t>
+            </a:r>
+            <a:r>
+              <a:rPr lang="en-US" sz="1600" dirty="0"/>
+              <a:t> </a:t>
+            </a:r>
+            <a:r>
+              <a:rPr lang="en-US" sz="1600" dirty="0" err="1"/>
+              <a:t>houve</a:t>
+            </a:r>
+            <a:r>
+              <a:rPr lang="en-US" sz="1600" dirty="0"/>
+              <a:t> </a:t>
+            </a:r>
+            <a:r>
+              <a:rPr lang="en-US" sz="1600" dirty="0" err="1"/>
+              <a:t>mudança</a:t>
+            </a:r>
+            <a:endParaRPr lang="en-US" sz="1600" dirty="0"/>
+          </a:p>
+        </p:txBody>
+      </p:sp>
+      <p:cxnSp>
+        <p:nvCxnSpPr>
+          <p:cNvPr id="22" name="Straight Arrow Connector 13">
+            <a:extLst>
+              <a:ext uri="{FF2B5EF4-FFF2-40B4-BE49-F238E27FC236}">
+                <a16:creationId xmlns:a16="http://schemas.microsoft.com/office/drawing/2014/main" id="{7CEBB08E-783E-8529-5137-181D8FECECEF}"/>
+              </a:ext>
+            </a:extLst>
+          </p:cNvPr>
+          <p:cNvCxnSpPr>
+            <a:cxnSpLocks/>
+          </p:cNvCxnSpPr>
+          <p:nvPr/>
+        </p:nvCxnSpPr>
+        <p:spPr>
+          <a:xfrm>
+            <a:off x="6246777" y="1693042"/>
+            <a:ext cx="769301" cy="0"/>
+          </a:xfrm>
+          <a:prstGeom prst="straightConnector1">
+            <a:avLst/>
+          </a:prstGeom>
+          <a:ln w="31750" cmpd="sng">
+            <a:solidFill>
+              <a:schemeClr val="accent3"/>
+            </a:solidFill>
+            <a:tailEnd type="triangle" w="med" len="lg"/>
+          </a:ln>
+        </p:spPr>
+        <p:style>
+          <a:lnRef idx="2">
+            <a:schemeClr val="accent1"/>
+          </a:lnRef>
+          <a:fillRef idx="0">
+            <a:schemeClr val="accent1"/>
+          </a:fillRef>
+          <a:effectRef idx="1">
+            <a:schemeClr val="accent1"/>
+          </a:effectRef>
+          <a:fontRef idx="minor">
+            <a:schemeClr val="tx1"/>
+          </a:fontRef>
+        </p:style>
+      </p:cxnSp>
+      <p:sp>
+        <p:nvSpPr>
+          <p:cNvPr id="24" name="Rectangle 27">
+            <a:extLst>
+              <a:ext uri="{FF2B5EF4-FFF2-40B4-BE49-F238E27FC236}">
+                <a16:creationId xmlns:a16="http://schemas.microsoft.com/office/drawing/2014/main" id="{93C8408D-CBF1-852E-D4C9-2121B37A0E61}"/>
+              </a:ext>
+            </a:extLst>
+          </p:cNvPr>
+          <p:cNvSpPr/>
+          <p:nvPr/>
+        </p:nvSpPr>
+        <p:spPr>
+          <a:xfrm>
+            <a:off x="7060734" y="185259"/>
+            <a:ext cx="2867526" cy="485677"/>
+          </a:xfrm>
+          <a:prstGeom prst="rect">
+            <a:avLst/>
+          </a:prstGeom>
+          <a:solidFill>
+            <a:srgbClr val="C00000">
+              <a:alpha val="29020"/>
+            </a:srgbClr>
+          </a:solidFill>
+          <a:ln>
+            <a:noFill/>
+          </a:ln>
+        </p:spPr>
+        <p:style>
+          <a:lnRef idx="2">
+            <a:schemeClr val="accent1">
+              <a:shade val="15000"/>
+            </a:schemeClr>
+          </a:lnRef>
+          <a:fillRef idx="1">
+            <a:schemeClr val="accent1"/>
+          </a:fillRef>
+          <a:effectRef idx="0">
+            <a:schemeClr val="accent1"/>
+          </a:effectRef>
+          <a:fontRef idx="minor">
+            <a:schemeClr val="lt1"/>
+          </a:fontRef>
+        </p:style>
+        <p:txBody>
+          <a:bodyPr rtlCol="0" anchor="ctr"/>
+          <a:lstStyle/>
+          <a:p>
+            <a:pPr algn="ctr"/>
+            <a:endParaRPr lang="en-US"/>
+          </a:p>
+        </p:txBody>
+      </p:sp>
+      <p:sp>
+        <p:nvSpPr>
+          <p:cNvPr id="25" name="Rectangle 15">
+            <a:extLst>
+              <a:ext uri="{FF2B5EF4-FFF2-40B4-BE49-F238E27FC236}">
+                <a16:creationId xmlns:a16="http://schemas.microsoft.com/office/drawing/2014/main" id="{2B262E1B-054E-9973-E238-CA9033A3E3F5}"/>
+              </a:ext>
+            </a:extLst>
+          </p:cNvPr>
+          <p:cNvSpPr/>
+          <p:nvPr/>
+        </p:nvSpPr>
+        <p:spPr>
+          <a:xfrm>
+            <a:off x="7060734" y="185258"/>
+            <a:ext cx="2867526" cy="1711559"/>
+          </a:xfrm>
+          <a:prstGeom prst="rect">
+            <a:avLst/>
+          </a:prstGeom>
+          <a:solidFill>
+            <a:srgbClr val="C00000">
+              <a:alpha val="29020"/>
+            </a:srgbClr>
+          </a:solidFill>
+          <a:ln>
+            <a:noFill/>
+          </a:ln>
+        </p:spPr>
+        <p:style>
+          <a:lnRef idx="2">
+            <a:schemeClr val="accent1">
+              <a:shade val="15000"/>
+            </a:schemeClr>
+          </a:lnRef>
+          <a:fillRef idx="1">
+            <a:schemeClr val="accent1"/>
+          </a:fillRef>
+          <a:effectRef idx="0">
+            <a:schemeClr val="accent1"/>
+          </a:effectRef>
+          <a:fontRef idx="minor">
+            <a:schemeClr val="lt1"/>
+          </a:fontRef>
+        </p:style>
+        <p:txBody>
+          <a:bodyPr rtlCol="0" anchor="ctr"/>
+          <a:lstStyle/>
+          <a:p>
+            <a:pPr algn="ctr"/>
+            <a:endParaRPr lang="en-US"/>
+          </a:p>
+        </p:txBody>
+      </p:sp>
+      <p:sp>
+        <p:nvSpPr>
+          <p:cNvPr id="26" name="TextBox 4">
+            <a:extLst>
+              <a:ext uri="{FF2B5EF4-FFF2-40B4-BE49-F238E27FC236}">
+                <a16:creationId xmlns:a16="http://schemas.microsoft.com/office/drawing/2014/main" id="{CC99993A-A941-8288-E0E4-EAFB249B060F}"/>
+              </a:ext>
+            </a:extLst>
+          </p:cNvPr>
+          <p:cNvSpPr txBox="1"/>
+          <p:nvPr/>
+        </p:nvSpPr>
+        <p:spPr>
+          <a:xfrm>
+            <a:off x="7060733" y="258818"/>
+            <a:ext cx="2867526" cy="338554"/>
+          </a:xfrm>
+          <a:prstGeom prst="rect">
+            <a:avLst/>
+          </a:prstGeom>
+          <a:noFill/>
+        </p:spPr>
+        <p:txBody>
+          <a:bodyPr wrap="square" rtlCol="0">
+            <a:spAutoFit/>
+          </a:bodyPr>
+          <a:lstStyle/>
+          <a:p>
+            <a:pPr algn="ctr"/>
+            <a:r>
+              <a:rPr lang="en-US" sz="1600" dirty="0" err="1"/>
+              <a:t>Densidade</a:t>
+            </a:r>
+            <a:r>
+              <a:rPr lang="en-US" sz="1600" dirty="0"/>
+              <a:t> </a:t>
+            </a:r>
+            <a:r>
+              <a:rPr lang="en-US" sz="1600" dirty="0" err="1"/>
+              <a:t>populacional</a:t>
+            </a:r>
+            <a:endParaRPr lang="en-US" sz="1600" dirty="0"/>
+          </a:p>
+        </p:txBody>
+      </p:sp>
+      <p:sp>
+        <p:nvSpPr>
+          <p:cNvPr id="30" name="Rectangle 15">
+            <a:extLst>
+              <a:ext uri="{FF2B5EF4-FFF2-40B4-BE49-F238E27FC236}">
+                <a16:creationId xmlns:a16="http://schemas.microsoft.com/office/drawing/2014/main" id="{DC52EF7E-CB3E-7031-C6F7-9676BFE1EBE8}"/>
+              </a:ext>
+            </a:extLst>
+          </p:cNvPr>
+          <p:cNvSpPr/>
+          <p:nvPr/>
+        </p:nvSpPr>
+        <p:spPr>
+          <a:xfrm>
+            <a:off x="7060726" y="1260014"/>
+            <a:ext cx="2867526" cy="47716"/>
+          </a:xfrm>
+          <a:prstGeom prst="rect">
+            <a:avLst/>
+          </a:prstGeom>
+          <a:solidFill>
+            <a:srgbClr val="C00000">
+              <a:alpha val="29020"/>
+            </a:srgbClr>
+          </a:solidFill>
+          <a:ln>
+            <a:noFill/>
+          </a:ln>
+        </p:spPr>
+        <p:style>
+          <a:lnRef idx="2">
+            <a:schemeClr val="accent1">
+              <a:shade val="15000"/>
+            </a:schemeClr>
+          </a:lnRef>
+          <a:fillRef idx="1">
+            <a:schemeClr val="accent1"/>
+          </a:fillRef>
+          <a:effectRef idx="0">
+            <a:schemeClr val="accent1"/>
+          </a:effectRef>
+          <a:fontRef idx="minor">
+            <a:schemeClr val="lt1"/>
+          </a:fontRef>
+        </p:style>
+        <p:txBody>
+          <a:bodyPr rtlCol="0" anchor="ctr"/>
+          <a:lstStyle/>
+          <a:p>
+            <a:pPr algn="ctr"/>
+            <a:endParaRPr lang="en-US"/>
+          </a:p>
+        </p:txBody>
+      </p:sp>
+      <p:sp>
+        <p:nvSpPr>
+          <p:cNvPr id="31" name="TextBox 3">
+            <a:extLst>
+              <a:ext uri="{FF2B5EF4-FFF2-40B4-BE49-F238E27FC236}">
+                <a16:creationId xmlns:a16="http://schemas.microsoft.com/office/drawing/2014/main" id="{758F65F4-3E3E-4BC0-3046-3D88508E7407}"/>
+              </a:ext>
+            </a:extLst>
+          </p:cNvPr>
+          <p:cNvSpPr txBox="1"/>
+          <p:nvPr/>
+        </p:nvSpPr>
+        <p:spPr>
+          <a:xfrm>
+            <a:off x="7050973" y="803127"/>
+            <a:ext cx="2778249" cy="338554"/>
+          </a:xfrm>
+          <a:prstGeom prst="rect">
+            <a:avLst/>
+          </a:prstGeom>
+          <a:noFill/>
+        </p:spPr>
+        <p:txBody>
+          <a:bodyPr wrap="square" rtlCol="0">
+            <a:spAutoFit/>
+          </a:bodyPr>
+          <a:lstStyle/>
+          <a:p>
+            <a:pPr algn="ctr"/>
+            <a:r>
+              <a:rPr lang="en-US" sz="1600" dirty="0" err="1"/>
+              <a:t>Mudança</a:t>
+            </a:r>
+            <a:r>
+              <a:rPr lang="en-US" sz="1600" dirty="0"/>
+              <a:t> </a:t>
+            </a:r>
+            <a:r>
+              <a:rPr lang="en-US" sz="1600" dirty="0" err="1"/>
+              <a:t>na</a:t>
+            </a:r>
+            <a:r>
+              <a:rPr lang="en-US" sz="1600" dirty="0"/>
+              <a:t> </a:t>
+            </a:r>
+            <a:r>
+              <a:rPr lang="en-US" sz="1600" dirty="0" err="1"/>
+              <a:t>densidade</a:t>
+            </a:r>
+            <a:endParaRPr lang="en-US" sz="1600" dirty="0"/>
+          </a:p>
+        </p:txBody>
+      </p:sp>
+      <p:sp>
+        <p:nvSpPr>
+          <p:cNvPr id="35" name="TextBox 3">
+            <a:extLst>
+              <a:ext uri="{FF2B5EF4-FFF2-40B4-BE49-F238E27FC236}">
+                <a16:creationId xmlns:a16="http://schemas.microsoft.com/office/drawing/2014/main" id="{4642AA7E-CFCF-E70D-BE22-BF62FFB810C3}"/>
+              </a:ext>
+            </a:extLst>
+          </p:cNvPr>
+          <p:cNvSpPr txBox="1"/>
+          <p:nvPr/>
+        </p:nvSpPr>
+        <p:spPr>
+          <a:xfrm>
+            <a:off x="7105364" y="1426063"/>
+            <a:ext cx="2778249" cy="338554"/>
+          </a:xfrm>
+          <a:prstGeom prst="rect">
+            <a:avLst/>
+          </a:prstGeom>
+          <a:noFill/>
+        </p:spPr>
+        <p:txBody>
+          <a:bodyPr wrap="square" rtlCol="0">
+            <a:spAutoFit/>
+          </a:bodyPr>
+          <a:lstStyle/>
+          <a:p>
+            <a:pPr algn="ctr"/>
+            <a:r>
+              <a:rPr lang="en-US" sz="1600" dirty="0" err="1"/>
+              <a:t>Não</a:t>
+            </a:r>
+            <a:r>
+              <a:rPr lang="en-US" sz="1600" dirty="0"/>
+              <a:t> </a:t>
+            </a:r>
+            <a:r>
+              <a:rPr lang="en-US" sz="1600" dirty="0" err="1"/>
+              <a:t>houve</a:t>
+            </a:r>
+            <a:r>
+              <a:rPr lang="en-US" sz="1600" dirty="0"/>
+              <a:t> </a:t>
+            </a:r>
+            <a:r>
+              <a:rPr lang="en-US" sz="1600" dirty="0" err="1"/>
+              <a:t>mudança</a:t>
+            </a:r>
+            <a:endParaRPr lang="en-US" sz="1600" dirty="0"/>
+          </a:p>
+        </p:txBody>
+      </p:sp>
+      <p:cxnSp>
+        <p:nvCxnSpPr>
+          <p:cNvPr id="42" name="Straight Arrow Connector 13">
+            <a:extLst>
+              <a:ext uri="{FF2B5EF4-FFF2-40B4-BE49-F238E27FC236}">
+                <a16:creationId xmlns:a16="http://schemas.microsoft.com/office/drawing/2014/main" id="{808EB98A-1436-5276-C56B-9D963039858F}"/>
+              </a:ext>
+            </a:extLst>
+          </p:cNvPr>
+          <p:cNvCxnSpPr>
+            <a:cxnSpLocks/>
+          </p:cNvCxnSpPr>
+          <p:nvPr/>
+        </p:nvCxnSpPr>
+        <p:spPr>
+          <a:xfrm>
+            <a:off x="6246785" y="972404"/>
+            <a:ext cx="769301" cy="0"/>
+          </a:xfrm>
+          <a:prstGeom prst="straightConnector1">
+            <a:avLst/>
+          </a:prstGeom>
+          <a:ln w="12700">
+            <a:solidFill>
+              <a:schemeClr val="accent1">
+                <a:alpha val="50000"/>
+              </a:schemeClr>
+            </a:solidFill>
+            <a:tailEnd type="stealth" w="sm" len="med"/>
+          </a:ln>
+        </p:spPr>
+        <p:style>
+          <a:lnRef idx="2">
+            <a:schemeClr val="accent1"/>
+          </a:lnRef>
+          <a:fillRef idx="0">
+            <a:schemeClr val="accent1"/>
+          </a:fillRef>
+          <a:effectRef idx="1">
+            <a:schemeClr val="accent1"/>
+          </a:effectRef>
+          <a:fontRef idx="minor">
+            <a:schemeClr val="tx1"/>
+          </a:fontRef>
+        </p:style>
+      </p:cxnSp>
+      <p:cxnSp>
+        <p:nvCxnSpPr>
+          <p:cNvPr id="43" name="Straight Arrow Connector 13">
+            <a:extLst>
+              <a:ext uri="{FF2B5EF4-FFF2-40B4-BE49-F238E27FC236}">
+                <a16:creationId xmlns:a16="http://schemas.microsoft.com/office/drawing/2014/main" id="{41C0F080-3878-84BC-8E5C-BDE6D0FA5C7E}"/>
+              </a:ext>
+            </a:extLst>
+          </p:cNvPr>
+          <p:cNvCxnSpPr>
+            <a:cxnSpLocks/>
+          </p:cNvCxnSpPr>
+          <p:nvPr/>
+        </p:nvCxnSpPr>
+        <p:spPr>
+          <a:xfrm>
+            <a:off x="6246777" y="971538"/>
+            <a:ext cx="769301" cy="565352"/>
+          </a:xfrm>
+          <a:prstGeom prst="straightConnector1">
+            <a:avLst/>
+          </a:prstGeom>
+          <a:ln w="12700">
+            <a:solidFill>
+              <a:schemeClr val="accent1">
+                <a:alpha val="50000"/>
+              </a:schemeClr>
+            </a:solidFill>
+            <a:prstDash val="sysDash"/>
+            <a:tailEnd type="triangle"/>
+          </a:ln>
+        </p:spPr>
+        <p:style>
+          <a:lnRef idx="2">
+            <a:schemeClr val="accent1"/>
+          </a:lnRef>
+          <a:fillRef idx="0">
+            <a:schemeClr val="accent1"/>
+          </a:fillRef>
+          <a:effectRef idx="1">
+            <a:schemeClr val="accent1"/>
+          </a:effectRef>
+          <a:fontRef idx="minor">
+            <a:schemeClr val="tx1"/>
+          </a:fontRef>
+        </p:style>
+      </p:cxnSp>
+    </p:spTree>
+    <p:extLst>
+      <p:ext uri="{BB962C8B-B14F-4D97-AF65-F5344CB8AC3E}">
+        <p14:creationId xmlns:p14="http://schemas.microsoft.com/office/powerpoint/2010/main" val="3785114326"/>
       </p:ext>
     </p:extLst>
   </p:cSld>

--- a/outros/desenho_proposta.pptx
+++ b/outros/desenho_proposta.pptx
@@ -6,7 +6,6 @@
   </p:sldMasterIdLst>
   <p:sldIdLst>
     <p:sldId id="259" r:id="rId2"/>
-    <p:sldId id="260" r:id="rId3"/>
   </p:sldIdLst>
   <p:sldSz cx="10058400" cy="2160588"/>
   <p:notesSz cx="6858000" cy="9144000"/>
@@ -244,7 +243,7 @@
           <a:p>
             <a:fld id="{E6E4C8EE-8F30-4ABB-8FFD-F6FAC0A5DBE8}" type="datetimeFigureOut">
               <a:rPr lang="en-US" smtClean="0"/>
-              <a:t>11/8/2024</a:t>
+              <a:t>11/9/2024</a:t>
             </a:fld>
             <a:endParaRPr lang="en-US"/>
           </a:p>
@@ -414,7 +413,7 @@
           <a:p>
             <a:fld id="{E6E4C8EE-8F30-4ABB-8FFD-F6FAC0A5DBE8}" type="datetimeFigureOut">
               <a:rPr lang="en-US" smtClean="0"/>
-              <a:t>11/8/2024</a:t>
+              <a:t>11/9/2024</a:t>
             </a:fld>
             <a:endParaRPr lang="en-US"/>
           </a:p>
@@ -594,7 +593,7 @@
           <a:p>
             <a:fld id="{E6E4C8EE-8F30-4ABB-8FFD-F6FAC0A5DBE8}" type="datetimeFigureOut">
               <a:rPr lang="en-US" smtClean="0"/>
-              <a:t>11/8/2024</a:t>
+              <a:t>11/9/2024</a:t>
             </a:fld>
             <a:endParaRPr lang="en-US"/>
           </a:p>
@@ -764,7 +763,7 @@
           <a:p>
             <a:fld id="{E6E4C8EE-8F30-4ABB-8FFD-F6FAC0A5DBE8}" type="datetimeFigureOut">
               <a:rPr lang="en-US" smtClean="0"/>
-              <a:t>11/8/2024</a:t>
+              <a:t>11/9/2024</a:t>
             </a:fld>
             <a:endParaRPr lang="en-US"/>
           </a:p>
@@ -1010,7 +1009,7 @@
           <a:p>
             <a:fld id="{E6E4C8EE-8F30-4ABB-8FFD-F6FAC0A5DBE8}" type="datetimeFigureOut">
               <a:rPr lang="en-US" smtClean="0"/>
-              <a:t>11/8/2024</a:t>
+              <a:t>11/9/2024</a:t>
             </a:fld>
             <a:endParaRPr lang="en-US"/>
           </a:p>
@@ -1242,7 +1241,7 @@
           <a:p>
             <a:fld id="{E6E4C8EE-8F30-4ABB-8FFD-F6FAC0A5DBE8}" type="datetimeFigureOut">
               <a:rPr lang="en-US" smtClean="0"/>
-              <a:t>11/8/2024</a:t>
+              <a:t>11/9/2024</a:t>
             </a:fld>
             <a:endParaRPr lang="en-US"/>
           </a:p>
@@ -1609,7 +1608,7 @@
           <a:p>
             <a:fld id="{E6E4C8EE-8F30-4ABB-8FFD-F6FAC0A5DBE8}" type="datetimeFigureOut">
               <a:rPr lang="en-US" smtClean="0"/>
-              <a:t>11/8/2024</a:t>
+              <a:t>11/9/2024</a:t>
             </a:fld>
             <a:endParaRPr lang="en-US"/>
           </a:p>
@@ -1727,7 +1726,7 @@
           <a:p>
             <a:fld id="{E6E4C8EE-8F30-4ABB-8FFD-F6FAC0A5DBE8}" type="datetimeFigureOut">
               <a:rPr lang="en-US" smtClean="0"/>
-              <a:t>11/8/2024</a:t>
+              <a:t>11/9/2024</a:t>
             </a:fld>
             <a:endParaRPr lang="en-US"/>
           </a:p>
@@ -1822,7 +1821,7 @@
           <a:p>
             <a:fld id="{E6E4C8EE-8F30-4ABB-8FFD-F6FAC0A5DBE8}" type="datetimeFigureOut">
               <a:rPr lang="en-US" smtClean="0"/>
-              <a:t>11/8/2024</a:t>
+              <a:t>11/9/2024</a:t>
             </a:fld>
             <a:endParaRPr lang="en-US"/>
           </a:p>
@@ -2099,7 +2098,7 @@
           <a:p>
             <a:fld id="{E6E4C8EE-8F30-4ABB-8FFD-F6FAC0A5DBE8}" type="datetimeFigureOut">
               <a:rPr lang="en-US" smtClean="0"/>
-              <a:t>11/8/2024</a:t>
+              <a:t>11/9/2024</a:t>
             </a:fld>
             <a:endParaRPr lang="en-US"/>
           </a:p>
@@ -2356,7 +2355,7 @@
           <a:p>
             <a:fld id="{E6E4C8EE-8F30-4ABB-8FFD-F6FAC0A5DBE8}" type="datetimeFigureOut">
               <a:rPr lang="en-US" smtClean="0"/>
-              <a:t>11/8/2024</a:t>
+              <a:t>11/9/2024</a:t>
             </a:fld>
             <a:endParaRPr lang="en-US"/>
           </a:p>
@@ -2569,7 +2568,7 @@
           <a:p>
             <a:fld id="{E6E4C8EE-8F30-4ABB-8FFD-F6FAC0A5DBE8}" type="datetimeFigureOut">
               <a:rPr lang="en-US" smtClean="0"/>
-              <a:t>11/8/2024</a:t>
+              <a:t>11/9/2024</a:t>
             </a:fld>
             <a:endParaRPr lang="en-US"/>
           </a:p>
@@ -3863,1041 +3862,6 @@
     <p:extLst>
       <p:ext uri="{BB962C8B-B14F-4D97-AF65-F5344CB8AC3E}">
         <p14:creationId xmlns:p14="http://schemas.microsoft.com/office/powerpoint/2010/main" val="2696231617"/>
-      </p:ext>
-    </p:extLst>
-  </p:cSld>
-  <p:clrMapOvr>
-    <a:masterClrMapping/>
-  </p:clrMapOvr>
-</p:sld>
-</file>
-
-<file path=ppt/slides/slide2.xml><?xml version="1.0" encoding="utf-8"?>
-<p:sld xmlns:a="http://schemas.openxmlformats.org/drawingml/2006/main" xmlns:r="http://schemas.openxmlformats.org/officeDocument/2006/relationships" xmlns:p="http://schemas.openxmlformats.org/presentationml/2006/main">
-  <p:cSld>
-    <p:spTree>
-      <p:nvGrpSpPr>
-        <p:cNvPr id="1" name="">
-          <a:extLst>
-            <a:ext uri="{FF2B5EF4-FFF2-40B4-BE49-F238E27FC236}">
-              <a16:creationId xmlns:a16="http://schemas.microsoft.com/office/drawing/2014/main" id="{314188D8-8EE0-6E9B-4E10-5A00DE383C75}"/>
-            </a:ext>
-          </a:extLst>
-        </p:cNvPr>
-        <p:cNvGrpSpPr/>
-        <p:nvPr/>
-      </p:nvGrpSpPr>
-      <p:grpSpPr>
-        <a:xfrm>
-          <a:off x="0" y="0"/>
-          <a:ext cx="0" cy="0"/>
-          <a:chOff x="0" y="0"/>
-          <a:chExt cx="0" cy="0"/>
-        </a:xfrm>
-      </p:grpSpPr>
-      <p:sp>
-        <p:nvSpPr>
-          <p:cNvPr id="17" name="Rectangle 26">
-            <a:extLst>
-              <a:ext uri="{FF2B5EF4-FFF2-40B4-BE49-F238E27FC236}">
-                <a16:creationId xmlns:a16="http://schemas.microsoft.com/office/drawing/2014/main" id="{5E0AD14F-FF07-94C7-1A27-379C7AD03C16}"/>
-              </a:ext>
-            </a:extLst>
-          </p:cNvPr>
-          <p:cNvSpPr/>
-          <p:nvPr/>
-        </p:nvSpPr>
-        <p:spPr>
-          <a:xfrm>
-            <a:off x="1" y="1044382"/>
-            <a:ext cx="2788009" cy="495852"/>
-          </a:xfrm>
-          <a:prstGeom prst="rect">
-            <a:avLst/>
-          </a:prstGeom>
-          <a:solidFill>
-            <a:srgbClr val="156082">
-              <a:alpha val="29020"/>
-            </a:srgbClr>
-          </a:solidFill>
-          <a:ln>
-            <a:noFill/>
-          </a:ln>
-        </p:spPr>
-        <p:style>
-          <a:lnRef idx="2">
-            <a:schemeClr val="accent1">
-              <a:shade val="15000"/>
-            </a:schemeClr>
-          </a:lnRef>
-          <a:fillRef idx="1">
-            <a:schemeClr val="accent1"/>
-          </a:fillRef>
-          <a:effectRef idx="0">
-            <a:schemeClr val="accent1"/>
-          </a:effectRef>
-          <a:fontRef idx="minor">
-            <a:schemeClr val="lt1"/>
-          </a:fontRef>
-        </p:style>
-        <p:txBody>
-          <a:bodyPr rtlCol="0" anchor="ctr"/>
-          <a:lstStyle/>
-          <a:p>
-            <a:pPr algn="ctr"/>
-            <a:endParaRPr lang="en-US"/>
-          </a:p>
-        </p:txBody>
-      </p:sp>
-      <p:sp>
-        <p:nvSpPr>
-          <p:cNvPr id="28" name="Rectangle 27">
-            <a:extLst>
-              <a:ext uri="{FF2B5EF4-FFF2-40B4-BE49-F238E27FC236}">
-                <a16:creationId xmlns:a16="http://schemas.microsoft.com/office/drawing/2014/main" id="{5CBB75B8-B221-3C82-93E1-1D3FDDD8DA30}"/>
-              </a:ext>
-            </a:extLst>
-          </p:cNvPr>
-          <p:cNvSpPr/>
-          <p:nvPr/>
-        </p:nvSpPr>
-        <p:spPr>
-          <a:xfrm>
-            <a:off x="3379277" y="185259"/>
-            <a:ext cx="2867526" cy="485677"/>
-          </a:xfrm>
-          <a:prstGeom prst="rect">
-            <a:avLst/>
-          </a:prstGeom>
-          <a:solidFill>
-            <a:schemeClr val="accent3">
-              <a:alpha val="29020"/>
-            </a:schemeClr>
-          </a:solidFill>
-          <a:ln>
-            <a:noFill/>
-          </a:ln>
-        </p:spPr>
-        <p:style>
-          <a:lnRef idx="2">
-            <a:schemeClr val="accent1">
-              <a:shade val="15000"/>
-            </a:schemeClr>
-          </a:lnRef>
-          <a:fillRef idx="1">
-            <a:schemeClr val="accent1"/>
-          </a:fillRef>
-          <a:effectRef idx="0">
-            <a:schemeClr val="accent1"/>
-          </a:effectRef>
-          <a:fontRef idx="minor">
-            <a:schemeClr val="lt1"/>
-          </a:fontRef>
-        </p:style>
-        <p:txBody>
-          <a:bodyPr rtlCol="0" anchor="ctr"/>
-          <a:lstStyle/>
-          <a:p>
-            <a:pPr algn="ctr"/>
-            <a:endParaRPr lang="en-US"/>
-          </a:p>
-        </p:txBody>
-      </p:sp>
-      <p:sp>
-        <p:nvSpPr>
-          <p:cNvPr id="27" name="Rectangle 26">
-            <a:extLst>
-              <a:ext uri="{FF2B5EF4-FFF2-40B4-BE49-F238E27FC236}">
-                <a16:creationId xmlns:a16="http://schemas.microsoft.com/office/drawing/2014/main" id="{40DFBD2A-9E28-4784-8691-4E962A9999E1}"/>
-              </a:ext>
-            </a:extLst>
-          </p:cNvPr>
-          <p:cNvSpPr/>
-          <p:nvPr/>
-        </p:nvSpPr>
-        <p:spPr>
-          <a:xfrm>
-            <a:off x="1" y="1041038"/>
-            <a:ext cx="2788009" cy="495852"/>
-          </a:xfrm>
-          <a:prstGeom prst="rect">
-            <a:avLst/>
-          </a:prstGeom>
-          <a:solidFill>
-            <a:srgbClr val="156082">
-              <a:alpha val="29020"/>
-            </a:srgbClr>
-          </a:solidFill>
-          <a:ln>
-            <a:noFill/>
-          </a:ln>
-        </p:spPr>
-        <p:style>
-          <a:lnRef idx="2">
-            <a:schemeClr val="accent1">
-              <a:shade val="15000"/>
-            </a:schemeClr>
-          </a:lnRef>
-          <a:fillRef idx="1">
-            <a:schemeClr val="accent1"/>
-          </a:fillRef>
-          <a:effectRef idx="0">
-            <a:schemeClr val="accent1"/>
-          </a:effectRef>
-          <a:fontRef idx="minor">
-            <a:schemeClr val="lt1"/>
-          </a:fontRef>
-        </p:style>
-        <p:txBody>
-          <a:bodyPr rtlCol="0" anchor="ctr"/>
-          <a:lstStyle/>
-          <a:p>
-            <a:pPr algn="ctr"/>
-            <a:endParaRPr lang="en-US"/>
-          </a:p>
-        </p:txBody>
-      </p:sp>
-      <p:sp>
-        <p:nvSpPr>
-          <p:cNvPr id="16" name="Rectangle 15">
-            <a:extLst>
-              <a:ext uri="{FF2B5EF4-FFF2-40B4-BE49-F238E27FC236}">
-                <a16:creationId xmlns:a16="http://schemas.microsoft.com/office/drawing/2014/main" id="{21E165FC-1FFF-0059-4381-04349CF9DF46}"/>
-              </a:ext>
-            </a:extLst>
-          </p:cNvPr>
-          <p:cNvSpPr/>
-          <p:nvPr/>
-        </p:nvSpPr>
-        <p:spPr>
-          <a:xfrm>
-            <a:off x="3379277" y="185258"/>
-            <a:ext cx="2867526" cy="1711559"/>
-          </a:xfrm>
-          <a:prstGeom prst="rect">
-            <a:avLst/>
-          </a:prstGeom>
-          <a:solidFill>
-            <a:schemeClr val="accent3">
-              <a:alpha val="29020"/>
-            </a:schemeClr>
-          </a:solidFill>
-          <a:ln>
-            <a:noFill/>
-          </a:ln>
-        </p:spPr>
-        <p:style>
-          <a:lnRef idx="2">
-            <a:schemeClr val="accent1">
-              <a:shade val="15000"/>
-            </a:schemeClr>
-          </a:lnRef>
-          <a:fillRef idx="1">
-            <a:schemeClr val="accent1"/>
-          </a:fillRef>
-          <a:effectRef idx="0">
-            <a:schemeClr val="accent1"/>
-          </a:effectRef>
-          <a:fontRef idx="minor">
-            <a:schemeClr val="lt1"/>
-          </a:fontRef>
-        </p:style>
-        <p:txBody>
-          <a:bodyPr rtlCol="0" anchor="ctr"/>
-          <a:lstStyle/>
-          <a:p>
-            <a:pPr algn="ctr"/>
-            <a:endParaRPr lang="en-US"/>
-          </a:p>
-        </p:txBody>
-      </p:sp>
-      <p:sp>
-        <p:nvSpPr>
-          <p:cNvPr id="4" name="TextBox 3">
-            <a:extLst>
-              <a:ext uri="{FF2B5EF4-FFF2-40B4-BE49-F238E27FC236}">
-                <a16:creationId xmlns:a16="http://schemas.microsoft.com/office/drawing/2014/main" id="{ADF06633-4065-A053-99EA-5A581C20C653}"/>
-              </a:ext>
-            </a:extLst>
-          </p:cNvPr>
-          <p:cNvSpPr txBox="1"/>
-          <p:nvPr/>
-        </p:nvSpPr>
-        <p:spPr>
-          <a:xfrm>
-            <a:off x="0" y="1107902"/>
-            <a:ext cx="2778249" cy="338554"/>
-          </a:xfrm>
-          <a:prstGeom prst="rect">
-            <a:avLst/>
-          </a:prstGeom>
-          <a:noFill/>
-        </p:spPr>
-        <p:txBody>
-          <a:bodyPr wrap="square" rtlCol="0">
-            <a:spAutoFit/>
-          </a:bodyPr>
-          <a:lstStyle/>
-          <a:p>
-            <a:pPr algn="ctr"/>
-            <a:r>
-              <a:rPr lang="en-US" sz="1600" dirty="0" err="1"/>
-              <a:t>Instrumentos</a:t>
-            </a:r>
-            <a:r>
-              <a:rPr lang="en-US" sz="1600" dirty="0"/>
-              <a:t> de </a:t>
-            </a:r>
-            <a:r>
-              <a:rPr lang="en-US" sz="1600" dirty="0" err="1"/>
-              <a:t>regulação</a:t>
-            </a:r>
-            <a:endParaRPr lang="en-US" sz="1600" dirty="0"/>
-          </a:p>
-        </p:txBody>
-      </p:sp>
-      <p:sp>
-        <p:nvSpPr>
-          <p:cNvPr id="5" name="TextBox 4">
-            <a:extLst>
-              <a:ext uri="{FF2B5EF4-FFF2-40B4-BE49-F238E27FC236}">
-                <a16:creationId xmlns:a16="http://schemas.microsoft.com/office/drawing/2014/main" id="{B340E1B3-9C98-6E47-75D6-316B9650E647}"/>
-              </a:ext>
-            </a:extLst>
-          </p:cNvPr>
-          <p:cNvSpPr txBox="1"/>
-          <p:nvPr/>
-        </p:nvSpPr>
-        <p:spPr>
-          <a:xfrm>
-            <a:off x="3379276" y="258818"/>
-            <a:ext cx="2867526" cy="338554"/>
-          </a:xfrm>
-          <a:prstGeom prst="rect">
-            <a:avLst/>
-          </a:prstGeom>
-          <a:noFill/>
-        </p:spPr>
-        <p:txBody>
-          <a:bodyPr wrap="square" rtlCol="0">
-            <a:spAutoFit/>
-          </a:bodyPr>
-          <a:lstStyle/>
-          <a:p>
-            <a:pPr algn="ctr"/>
-            <a:r>
-              <a:rPr lang="en-US" sz="1600" dirty="0" err="1"/>
-              <a:t>Padrões</a:t>
-            </a:r>
-            <a:r>
-              <a:rPr lang="en-US" sz="1600" dirty="0"/>
-              <a:t> </a:t>
-            </a:r>
-            <a:r>
-              <a:rPr lang="en-US" sz="1600" dirty="0" err="1"/>
-              <a:t>construtivos</a:t>
-            </a:r>
-            <a:endParaRPr lang="en-US" sz="1600" dirty="0"/>
-          </a:p>
-        </p:txBody>
-      </p:sp>
-      <p:cxnSp>
-        <p:nvCxnSpPr>
-          <p:cNvPr id="2" name="Straight Arrow Connector 1">
-            <a:extLst>
-              <a:ext uri="{FF2B5EF4-FFF2-40B4-BE49-F238E27FC236}">
-                <a16:creationId xmlns:a16="http://schemas.microsoft.com/office/drawing/2014/main" id="{D1D38883-A5CD-C1BC-1DAA-5BA37641C145}"/>
-              </a:ext>
-            </a:extLst>
-          </p:cNvPr>
-          <p:cNvCxnSpPr>
-            <a:cxnSpLocks/>
-            <a:stCxn id="4" idx="3"/>
-            <a:endCxn id="16" idx="1"/>
-          </p:cNvCxnSpPr>
-          <p:nvPr/>
-        </p:nvCxnSpPr>
-        <p:spPr>
-          <a:xfrm flipV="1">
-            <a:off x="2778249" y="1041038"/>
-            <a:ext cx="601028" cy="236141"/>
-          </a:xfrm>
-          <a:prstGeom prst="straightConnector1">
-            <a:avLst/>
-          </a:prstGeom>
-          <a:ln w="12700">
-            <a:solidFill>
-              <a:schemeClr val="accent1">
-                <a:alpha val="50000"/>
-              </a:schemeClr>
-            </a:solidFill>
-            <a:headEnd w="sm" len="sm"/>
-            <a:tailEnd type="stealth" w="sm" len="med"/>
-          </a:ln>
-        </p:spPr>
-        <p:style>
-          <a:lnRef idx="2">
-            <a:schemeClr val="accent1"/>
-          </a:lnRef>
-          <a:fillRef idx="0">
-            <a:schemeClr val="accent1"/>
-          </a:fillRef>
-          <a:effectRef idx="1">
-            <a:schemeClr val="accent1"/>
-          </a:effectRef>
-          <a:fontRef idx="minor">
-            <a:schemeClr val="tx1"/>
-          </a:fontRef>
-        </p:style>
-      </p:cxnSp>
-      <p:sp>
-        <p:nvSpPr>
-          <p:cNvPr id="6" name="Rectangle 15">
-            <a:extLst>
-              <a:ext uri="{FF2B5EF4-FFF2-40B4-BE49-F238E27FC236}">
-                <a16:creationId xmlns:a16="http://schemas.microsoft.com/office/drawing/2014/main" id="{1FDFB2EA-7943-1B59-F091-22E7795D9808}"/>
-              </a:ext>
-            </a:extLst>
-          </p:cNvPr>
-          <p:cNvSpPr/>
-          <p:nvPr/>
-        </p:nvSpPr>
-        <p:spPr>
-          <a:xfrm>
-            <a:off x="3379269" y="1260014"/>
-            <a:ext cx="2867526" cy="47716"/>
-          </a:xfrm>
-          <a:prstGeom prst="rect">
-            <a:avLst/>
-          </a:prstGeom>
-          <a:solidFill>
-            <a:schemeClr val="accent3">
-              <a:alpha val="29020"/>
-            </a:schemeClr>
-          </a:solidFill>
-          <a:ln>
-            <a:noFill/>
-          </a:ln>
-        </p:spPr>
-        <p:style>
-          <a:lnRef idx="2">
-            <a:schemeClr val="accent1">
-              <a:shade val="15000"/>
-            </a:schemeClr>
-          </a:lnRef>
-          <a:fillRef idx="1">
-            <a:schemeClr val="accent1"/>
-          </a:fillRef>
-          <a:effectRef idx="0">
-            <a:schemeClr val="accent1"/>
-          </a:effectRef>
-          <a:fontRef idx="minor">
-            <a:schemeClr val="lt1"/>
-          </a:fontRef>
-        </p:style>
-        <p:txBody>
-          <a:bodyPr rtlCol="0" anchor="ctr"/>
-          <a:lstStyle/>
-          <a:p>
-            <a:pPr algn="ctr"/>
-            <a:endParaRPr lang="en-US"/>
-          </a:p>
-        </p:txBody>
-      </p:sp>
-      <p:cxnSp>
-        <p:nvCxnSpPr>
-          <p:cNvPr id="10" name="Straight Arrow Connector 1">
-            <a:extLst>
-              <a:ext uri="{FF2B5EF4-FFF2-40B4-BE49-F238E27FC236}">
-                <a16:creationId xmlns:a16="http://schemas.microsoft.com/office/drawing/2014/main" id="{F4216AF6-52E4-E24C-B1E7-116376273105}"/>
-              </a:ext>
-            </a:extLst>
-          </p:cNvPr>
-          <p:cNvCxnSpPr>
-            <a:cxnSpLocks/>
-            <a:stCxn id="4" idx="3"/>
-          </p:cNvCxnSpPr>
-          <p:nvPr/>
-        </p:nvCxnSpPr>
-        <p:spPr>
-          <a:xfrm>
-            <a:off x="2778249" y="1277179"/>
-            <a:ext cx="601011" cy="323231"/>
-          </a:xfrm>
-          <a:prstGeom prst="straightConnector1">
-            <a:avLst/>
-          </a:prstGeom>
-          <a:ln w="31750">
-            <a:tailEnd type="triangle" w="med" len="lg"/>
-          </a:ln>
-        </p:spPr>
-        <p:style>
-          <a:lnRef idx="2">
-            <a:schemeClr val="accent1"/>
-          </a:lnRef>
-          <a:fillRef idx="0">
-            <a:schemeClr val="accent1"/>
-          </a:fillRef>
-          <a:effectRef idx="1">
-            <a:schemeClr val="accent1"/>
-          </a:effectRef>
-          <a:fontRef idx="minor">
-            <a:schemeClr val="tx1"/>
-          </a:fontRef>
-        </p:style>
-      </p:cxnSp>
-      <p:sp>
-        <p:nvSpPr>
-          <p:cNvPr id="18" name="TextBox 3">
-            <a:extLst>
-              <a:ext uri="{FF2B5EF4-FFF2-40B4-BE49-F238E27FC236}">
-                <a16:creationId xmlns:a16="http://schemas.microsoft.com/office/drawing/2014/main" id="{C1E25DD9-81E9-61D7-5F58-F80085FCFD5D}"/>
-              </a:ext>
-            </a:extLst>
-          </p:cNvPr>
-          <p:cNvSpPr txBox="1"/>
-          <p:nvPr/>
-        </p:nvSpPr>
-        <p:spPr>
-          <a:xfrm>
-            <a:off x="3369516" y="803127"/>
-            <a:ext cx="2778249" cy="338554"/>
-          </a:xfrm>
-          <a:prstGeom prst="rect">
-            <a:avLst/>
-          </a:prstGeom>
-          <a:noFill/>
-        </p:spPr>
-        <p:txBody>
-          <a:bodyPr wrap="square" rtlCol="0">
-            <a:spAutoFit/>
-          </a:bodyPr>
-          <a:lstStyle/>
-          <a:p>
-            <a:pPr algn="ctr"/>
-            <a:r>
-              <a:rPr lang="en-US" sz="1600" dirty="0" err="1"/>
-              <a:t>Mudança</a:t>
-            </a:r>
-            <a:r>
-              <a:rPr lang="en-US" sz="1600" dirty="0"/>
-              <a:t> dos </a:t>
-            </a:r>
-            <a:r>
-              <a:rPr lang="en-US" sz="1600" dirty="0" err="1"/>
-              <a:t>padrões</a:t>
-            </a:r>
-            <a:endParaRPr lang="en-US" sz="1600" dirty="0"/>
-          </a:p>
-        </p:txBody>
-      </p:sp>
-      <p:sp>
-        <p:nvSpPr>
-          <p:cNvPr id="19" name="TextBox 3">
-            <a:extLst>
-              <a:ext uri="{FF2B5EF4-FFF2-40B4-BE49-F238E27FC236}">
-                <a16:creationId xmlns:a16="http://schemas.microsoft.com/office/drawing/2014/main" id="{B4DBDA8C-8721-C245-739B-C326BC6B2E38}"/>
-              </a:ext>
-            </a:extLst>
-          </p:cNvPr>
-          <p:cNvSpPr txBox="1"/>
-          <p:nvPr/>
-        </p:nvSpPr>
-        <p:spPr>
-          <a:xfrm>
-            <a:off x="3423907" y="1426063"/>
-            <a:ext cx="2778249" cy="338554"/>
-          </a:xfrm>
-          <a:prstGeom prst="rect">
-            <a:avLst/>
-          </a:prstGeom>
-          <a:noFill/>
-        </p:spPr>
-        <p:txBody>
-          <a:bodyPr wrap="square" rtlCol="0">
-            <a:spAutoFit/>
-          </a:bodyPr>
-          <a:lstStyle/>
-          <a:p>
-            <a:pPr algn="ctr"/>
-            <a:r>
-              <a:rPr lang="en-US" sz="1600" dirty="0" err="1"/>
-              <a:t>Não</a:t>
-            </a:r>
-            <a:r>
-              <a:rPr lang="en-US" sz="1600" dirty="0"/>
-              <a:t> </a:t>
-            </a:r>
-            <a:r>
-              <a:rPr lang="en-US" sz="1600" dirty="0" err="1"/>
-              <a:t>houve</a:t>
-            </a:r>
-            <a:r>
-              <a:rPr lang="en-US" sz="1600" dirty="0"/>
-              <a:t> </a:t>
-            </a:r>
-            <a:r>
-              <a:rPr lang="en-US" sz="1600" dirty="0" err="1"/>
-              <a:t>mudança</a:t>
-            </a:r>
-            <a:endParaRPr lang="en-US" sz="1600" dirty="0"/>
-          </a:p>
-        </p:txBody>
-      </p:sp>
-      <p:cxnSp>
-        <p:nvCxnSpPr>
-          <p:cNvPr id="22" name="Straight Arrow Connector 13">
-            <a:extLst>
-              <a:ext uri="{FF2B5EF4-FFF2-40B4-BE49-F238E27FC236}">
-                <a16:creationId xmlns:a16="http://schemas.microsoft.com/office/drawing/2014/main" id="{7CEBB08E-783E-8529-5137-181D8FECECEF}"/>
-              </a:ext>
-            </a:extLst>
-          </p:cNvPr>
-          <p:cNvCxnSpPr>
-            <a:cxnSpLocks/>
-          </p:cNvCxnSpPr>
-          <p:nvPr/>
-        </p:nvCxnSpPr>
-        <p:spPr>
-          <a:xfrm>
-            <a:off x="6246777" y="1693042"/>
-            <a:ext cx="769301" cy="0"/>
-          </a:xfrm>
-          <a:prstGeom prst="straightConnector1">
-            <a:avLst/>
-          </a:prstGeom>
-          <a:ln w="31750" cmpd="sng">
-            <a:solidFill>
-              <a:schemeClr val="accent3"/>
-            </a:solidFill>
-            <a:tailEnd type="triangle" w="med" len="lg"/>
-          </a:ln>
-        </p:spPr>
-        <p:style>
-          <a:lnRef idx="2">
-            <a:schemeClr val="accent1"/>
-          </a:lnRef>
-          <a:fillRef idx="0">
-            <a:schemeClr val="accent1"/>
-          </a:fillRef>
-          <a:effectRef idx="1">
-            <a:schemeClr val="accent1"/>
-          </a:effectRef>
-          <a:fontRef idx="minor">
-            <a:schemeClr val="tx1"/>
-          </a:fontRef>
-        </p:style>
-      </p:cxnSp>
-      <p:sp>
-        <p:nvSpPr>
-          <p:cNvPr id="24" name="Rectangle 27">
-            <a:extLst>
-              <a:ext uri="{FF2B5EF4-FFF2-40B4-BE49-F238E27FC236}">
-                <a16:creationId xmlns:a16="http://schemas.microsoft.com/office/drawing/2014/main" id="{93C8408D-CBF1-852E-D4C9-2121B37A0E61}"/>
-              </a:ext>
-            </a:extLst>
-          </p:cNvPr>
-          <p:cNvSpPr/>
-          <p:nvPr/>
-        </p:nvSpPr>
-        <p:spPr>
-          <a:xfrm>
-            <a:off x="7060734" y="185259"/>
-            <a:ext cx="2867526" cy="485677"/>
-          </a:xfrm>
-          <a:prstGeom prst="rect">
-            <a:avLst/>
-          </a:prstGeom>
-          <a:solidFill>
-            <a:srgbClr val="C00000">
-              <a:alpha val="29020"/>
-            </a:srgbClr>
-          </a:solidFill>
-          <a:ln>
-            <a:noFill/>
-          </a:ln>
-        </p:spPr>
-        <p:style>
-          <a:lnRef idx="2">
-            <a:schemeClr val="accent1">
-              <a:shade val="15000"/>
-            </a:schemeClr>
-          </a:lnRef>
-          <a:fillRef idx="1">
-            <a:schemeClr val="accent1"/>
-          </a:fillRef>
-          <a:effectRef idx="0">
-            <a:schemeClr val="accent1"/>
-          </a:effectRef>
-          <a:fontRef idx="minor">
-            <a:schemeClr val="lt1"/>
-          </a:fontRef>
-        </p:style>
-        <p:txBody>
-          <a:bodyPr rtlCol="0" anchor="ctr"/>
-          <a:lstStyle/>
-          <a:p>
-            <a:pPr algn="ctr"/>
-            <a:endParaRPr lang="en-US"/>
-          </a:p>
-        </p:txBody>
-      </p:sp>
-      <p:sp>
-        <p:nvSpPr>
-          <p:cNvPr id="25" name="Rectangle 15">
-            <a:extLst>
-              <a:ext uri="{FF2B5EF4-FFF2-40B4-BE49-F238E27FC236}">
-                <a16:creationId xmlns:a16="http://schemas.microsoft.com/office/drawing/2014/main" id="{2B262E1B-054E-9973-E238-CA9033A3E3F5}"/>
-              </a:ext>
-            </a:extLst>
-          </p:cNvPr>
-          <p:cNvSpPr/>
-          <p:nvPr/>
-        </p:nvSpPr>
-        <p:spPr>
-          <a:xfrm>
-            <a:off x="7060734" y="185258"/>
-            <a:ext cx="2867526" cy="1711559"/>
-          </a:xfrm>
-          <a:prstGeom prst="rect">
-            <a:avLst/>
-          </a:prstGeom>
-          <a:solidFill>
-            <a:srgbClr val="C00000">
-              <a:alpha val="29020"/>
-            </a:srgbClr>
-          </a:solidFill>
-          <a:ln>
-            <a:noFill/>
-          </a:ln>
-        </p:spPr>
-        <p:style>
-          <a:lnRef idx="2">
-            <a:schemeClr val="accent1">
-              <a:shade val="15000"/>
-            </a:schemeClr>
-          </a:lnRef>
-          <a:fillRef idx="1">
-            <a:schemeClr val="accent1"/>
-          </a:fillRef>
-          <a:effectRef idx="0">
-            <a:schemeClr val="accent1"/>
-          </a:effectRef>
-          <a:fontRef idx="minor">
-            <a:schemeClr val="lt1"/>
-          </a:fontRef>
-        </p:style>
-        <p:txBody>
-          <a:bodyPr rtlCol="0" anchor="ctr"/>
-          <a:lstStyle/>
-          <a:p>
-            <a:pPr algn="ctr"/>
-            <a:endParaRPr lang="en-US"/>
-          </a:p>
-        </p:txBody>
-      </p:sp>
-      <p:sp>
-        <p:nvSpPr>
-          <p:cNvPr id="26" name="TextBox 4">
-            <a:extLst>
-              <a:ext uri="{FF2B5EF4-FFF2-40B4-BE49-F238E27FC236}">
-                <a16:creationId xmlns:a16="http://schemas.microsoft.com/office/drawing/2014/main" id="{CC99993A-A941-8288-E0E4-EAFB249B060F}"/>
-              </a:ext>
-            </a:extLst>
-          </p:cNvPr>
-          <p:cNvSpPr txBox="1"/>
-          <p:nvPr/>
-        </p:nvSpPr>
-        <p:spPr>
-          <a:xfrm>
-            <a:off x="7060733" y="258818"/>
-            <a:ext cx="2867526" cy="338554"/>
-          </a:xfrm>
-          <a:prstGeom prst="rect">
-            <a:avLst/>
-          </a:prstGeom>
-          <a:noFill/>
-        </p:spPr>
-        <p:txBody>
-          <a:bodyPr wrap="square" rtlCol="0">
-            <a:spAutoFit/>
-          </a:bodyPr>
-          <a:lstStyle/>
-          <a:p>
-            <a:pPr algn="ctr"/>
-            <a:r>
-              <a:rPr lang="en-US" sz="1600" dirty="0" err="1"/>
-              <a:t>Densidade</a:t>
-            </a:r>
-            <a:r>
-              <a:rPr lang="en-US" sz="1600" dirty="0"/>
-              <a:t> </a:t>
-            </a:r>
-            <a:r>
-              <a:rPr lang="en-US" sz="1600" dirty="0" err="1"/>
-              <a:t>populacional</a:t>
-            </a:r>
-            <a:endParaRPr lang="en-US" sz="1600" dirty="0"/>
-          </a:p>
-        </p:txBody>
-      </p:sp>
-      <p:sp>
-        <p:nvSpPr>
-          <p:cNvPr id="30" name="Rectangle 15">
-            <a:extLst>
-              <a:ext uri="{FF2B5EF4-FFF2-40B4-BE49-F238E27FC236}">
-                <a16:creationId xmlns:a16="http://schemas.microsoft.com/office/drawing/2014/main" id="{DC52EF7E-CB3E-7031-C6F7-9676BFE1EBE8}"/>
-              </a:ext>
-            </a:extLst>
-          </p:cNvPr>
-          <p:cNvSpPr/>
-          <p:nvPr/>
-        </p:nvSpPr>
-        <p:spPr>
-          <a:xfrm>
-            <a:off x="7060726" y="1260014"/>
-            <a:ext cx="2867526" cy="47716"/>
-          </a:xfrm>
-          <a:prstGeom prst="rect">
-            <a:avLst/>
-          </a:prstGeom>
-          <a:solidFill>
-            <a:srgbClr val="C00000">
-              <a:alpha val="29020"/>
-            </a:srgbClr>
-          </a:solidFill>
-          <a:ln>
-            <a:noFill/>
-          </a:ln>
-        </p:spPr>
-        <p:style>
-          <a:lnRef idx="2">
-            <a:schemeClr val="accent1">
-              <a:shade val="15000"/>
-            </a:schemeClr>
-          </a:lnRef>
-          <a:fillRef idx="1">
-            <a:schemeClr val="accent1"/>
-          </a:fillRef>
-          <a:effectRef idx="0">
-            <a:schemeClr val="accent1"/>
-          </a:effectRef>
-          <a:fontRef idx="minor">
-            <a:schemeClr val="lt1"/>
-          </a:fontRef>
-        </p:style>
-        <p:txBody>
-          <a:bodyPr rtlCol="0" anchor="ctr"/>
-          <a:lstStyle/>
-          <a:p>
-            <a:pPr algn="ctr"/>
-            <a:endParaRPr lang="en-US"/>
-          </a:p>
-        </p:txBody>
-      </p:sp>
-      <p:sp>
-        <p:nvSpPr>
-          <p:cNvPr id="31" name="TextBox 3">
-            <a:extLst>
-              <a:ext uri="{FF2B5EF4-FFF2-40B4-BE49-F238E27FC236}">
-                <a16:creationId xmlns:a16="http://schemas.microsoft.com/office/drawing/2014/main" id="{758F65F4-3E3E-4BC0-3046-3D88508E7407}"/>
-              </a:ext>
-            </a:extLst>
-          </p:cNvPr>
-          <p:cNvSpPr txBox="1"/>
-          <p:nvPr/>
-        </p:nvSpPr>
-        <p:spPr>
-          <a:xfrm>
-            <a:off x="7050973" y="803127"/>
-            <a:ext cx="2778249" cy="338554"/>
-          </a:xfrm>
-          <a:prstGeom prst="rect">
-            <a:avLst/>
-          </a:prstGeom>
-          <a:noFill/>
-        </p:spPr>
-        <p:txBody>
-          <a:bodyPr wrap="square" rtlCol="0">
-            <a:spAutoFit/>
-          </a:bodyPr>
-          <a:lstStyle/>
-          <a:p>
-            <a:pPr algn="ctr"/>
-            <a:r>
-              <a:rPr lang="en-US" sz="1600" dirty="0" err="1"/>
-              <a:t>Mudança</a:t>
-            </a:r>
-            <a:r>
-              <a:rPr lang="en-US" sz="1600" dirty="0"/>
-              <a:t> </a:t>
-            </a:r>
-            <a:r>
-              <a:rPr lang="en-US" sz="1600" dirty="0" err="1"/>
-              <a:t>na</a:t>
-            </a:r>
-            <a:r>
-              <a:rPr lang="en-US" sz="1600" dirty="0"/>
-              <a:t> </a:t>
-            </a:r>
-            <a:r>
-              <a:rPr lang="en-US" sz="1600" dirty="0" err="1"/>
-              <a:t>densidade</a:t>
-            </a:r>
-            <a:endParaRPr lang="en-US" sz="1600" dirty="0"/>
-          </a:p>
-        </p:txBody>
-      </p:sp>
-      <p:sp>
-        <p:nvSpPr>
-          <p:cNvPr id="35" name="TextBox 3">
-            <a:extLst>
-              <a:ext uri="{FF2B5EF4-FFF2-40B4-BE49-F238E27FC236}">
-                <a16:creationId xmlns:a16="http://schemas.microsoft.com/office/drawing/2014/main" id="{4642AA7E-CFCF-E70D-BE22-BF62FFB810C3}"/>
-              </a:ext>
-            </a:extLst>
-          </p:cNvPr>
-          <p:cNvSpPr txBox="1"/>
-          <p:nvPr/>
-        </p:nvSpPr>
-        <p:spPr>
-          <a:xfrm>
-            <a:off x="7105364" y="1426063"/>
-            <a:ext cx="2778249" cy="338554"/>
-          </a:xfrm>
-          <a:prstGeom prst="rect">
-            <a:avLst/>
-          </a:prstGeom>
-          <a:noFill/>
-        </p:spPr>
-        <p:txBody>
-          <a:bodyPr wrap="square" rtlCol="0">
-            <a:spAutoFit/>
-          </a:bodyPr>
-          <a:lstStyle/>
-          <a:p>
-            <a:pPr algn="ctr"/>
-            <a:r>
-              <a:rPr lang="en-US" sz="1600" dirty="0" err="1"/>
-              <a:t>Não</a:t>
-            </a:r>
-            <a:r>
-              <a:rPr lang="en-US" sz="1600" dirty="0"/>
-              <a:t> </a:t>
-            </a:r>
-            <a:r>
-              <a:rPr lang="en-US" sz="1600" dirty="0" err="1"/>
-              <a:t>houve</a:t>
-            </a:r>
-            <a:r>
-              <a:rPr lang="en-US" sz="1600" dirty="0"/>
-              <a:t> </a:t>
-            </a:r>
-            <a:r>
-              <a:rPr lang="en-US" sz="1600" dirty="0" err="1"/>
-              <a:t>mudança</a:t>
-            </a:r>
-            <a:endParaRPr lang="en-US" sz="1600" dirty="0"/>
-          </a:p>
-        </p:txBody>
-      </p:sp>
-      <p:cxnSp>
-        <p:nvCxnSpPr>
-          <p:cNvPr id="42" name="Straight Arrow Connector 13">
-            <a:extLst>
-              <a:ext uri="{FF2B5EF4-FFF2-40B4-BE49-F238E27FC236}">
-                <a16:creationId xmlns:a16="http://schemas.microsoft.com/office/drawing/2014/main" id="{808EB98A-1436-5276-C56B-9D963039858F}"/>
-              </a:ext>
-            </a:extLst>
-          </p:cNvPr>
-          <p:cNvCxnSpPr>
-            <a:cxnSpLocks/>
-          </p:cNvCxnSpPr>
-          <p:nvPr/>
-        </p:nvCxnSpPr>
-        <p:spPr>
-          <a:xfrm>
-            <a:off x="6246785" y="972404"/>
-            <a:ext cx="769301" cy="0"/>
-          </a:xfrm>
-          <a:prstGeom prst="straightConnector1">
-            <a:avLst/>
-          </a:prstGeom>
-          <a:ln w="12700">
-            <a:solidFill>
-              <a:schemeClr val="accent1">
-                <a:alpha val="50000"/>
-              </a:schemeClr>
-            </a:solidFill>
-            <a:tailEnd type="stealth" w="sm" len="med"/>
-          </a:ln>
-        </p:spPr>
-        <p:style>
-          <a:lnRef idx="2">
-            <a:schemeClr val="accent1"/>
-          </a:lnRef>
-          <a:fillRef idx="0">
-            <a:schemeClr val="accent1"/>
-          </a:fillRef>
-          <a:effectRef idx="1">
-            <a:schemeClr val="accent1"/>
-          </a:effectRef>
-          <a:fontRef idx="minor">
-            <a:schemeClr val="tx1"/>
-          </a:fontRef>
-        </p:style>
-      </p:cxnSp>
-      <p:cxnSp>
-        <p:nvCxnSpPr>
-          <p:cNvPr id="43" name="Straight Arrow Connector 13">
-            <a:extLst>
-              <a:ext uri="{FF2B5EF4-FFF2-40B4-BE49-F238E27FC236}">
-                <a16:creationId xmlns:a16="http://schemas.microsoft.com/office/drawing/2014/main" id="{41C0F080-3878-84BC-8E5C-BDE6D0FA5C7E}"/>
-              </a:ext>
-            </a:extLst>
-          </p:cNvPr>
-          <p:cNvCxnSpPr>
-            <a:cxnSpLocks/>
-          </p:cNvCxnSpPr>
-          <p:nvPr/>
-        </p:nvCxnSpPr>
-        <p:spPr>
-          <a:xfrm>
-            <a:off x="6246777" y="971538"/>
-            <a:ext cx="769301" cy="565352"/>
-          </a:xfrm>
-          <a:prstGeom prst="straightConnector1">
-            <a:avLst/>
-          </a:prstGeom>
-          <a:ln w="12700">
-            <a:solidFill>
-              <a:schemeClr val="accent1">
-                <a:alpha val="50000"/>
-              </a:schemeClr>
-            </a:solidFill>
-            <a:prstDash val="sysDash"/>
-            <a:tailEnd type="triangle"/>
-          </a:ln>
-        </p:spPr>
-        <p:style>
-          <a:lnRef idx="2">
-            <a:schemeClr val="accent1"/>
-          </a:lnRef>
-          <a:fillRef idx="0">
-            <a:schemeClr val="accent1"/>
-          </a:fillRef>
-          <a:effectRef idx="1">
-            <a:schemeClr val="accent1"/>
-          </a:effectRef>
-          <a:fontRef idx="minor">
-            <a:schemeClr val="tx1"/>
-          </a:fontRef>
-        </p:style>
-      </p:cxnSp>
-    </p:spTree>
-    <p:extLst>
-      <p:ext uri="{BB962C8B-B14F-4D97-AF65-F5344CB8AC3E}">
-        <p14:creationId xmlns:p14="http://schemas.microsoft.com/office/powerpoint/2010/main" val="3785114326"/>
       </p:ext>
     </p:extLst>
   </p:cSld>
